--- a/Slides/Lesson 1.3 The Data Design Recipe.pptx
+++ b/Slides/Lesson 1.3 The Data Design Recipe.pptx
@@ -5,7 +5,7 @@
     <p:sldMasterId id="2147483648" r:id="rId1"/>
   </p:sldMasterIdLst>
   <p:notesMasterIdLst>
-    <p:notesMasterId r:id="rId25"/>
+    <p:notesMasterId r:id="rId28"/>
   </p:notesMasterIdLst>
   <p:sldIdLst>
     <p:sldId id="378" r:id="rId2"/>
@@ -25,12 +25,15 @@
     <p:sldId id="367" r:id="rId16"/>
     <p:sldId id="366" r:id="rId17"/>
     <p:sldId id="353" r:id="rId18"/>
-    <p:sldId id="373" r:id="rId19"/>
-    <p:sldId id="356" r:id="rId20"/>
-    <p:sldId id="355" r:id="rId21"/>
-    <p:sldId id="380" r:id="rId22"/>
-    <p:sldId id="368" r:id="rId23"/>
-    <p:sldId id="369" r:id="rId24"/>
+    <p:sldId id="356" r:id="rId19"/>
+    <p:sldId id="385" r:id="rId20"/>
+    <p:sldId id="369" r:id="rId21"/>
+    <p:sldId id="355" r:id="rId22"/>
+    <p:sldId id="387" r:id="rId23"/>
+    <p:sldId id="388" r:id="rId24"/>
+    <p:sldId id="380" r:id="rId25"/>
+    <p:sldId id="389" r:id="rId26"/>
+    <p:sldId id="390" r:id="rId27"/>
   </p:sldIdLst>
   <p:sldSz cx="9144000" cy="6858000" type="screen4x3"/>
   <p:notesSz cx="6858000" cy="9144000"/>
@@ -151,12 +154,15 @@
             <p14:sldId id="367"/>
             <p14:sldId id="366"/>
             <p14:sldId id="353"/>
-            <p14:sldId id="373"/>
             <p14:sldId id="356"/>
+            <p14:sldId id="385"/>
+            <p14:sldId id="369"/>
             <p14:sldId id="355"/>
+            <p14:sldId id="387"/>
+            <p14:sldId id="388"/>
             <p14:sldId id="380"/>
-            <p14:sldId id="368"/>
-            <p14:sldId id="369"/>
+            <p14:sldId id="389"/>
+            <p14:sldId id="390"/>
           </p14:sldIdLst>
         </p14:section>
       </p14:sectionLst>
@@ -262,7 +268,7 @@
             <a:fld id="{E3057DDA-BF5C-4879-9957-16E91151DE1E}" type="datetimeFigureOut">
               <a:rPr lang="en-US" smtClean="0"/>
               <a:pPr/>
-              <a:t>8/2/2015</a:t>
+              <a:t>8/3/2015</a:t>
             </a:fld>
             <a:endParaRPr lang="en-US"/>
           </a:p>
@@ -1026,7 +1032,7 @@
             <a:fld id="{2579440B-E791-2640-8935-69975A005A8A}" type="slidenum">
               <a:rPr lang="en-US" smtClean="0"/>
               <a:pPr/>
-              <a:t>18</a:t>
+              <a:t>19</a:t>
             </a:fld>
             <a:endParaRPr lang="en-US"/>
           </a:p>
@@ -1035,7 +1041,7 @@
     </p:spTree>
     <p:extLst>
       <p:ext uri="{BB962C8B-B14F-4D97-AF65-F5344CB8AC3E}">
-        <p14:creationId xmlns:p14="http://schemas.microsoft.com/office/powerpoint/2010/main" val="2554896137"/>
+        <p14:creationId xmlns:p14="http://schemas.microsoft.com/office/powerpoint/2010/main" val="1568830106"/>
       </p:ext>
     </p:extLst>
   </p:cSld>
@@ -1111,7 +1117,7 @@
             <a:fld id="{2579440B-E791-2640-8935-69975A005A8A}" type="slidenum">
               <a:rPr lang="en-US" smtClean="0"/>
               <a:pPr/>
-              <a:t>23</a:t>
+              <a:t>20</a:t>
             </a:fld>
             <a:endParaRPr lang="en-US"/>
           </a:p>
@@ -1319,7 +1325,7 @@
           <a:p>
             <a:fld id="{768B3A28-1884-497D-94C5-27227826CE2C}" type="datetime1">
               <a:rPr lang="en-US" smtClean="0"/>
-              <a:t>8/2/2015</a:t>
+              <a:t>8/3/2015</a:t>
             </a:fld>
             <a:endParaRPr lang="en-US"/>
           </a:p>
@@ -1596,7 +1602,7 @@
           <a:p>
             <a:fld id="{B8262C03-9B91-44B2-B7D5-2A844E6680F8}" type="datetime1">
               <a:rPr lang="en-US" smtClean="0"/>
-              <a:t>8/2/2015</a:t>
+              <a:t>8/3/2015</a:t>
             </a:fld>
             <a:endParaRPr lang="en-US"/>
           </a:p>
@@ -1783,7 +1789,7 @@
           <a:p>
             <a:fld id="{B11DCD3A-F44B-4ECF-B365-54BE99BB4BEA}" type="datetime1">
               <a:rPr lang="en-US" smtClean="0"/>
-              <a:t>8/2/2015</a:t>
+              <a:t>8/3/2015</a:t>
             </a:fld>
             <a:endParaRPr lang="en-US"/>
           </a:p>
@@ -1980,7 +1986,7 @@
           <a:p>
             <a:fld id="{94377941-97D9-4840-A51B-C8DAEDA2815C}" type="datetime1">
               <a:rPr lang="en-US" smtClean="0"/>
-              <a:t>8/2/2015</a:t>
+              <a:t>8/3/2015</a:t>
             </a:fld>
             <a:endParaRPr lang="en-US"/>
           </a:p>
@@ -2186,7 +2192,7 @@
           <a:p>
             <a:fld id="{AB7F5B1C-135C-4619-A2DE-25131AF5278A}" type="datetime1">
               <a:rPr lang="en-US" smtClean="0"/>
-              <a:t>8/2/2015</a:t>
+              <a:t>8/3/2015</a:t>
             </a:fld>
             <a:endParaRPr lang="en-US"/>
           </a:p>
@@ -2400,7 +2406,7 @@
           <a:p>
             <a:fld id="{29517BA8-26BA-4B7C-A41A-804B81F83A36}" type="datetime1">
               <a:rPr lang="en-US" smtClean="0"/>
-              <a:t>8/2/2015</a:t>
+              <a:t>8/3/2015</a:t>
             </a:fld>
             <a:endParaRPr lang="en-US"/>
           </a:p>
@@ -2670,7 +2676,7 @@
           <a:p>
             <a:fld id="{E54FABC5-F62F-49DD-A24E-5C2CE15A3D87}" type="datetime1">
               <a:rPr lang="en-US" smtClean="0"/>
-              <a:t>8/2/2015</a:t>
+              <a:t>8/3/2015</a:t>
             </a:fld>
             <a:endParaRPr lang="en-US"/>
           </a:p>
@@ -2982,7 +2988,7 @@
           <a:p>
             <a:fld id="{510AAC56-4986-4B63-9F74-D47EE64ADD9E}" type="datetime1">
               <a:rPr lang="en-US" smtClean="0"/>
-              <a:t>8/2/2015</a:t>
+              <a:t>8/3/2015</a:t>
             </a:fld>
             <a:endParaRPr lang="en-US"/>
           </a:p>
@@ -3428,7 +3434,7 @@
           <a:p>
             <a:fld id="{FCC14660-E407-48B8-9CF0-DD79C3F69AD0}" type="datetime1">
               <a:rPr lang="en-US" smtClean="0"/>
-              <a:t>8/2/2015</a:t>
+              <a:t>8/3/2015</a:t>
             </a:fld>
             <a:endParaRPr lang="en-US"/>
           </a:p>
@@ -3570,7 +3576,7 @@
           <a:p>
             <a:fld id="{9B0DE907-AEDA-4EE9-869A-B21DA6DC498D}" type="datetime1">
               <a:rPr lang="en-US" smtClean="0"/>
-              <a:t>8/2/2015</a:t>
+              <a:t>8/3/2015</a:t>
             </a:fld>
             <a:endParaRPr lang="en-US"/>
           </a:p>
@@ -3682,7 +3688,7 @@
           <a:p>
             <a:fld id="{38C540BA-3DB2-4124-8990-4661E7113E01}" type="datetime1">
               <a:rPr lang="en-US" smtClean="0"/>
-              <a:t>8/2/2015</a:t>
+              <a:t>8/3/2015</a:t>
             </a:fld>
             <a:endParaRPr lang="en-US"/>
           </a:p>
@@ -3976,7 +3982,7 @@
           <a:p>
             <a:fld id="{90F6EF63-9AC7-45BB-B551-A0640428FFFB}" type="datetime1">
               <a:rPr lang="en-US" smtClean="0"/>
-              <a:t>8/2/2015</a:t>
+              <a:t>8/3/2015</a:t>
             </a:fld>
             <a:endParaRPr lang="en-US"/>
           </a:p>
@@ -4783,11 +4789,7 @@
           <a:p>
             <a:r>
               <a:rPr lang="en-US" dirty="0" smtClean="0"/>
-              <a:t>Remember our example </a:t>
-            </a:r>
-            <a:r>
-              <a:rPr lang="en-US" dirty="0" smtClean="0"/>
-              <a:t>of mixed data</a:t>
+              <a:t>Remember our example of mixed data</a:t>
             </a:r>
             <a:endParaRPr lang="en-US" dirty="0"/>
           </a:p>
@@ -4999,10 +5001,14 @@
           <a:p>
             <a:r>
               <a:rPr lang="en-US" dirty="0" smtClean="0"/>
-              <a:t>Write down 1 </a:t>
-            </a:r>
-            <a:r>
-              <a:rPr lang="en-US" dirty="0" err="1" smtClean="0"/>
+              <a:t>Write down </a:t>
+            </a:r>
+            <a:r>
+              <a:rPr lang="en-US" dirty="0" smtClean="0"/>
+              <a:t>one </a:t>
+            </a:r>
+            <a:r>
+              <a:rPr lang="en-US" b="1" dirty="0" err="1" smtClean="0"/>
               <a:t>struct</a:t>
             </a:r>
             <a:r>
@@ -5059,6 +5065,13 @@
   <p:clrMapOvr>
     <a:masterClrMapping/>
   </p:clrMapOvr>
+  <p:timing>
+    <p:tnLst>
+      <p:par>
+        <p:cTn id="1" dur="indefinite" restart="never" nodeType="tmRoot"/>
+      </p:par>
+    </p:tnLst>
+  </p:timing>
 </p:sld>
 </file>
 
@@ -5102,11 +5115,7 @@
             </a:r>
             <a:r>
               <a:rPr lang="en-US" sz="4000" dirty="0" smtClean="0"/>
-              <a:t> definitions and constructor </a:t>
-            </a:r>
-            <a:r>
-              <a:rPr lang="en-US" sz="4000" dirty="0" smtClean="0"/>
-              <a:t>template for mixed data: example</a:t>
+              <a:t> definitions and constructor template for mixed data: example</a:t>
             </a:r>
             <a:endParaRPr lang="en-US" sz="4000" dirty="0"/>
           </a:p>
@@ -5933,7 +5942,6 @@
               <a:rPr lang="en-US" dirty="0"/>
               <a:t>The kind of data in each field</a:t>
             </a:r>
-            <a:endParaRPr lang="en-US" dirty="0"/>
           </a:p>
         </p:txBody>
       </p:sp>
@@ -6189,10 +6197,51 @@
           <a:bodyPr/>
           <a:lstStyle/>
           <a:p>
+            <a:pPr marL="342900" indent="-342900">
+              <a:buFont typeface="Arial" panose="020B0604020202020204" pitchFamily="34" charset="0"/>
+              <a:buChar char="•"/>
+            </a:pPr>
+            <a:r>
+              <a:rPr lang="en-US" sz="2400" b="0" dirty="0" smtClean="0">
+                <a:latin typeface="+mn-lt"/>
+              </a:rPr>
+              <a:t>For compound data, there’s only one alternative, so you’d write one </a:t>
+            </a:r>
+            <a:r>
+              <a:rPr lang="en-US" sz="2400" b="0" dirty="0" err="1" smtClean="0">
+                <a:latin typeface="+mn-lt"/>
+              </a:rPr>
+              <a:t>struct</a:t>
+            </a:r>
+            <a:r>
+              <a:rPr lang="en-US" sz="2400" b="0" dirty="0" smtClean="0">
+                <a:latin typeface="+mn-lt"/>
+              </a:rPr>
+              <a:t> definition and have one line in the constructor template:</a:t>
+            </a:r>
+            <a:endParaRPr lang="en-US" sz="2400" b="0" dirty="0" smtClean="0">
+              <a:latin typeface="+mn-lt"/>
+            </a:endParaRPr>
+          </a:p>
+          <a:p>
+            <a:endParaRPr lang="en-US" sz="2400" dirty="0"/>
+          </a:p>
+          <a:p>
+            <a:r>
+              <a:rPr lang="en-US" sz="2400" dirty="0"/>
+              <a:t>(define-</a:t>
+            </a:r>
+            <a:r>
+              <a:rPr lang="en-US" sz="2400" dirty="0" err="1"/>
+              <a:t>struct</a:t>
+            </a:r>
+            <a:r>
+              <a:rPr lang="en-US" sz="2400" dirty="0"/>
+              <a:t> book (author title on-hand price))</a:t>
+            </a:r>
+          </a:p>
+          <a:p>
             <a:endParaRPr lang="en-US" sz="2400" dirty="0" smtClean="0"/>
-          </a:p>
-          <a:p>
-            <a:endParaRPr lang="en-US" sz="2400" dirty="0"/>
           </a:p>
           <a:p>
             <a:r>
@@ -6207,14 +6256,18 @@
           <a:p>
             <a:r>
               <a:rPr lang="en-US" sz="2400" dirty="0"/>
-              <a:t>;;  (make-book String </a:t>
-            </a:r>
-            <a:r>
-              <a:rPr lang="en-US" sz="2400" dirty="0" err="1"/>
+              <a:t>;;  (make-book </a:t>
+            </a:r>
+            <a:r>
+              <a:rPr lang="en-US" sz="2400" dirty="0" smtClean="0"/>
+              <a:t>String </a:t>
+            </a:r>
+            <a:r>
+              <a:rPr lang="en-US" sz="2400" dirty="0" err="1" smtClean="0"/>
               <a:t>String</a:t>
             </a:r>
             <a:r>
-              <a:rPr lang="en-US" sz="2400" dirty="0"/>
+              <a:rPr lang="en-US" sz="2400" dirty="0" smtClean="0"/>
               <a:t> </a:t>
             </a:r>
             <a:r>
@@ -6240,131 +6293,146 @@
           </a:p>
         </p:txBody>
       </p:sp>
-      <p:sp>
-        <p:nvSpPr>
-          <p:cNvPr id="9" name="TextBox 8"/>
-          <p:cNvSpPr txBox="1"/>
+      <p:grpSp>
+        <p:nvGrpSpPr>
+          <p:cNvPr id="5" name="Group 4"/>
+          <p:cNvGrpSpPr/>
           <p:nvPr/>
-        </p:nvSpPr>
-        <p:spPr>
+        </p:nvGrpSpPr>
+        <p:grpSpPr>
           <a:xfrm>
-            <a:off x="3886201" y="3908097"/>
-            <a:ext cx="2971800" cy="369332"/>
+            <a:off x="3068995" y="4967316"/>
+            <a:ext cx="5649760" cy="1754159"/>
+            <a:chOff x="3061621" y="3352801"/>
+            <a:chExt cx="5649760" cy="1754159"/>
           </a:xfrm>
-          <a:prstGeom prst="rect">
-            <a:avLst/>
-          </a:prstGeom>
-          <a:ln/>
-        </p:spPr>
-        <p:style>
-          <a:lnRef idx="2">
-            <a:schemeClr val="accent1"/>
-          </a:lnRef>
-          <a:fillRef idx="1">
-            <a:schemeClr val="lt1"/>
-          </a:fillRef>
-          <a:effectRef idx="0">
-            <a:schemeClr val="accent1"/>
-          </a:effectRef>
-          <a:fontRef idx="minor">
-            <a:schemeClr val="dk1"/>
-          </a:fontRef>
-        </p:style>
-        <p:txBody>
-          <a:bodyPr wrap="square" rtlCol="0">
-            <a:spAutoFit/>
-          </a:bodyPr>
-          <a:lstStyle/>
-          <a:p>
-            <a:r>
-              <a:rPr lang="en-US" dirty="0" smtClean="0"/>
-              <a:t>The kind of data in each field</a:t>
-            </a:r>
-            <a:endParaRPr lang="en-US" dirty="0"/>
-          </a:p>
-        </p:txBody>
-      </p:sp>
-      <p:sp>
-        <p:nvSpPr>
-          <p:cNvPr id="10" name="Right Brace 9"/>
-          <p:cNvSpPr/>
-          <p:nvPr/>
-        </p:nvSpPr>
-        <p:spPr>
-          <a:xfrm rot="5400000" flipV="1">
-            <a:off x="5706997" y="-146685"/>
-            <a:ext cx="309849" cy="5649760"/>
-          </a:xfrm>
-          <a:prstGeom prst="rightBrace">
-            <a:avLst>
-              <a:gd name="adj1" fmla="val 32878"/>
-              <a:gd name="adj2" fmla="val 49687"/>
-            </a:avLst>
-          </a:prstGeom>
-          <a:ln w="28575">
-            <a:solidFill>
+        </p:grpSpPr>
+        <p:sp>
+          <p:nvSpPr>
+            <p:cNvPr id="9" name="TextBox 8"/>
+            <p:cNvSpPr txBox="1"/>
+            <p:nvPr/>
+          </p:nvSpPr>
+          <p:spPr>
+            <a:xfrm>
+              <a:off x="3910780" y="4737628"/>
+              <a:ext cx="2971800" cy="369332"/>
+            </a:xfrm>
+            <a:prstGeom prst="rect">
+              <a:avLst/>
+            </a:prstGeom>
+            <a:ln/>
+          </p:spPr>
+          <p:style>
+            <a:lnRef idx="2">
               <a:schemeClr val="accent1"/>
-            </a:solidFill>
-          </a:ln>
-        </p:spPr>
-        <p:style>
-          <a:lnRef idx="1">
-            <a:schemeClr val="dk1"/>
-          </a:lnRef>
-          <a:fillRef idx="0">
-            <a:schemeClr val="dk1"/>
-          </a:fillRef>
-          <a:effectRef idx="0">
-            <a:schemeClr val="dk1"/>
-          </a:effectRef>
-          <a:fontRef idx="minor">
-            <a:schemeClr val="tx1"/>
-          </a:fontRef>
-        </p:style>
-        <p:txBody>
-          <a:bodyPr rtlCol="0" anchor="ctr"/>
-          <a:lstStyle/>
-          <a:p>
-            <a:pPr algn="ctr"/>
-            <a:endParaRPr lang="en-US"/>
-          </a:p>
-        </p:txBody>
-      </p:sp>
-      <p:cxnSp>
-        <p:nvCxnSpPr>
-          <p:cNvPr id="11" name="Elbow Connector 24"/>
-          <p:cNvCxnSpPr/>
-          <p:nvPr/>
-        </p:nvCxnSpPr>
-        <p:spPr>
-          <a:xfrm rot="5400000" flipH="1" flipV="1">
-            <a:off x="5076783" y="3078043"/>
-            <a:ext cx="1074977" cy="495299"/>
-          </a:xfrm>
-          <a:prstGeom prst="curvedConnector3">
-            <a:avLst>
-              <a:gd name="adj1" fmla="val 50000"/>
-            </a:avLst>
-          </a:prstGeom>
-          <a:ln w="19050">
-            <a:tailEnd type="arrow"/>
-          </a:ln>
-        </p:spPr>
-        <p:style>
-          <a:lnRef idx="1">
-            <a:schemeClr val="accent1"/>
-          </a:lnRef>
-          <a:fillRef idx="0">
-            <a:schemeClr val="accent1"/>
-          </a:fillRef>
-          <a:effectRef idx="0">
-            <a:schemeClr val="accent1"/>
-          </a:effectRef>
-          <a:fontRef idx="minor">
-            <a:schemeClr val="tx1"/>
-          </a:fontRef>
-        </p:style>
-      </p:cxnSp>
+            </a:lnRef>
+            <a:fillRef idx="1">
+              <a:schemeClr val="lt1"/>
+            </a:fillRef>
+            <a:effectRef idx="0">
+              <a:schemeClr val="accent1"/>
+            </a:effectRef>
+            <a:fontRef idx="minor">
+              <a:schemeClr val="dk1"/>
+            </a:fontRef>
+          </p:style>
+          <p:txBody>
+            <a:bodyPr wrap="square" rtlCol="0">
+              <a:spAutoFit/>
+            </a:bodyPr>
+            <a:lstStyle/>
+            <a:p>
+              <a:r>
+                <a:rPr lang="en-US" dirty="0" smtClean="0"/>
+                <a:t>The kind of data in each field</a:t>
+              </a:r>
+              <a:endParaRPr lang="en-US" dirty="0"/>
+            </a:p>
+          </p:txBody>
+        </p:sp>
+        <p:sp>
+          <p:nvSpPr>
+            <p:cNvPr id="10" name="Right Brace 9"/>
+            <p:cNvSpPr/>
+            <p:nvPr/>
+          </p:nvSpPr>
+          <p:spPr>
+            <a:xfrm rot="5400000" flipV="1">
+              <a:off x="5731576" y="682846"/>
+              <a:ext cx="309849" cy="5649760"/>
+            </a:xfrm>
+            <a:prstGeom prst="rightBrace">
+              <a:avLst>
+                <a:gd name="adj1" fmla="val 32878"/>
+                <a:gd name="adj2" fmla="val 49687"/>
+              </a:avLst>
+            </a:prstGeom>
+            <a:ln w="28575">
+              <a:solidFill>
+                <a:schemeClr val="accent1"/>
+              </a:solidFill>
+            </a:ln>
+          </p:spPr>
+          <p:style>
+            <a:lnRef idx="1">
+              <a:schemeClr val="dk1"/>
+            </a:lnRef>
+            <a:fillRef idx="0">
+              <a:schemeClr val="dk1"/>
+            </a:fillRef>
+            <a:effectRef idx="0">
+              <a:schemeClr val="dk1"/>
+            </a:effectRef>
+            <a:fontRef idx="minor">
+              <a:schemeClr val="tx1"/>
+            </a:fontRef>
+          </p:style>
+          <p:txBody>
+            <a:bodyPr rtlCol="0" anchor="ctr"/>
+            <a:lstStyle/>
+            <a:p>
+              <a:pPr algn="ctr"/>
+              <a:endParaRPr lang="en-US"/>
+            </a:p>
+          </p:txBody>
+        </p:sp>
+        <p:cxnSp>
+          <p:nvCxnSpPr>
+            <p:cNvPr id="11" name="Elbow Connector 24"/>
+            <p:cNvCxnSpPr/>
+            <p:nvPr/>
+          </p:nvCxnSpPr>
+          <p:spPr>
+            <a:xfrm rot="5400000" flipH="1" flipV="1">
+              <a:off x="5101362" y="3907574"/>
+              <a:ext cx="1074977" cy="495299"/>
+            </a:xfrm>
+            <a:prstGeom prst="curvedConnector3">
+              <a:avLst>
+                <a:gd name="adj1" fmla="val 50000"/>
+              </a:avLst>
+            </a:prstGeom>
+            <a:ln w="19050">
+              <a:tailEnd type="arrow"/>
+            </a:ln>
+          </p:spPr>
+          <p:style>
+            <a:lnRef idx="1">
+              <a:schemeClr val="accent1"/>
+            </a:lnRef>
+            <a:fillRef idx="0">
+              <a:schemeClr val="accent1"/>
+            </a:fillRef>
+            <a:effectRef idx="0">
+              <a:schemeClr val="accent1"/>
+            </a:effectRef>
+            <a:fontRef idx="minor">
+              <a:schemeClr val="tx1"/>
+            </a:fontRef>
+          </p:style>
+        </p:cxnSp>
+      </p:grpSp>
       <p:sp>
         <p:nvSpPr>
           <p:cNvPr id="3" name="Slide Number Placeholder 2"/>
@@ -7066,6 +7134,61 @@
           </a:p>
         </p:txBody>
       </p:sp>
+      <p:sp>
+        <p:nvSpPr>
+          <p:cNvPr id="7" name="Content Placeholder 6"/>
+          <p:cNvSpPr>
+            <a:spLocks noGrp="1"/>
+          </p:cNvSpPr>
+          <p:nvPr>
+            <p:ph idx="1"/>
+          </p:nvPr>
+        </p:nvSpPr>
+        <p:spPr/>
+        <p:txBody>
+          <a:bodyPr/>
+          <a:lstStyle/>
+          <a:p>
+            <a:r>
+              <a:rPr lang="en-US" dirty="0" smtClean="0"/>
+              <a:t>For itemization data, there are no </a:t>
+            </a:r>
+            <a:r>
+              <a:rPr lang="en-US" dirty="0" err="1" smtClean="0"/>
+              <a:t>struct</a:t>
+            </a:r>
+            <a:r>
+              <a:rPr lang="en-US" dirty="0" smtClean="0"/>
+              <a:t> definitions, and the constructor template just enumerates the possible values.</a:t>
+            </a:r>
+            <a:endParaRPr lang="en-US" dirty="0"/>
+          </a:p>
+        </p:txBody>
+      </p:sp>
+      <p:sp>
+        <p:nvSpPr>
+          <p:cNvPr id="3" name="Slide Number Placeholder 2"/>
+          <p:cNvSpPr>
+            <a:spLocks noGrp="1"/>
+          </p:cNvSpPr>
+          <p:nvPr>
+            <p:ph type="sldNum" sz="quarter" idx="12"/>
+          </p:nvPr>
+        </p:nvSpPr>
+        <p:spPr/>
+        <p:txBody>
+          <a:bodyPr/>
+          <a:lstStyle/>
+          <a:p>
+            <a:fld id="{8D704B19-8EED-495A-99FA-12E5518CCC54}" type="slidenum">
+              <a:rPr lang="en-US" smtClean="0"/>
+              <a:pPr/>
+              <a:t>17</a:t>
+            </a:fld>
+            <a:endParaRPr lang="en-US"/>
+          </a:p>
+        </p:txBody>
+      </p:sp>
       <p:grpSp>
         <p:nvGrpSpPr>
           <p:cNvPr id="9" name="Group 8"/>
@@ -7074,7 +7197,7 @@
         </p:nvGrpSpPr>
         <p:grpSpPr>
           <a:xfrm>
-            <a:off x="1543050" y="2151577"/>
+            <a:off x="1586681" y="3124200"/>
             <a:ext cx="6057900" cy="2319756"/>
             <a:chOff x="2628900" y="3279575"/>
             <a:chExt cx="6057900" cy="2319756"/>
@@ -7318,30 +7441,6 @@
           </p:txBody>
         </p:sp>
       </p:grpSp>
-      <p:sp>
-        <p:nvSpPr>
-          <p:cNvPr id="3" name="Slide Number Placeholder 2"/>
-          <p:cNvSpPr>
-            <a:spLocks noGrp="1"/>
-          </p:cNvSpPr>
-          <p:nvPr>
-            <p:ph type="sldNum" sz="quarter" idx="12"/>
-          </p:nvPr>
-        </p:nvSpPr>
-        <p:spPr/>
-        <p:txBody>
-          <a:bodyPr/>
-          <a:lstStyle/>
-          <a:p>
-            <a:fld id="{8D704B19-8EED-495A-99FA-12E5518CCC54}" type="slidenum">
-              <a:rPr lang="en-US" smtClean="0"/>
-              <a:pPr/>
-              <a:t>17</a:t>
-            </a:fld>
-            <a:endParaRPr lang="en-US"/>
-          </a:p>
-        </p:txBody>
-      </p:sp>
     </p:spTree>
     <p:extLst>
       <p:ext uri="{BB962C8B-B14F-4D97-AF65-F5344CB8AC3E}">
@@ -7391,14 +7490,152 @@
         </p:nvSpPr>
         <p:spPr/>
         <p:txBody>
+          <a:bodyPr/>
+          <a:lstStyle/>
+          <a:p>
+            <a:r>
+              <a:rPr lang="en-US" dirty="0" smtClean="0"/>
+              <a:t>DDR Step 4. Interpretation</a:t>
+            </a:r>
+            <a:endParaRPr lang="en-US" dirty="0"/>
+          </a:p>
+        </p:txBody>
+      </p:sp>
+      <p:sp>
+        <p:nvSpPr>
+          <p:cNvPr id="3" name="Content Placeholder 2"/>
+          <p:cNvSpPr>
+            <a:spLocks noGrp="1"/>
+          </p:cNvSpPr>
+          <p:nvPr>
+            <p:ph idx="1"/>
+          </p:nvPr>
+        </p:nvSpPr>
+        <p:spPr/>
+        <p:txBody>
+          <a:bodyPr>
+            <a:normAutofit/>
+          </a:bodyPr>
+          <a:lstStyle/>
+          <a:p>
+            <a:r>
+              <a:rPr lang="en-US" dirty="0" smtClean="0"/>
+              <a:t>Tells what piece of information each value of the data represents. </a:t>
+            </a:r>
+            <a:endParaRPr lang="en-US" dirty="0" smtClean="0"/>
+          </a:p>
+          <a:p>
+            <a:r>
+              <a:rPr lang="en-US" dirty="0"/>
+              <a:t>The interpretation must show the interpretation of each alternative and the interpretation of each field.</a:t>
+            </a:r>
+          </a:p>
+          <a:p>
+            <a:r>
+              <a:rPr lang="en-US" dirty="0" smtClean="0"/>
+              <a:t>This </a:t>
+            </a:r>
+            <a:r>
+              <a:rPr lang="en-US" dirty="0" smtClean="0"/>
+              <a:t>usually refers to the structure definition and the constructor template, so these three pieces are written </a:t>
+            </a:r>
+            <a:r>
+              <a:rPr lang="en-US" dirty="0" smtClean="0"/>
+              <a:t>together.</a:t>
+            </a:r>
+            <a:endParaRPr lang="en-US" dirty="0"/>
+          </a:p>
+        </p:txBody>
+      </p:sp>
+      <p:sp>
+        <p:nvSpPr>
+          <p:cNvPr id="4" name="Slide Number Placeholder 3"/>
+          <p:cNvSpPr>
+            <a:spLocks noGrp="1"/>
+          </p:cNvSpPr>
+          <p:nvPr>
+            <p:ph type="sldNum" sz="quarter" idx="12"/>
+          </p:nvPr>
+        </p:nvSpPr>
+        <p:spPr/>
+        <p:txBody>
+          <a:bodyPr/>
+          <a:lstStyle/>
+          <a:p>
+            <a:fld id="{8D704B19-8EED-495A-99FA-12E5518CCC54}" type="slidenum">
+              <a:rPr lang="en-US" smtClean="0"/>
+              <a:pPr/>
+              <a:t>18</a:t>
+            </a:fld>
+            <a:endParaRPr lang="en-US"/>
+          </a:p>
+        </p:txBody>
+      </p:sp>
+    </p:spTree>
+    <p:extLst>
+      <p:ext uri="{BB962C8B-B14F-4D97-AF65-F5344CB8AC3E}">
+        <p14:creationId xmlns:p14="http://schemas.microsoft.com/office/powerpoint/2010/main" val="1345070388"/>
+      </p:ext>
+    </p:extLst>
+  </p:cSld>
+  <p:clrMapOvr>
+    <a:masterClrMapping/>
+  </p:clrMapOvr>
+  <p:timing>
+    <p:tnLst>
+      <p:par>
+        <p:cTn id="1" dur="indefinite" restart="never" nodeType="tmRoot"/>
+      </p:par>
+    </p:tnLst>
+  </p:timing>
+</p:sld>
+</file>
+
+<file path=ppt/slides/slide19.xml><?xml version="1.0" encoding="utf-8"?>
+<p:sld xmlns:a="http://schemas.openxmlformats.org/drawingml/2006/main" xmlns:r="http://schemas.openxmlformats.org/officeDocument/2006/relationships" xmlns:p="http://schemas.openxmlformats.org/presentationml/2006/main">
+  <p:cSld>
+    <p:spTree>
+      <p:nvGrpSpPr>
+        <p:cNvPr id="1" name=""/>
+        <p:cNvGrpSpPr/>
+        <p:nvPr/>
+      </p:nvGrpSpPr>
+      <p:grpSpPr>
+        <a:xfrm>
+          <a:off x="0" y="0"/>
+          <a:ext cx="0" cy="0"/>
+          <a:chOff x="0" y="0"/>
+          <a:chExt cx="0" cy="0"/>
+        </a:xfrm>
+      </p:grpSpPr>
+      <p:sp>
+        <p:nvSpPr>
+          <p:cNvPr id="2" name="Title 1"/>
+          <p:cNvSpPr>
+            <a:spLocks noGrp="1"/>
+          </p:cNvSpPr>
+          <p:nvPr>
+            <p:ph type="title"/>
+          </p:nvPr>
+        </p:nvSpPr>
+        <p:spPr/>
+        <p:txBody>
           <a:bodyPr>
             <a:noAutofit/>
           </a:bodyPr>
           <a:lstStyle/>
           <a:p>
             <a:r>
+              <a:rPr lang="en-US" sz="4000" b="1" dirty="0" err="1" smtClean="0"/>
+              <a:t>struct</a:t>
+            </a:r>
+            <a:r>
               <a:rPr lang="en-US" sz="4000" dirty="0" smtClean="0"/>
-              <a:t>Constructor template for mixed data: example</a:t>
+              <a:t> definitions </a:t>
+            </a:r>
+            <a:r>
+              <a:rPr lang="en-US" sz="4000" dirty="0" smtClean="0"/>
+              <a:t>and constructor template for mixed data: example</a:t>
             </a:r>
             <a:endParaRPr lang="en-US" sz="4000" dirty="0"/>
           </a:p>
@@ -7425,28 +7662,28 @@
               <a:buNone/>
             </a:pPr>
             <a:r>
-              <a:rPr lang="en-US" sz="1600" b="1" dirty="0" smtClean="0">
+              <a:rPr lang="en-US" sz="2400" b="1" dirty="0" smtClean="0">
                 <a:latin typeface="Consolas" pitchFamily="49" charset="0"/>
                 <a:cs typeface="Consolas" pitchFamily="49" charset="0"/>
               </a:rPr>
               <a:t>(</a:t>
             </a:r>
             <a:r>
-              <a:rPr lang="en-US" sz="1600" b="1" dirty="0">
+              <a:rPr lang="en-US" sz="2400" b="1" dirty="0">
                 <a:latin typeface="Consolas" pitchFamily="49" charset="0"/>
                 <a:cs typeface="Consolas" pitchFamily="49" charset="0"/>
               </a:rPr>
               <a:t>define-struct </a:t>
             </a:r>
             <a:r>
-              <a:rPr lang="en-US" sz="1600" b="1" dirty="0" smtClean="0">
+              <a:rPr lang="en-US" sz="2400" b="1" dirty="0" smtClean="0">
                 <a:latin typeface="Consolas" pitchFamily="49" charset="0"/>
                 <a:cs typeface="Consolas" pitchFamily="49" charset="0"/>
               </a:rPr>
               <a:t>coffee (size </a:t>
             </a:r>
             <a:r>
-              <a:rPr lang="en-US" sz="1600" b="1" dirty="0">
+              <a:rPr lang="en-US" sz="2400" b="1" dirty="0">
                 <a:latin typeface="Consolas" pitchFamily="49" charset="0"/>
                 <a:cs typeface="Consolas" pitchFamily="49" charset="0"/>
               </a:rPr>
@@ -7458,7 +7695,7 @@
               <a:buNone/>
             </a:pPr>
             <a:r>
-              <a:rPr lang="en-US" sz="1600" b="1" dirty="0">
+              <a:rPr lang="en-US" sz="2400" b="1" dirty="0">
                 <a:latin typeface="Consolas" pitchFamily="49" charset="0"/>
                 <a:cs typeface="Consolas" pitchFamily="49" charset="0"/>
               </a:rPr>
@@ -7470,7 +7707,7 @@
               <a:buNone/>
             </a:pPr>
             <a:r>
-              <a:rPr lang="en-US" sz="1600" b="1" dirty="0">
+              <a:rPr lang="en-US" sz="2400" b="1" dirty="0">
                 <a:latin typeface="Consolas" pitchFamily="49" charset="0"/>
                 <a:cs typeface="Consolas" pitchFamily="49" charset="0"/>
               </a:rPr>
@@ -7481,7 +7718,7 @@
             <a:pPr>
               <a:buNone/>
             </a:pPr>
-            <a:endParaRPr lang="en-US" sz="1600" b="1" dirty="0">
+            <a:endParaRPr lang="en-US" sz="2400" b="1" dirty="0">
               <a:latin typeface="Consolas" pitchFamily="49" charset="0"/>
               <a:cs typeface="Consolas" pitchFamily="49" charset="0"/>
             </a:endParaRPr>
@@ -7491,21 +7728,21 @@
               <a:buNone/>
             </a:pPr>
             <a:r>
-              <a:rPr lang="en-US" sz="1600" b="1" dirty="0">
+              <a:rPr lang="en-US" sz="2400" b="1" dirty="0">
                 <a:latin typeface="Consolas" pitchFamily="49" charset="0"/>
                 <a:cs typeface="Consolas" pitchFamily="49" charset="0"/>
               </a:rPr>
               <a:t>;; A </a:t>
             </a:r>
             <a:r>
-              <a:rPr lang="en-US" sz="1600" b="1" dirty="0" err="1">
+              <a:rPr lang="en-US" sz="2400" b="1" dirty="0" err="1">
                 <a:latin typeface="Consolas" pitchFamily="49" charset="0"/>
                 <a:cs typeface="Consolas" pitchFamily="49" charset="0"/>
               </a:rPr>
               <a:t>BarOrder</a:t>
             </a:r>
             <a:r>
-              <a:rPr lang="en-US" sz="1600" b="1" dirty="0">
+              <a:rPr lang="en-US" sz="2400" b="1" dirty="0">
                 <a:latin typeface="Consolas" pitchFamily="49" charset="0"/>
                 <a:cs typeface="Consolas" pitchFamily="49" charset="0"/>
               </a:rPr>
@@ -7517,11 +7754,25 @@
               <a:buNone/>
             </a:pPr>
             <a:r>
-              <a:rPr lang="en-US" sz="1600" b="1" dirty="0">
+              <a:rPr lang="en-US" sz="2400" b="1" dirty="0">
                 <a:latin typeface="Consolas" pitchFamily="49" charset="0"/>
                 <a:cs typeface="Consolas" pitchFamily="49" charset="0"/>
               </a:rPr>
-              <a:t>;; -- (make-coffee Size String Boolean)</a:t>
+              <a:t>;; -- (make-coffee Size </a:t>
+            </a:r>
+            <a:r>
+              <a:rPr lang="en-US" sz="2400" b="1" dirty="0" smtClean="0">
+                <a:latin typeface="Consolas" pitchFamily="49" charset="0"/>
+                <a:cs typeface="Consolas" pitchFamily="49" charset="0"/>
+              </a:rPr>
+              <a:t>Type </a:t>
+            </a:r>
+            <a:r>
+              <a:rPr lang="en-US" sz="2400" b="1" dirty="0">
+                <a:latin typeface="Consolas" pitchFamily="49" charset="0"/>
+                <a:cs typeface="Consolas" pitchFamily="49" charset="0"/>
+              </a:rPr>
+              <a:t>Boolean)</a:t>
             </a:r>
           </a:p>
           <a:p>
@@ -7529,14 +7780,14 @@
               <a:buNone/>
             </a:pPr>
             <a:r>
-              <a:rPr lang="en-US" sz="1600" b="1" dirty="0" smtClean="0">
+              <a:rPr lang="en-US" sz="2400" b="1" dirty="0" smtClean="0">
                 <a:latin typeface="Consolas" pitchFamily="49" charset="0"/>
                 <a:cs typeface="Consolas" pitchFamily="49" charset="0"/>
               </a:rPr>
               <a:t>;; </a:t>
             </a:r>
             <a:r>
-              <a:rPr lang="en-US" sz="1600" b="1" dirty="0">
+              <a:rPr lang="en-US" sz="2400" b="1" dirty="0">
                 <a:latin typeface="Consolas" pitchFamily="49" charset="0"/>
                 <a:cs typeface="Consolas" pitchFamily="49" charset="0"/>
               </a:rPr>
@@ -7548,27 +7799,27 @@
               <a:buNone/>
             </a:pPr>
             <a:r>
-              <a:rPr lang="en-US" sz="1600" b="1" dirty="0" smtClean="0">
+              <a:rPr lang="en-US" sz="2400" b="1" dirty="0" smtClean="0">
                 <a:latin typeface="Consolas" pitchFamily="49" charset="0"/>
                 <a:cs typeface="Consolas" pitchFamily="49" charset="0"/>
               </a:rPr>
               <a:t>;; </a:t>
             </a:r>
             <a:r>
-              <a:rPr lang="en-US" sz="1600" b="1" dirty="0">
+              <a:rPr lang="en-US" sz="2400" b="1" dirty="0">
                 <a:latin typeface="Consolas" pitchFamily="49" charset="0"/>
                 <a:cs typeface="Consolas" pitchFamily="49" charset="0"/>
               </a:rPr>
               <a:t>-- (make-tea Size String</a:t>
             </a:r>
             <a:r>
-              <a:rPr lang="en-US" sz="1600" b="1" dirty="0" smtClean="0">
+              <a:rPr lang="en-US" sz="2400" b="1" dirty="0" smtClean="0">
                 <a:latin typeface="Consolas" pitchFamily="49" charset="0"/>
                 <a:cs typeface="Consolas" pitchFamily="49" charset="0"/>
               </a:rPr>
               <a:t>)</a:t>
             </a:r>
-            <a:endParaRPr lang="en-US" sz="1600" b="1" dirty="0">
+            <a:endParaRPr lang="en-US" sz="2400" b="1" dirty="0">
               <a:latin typeface="Consolas" pitchFamily="49" charset="0"/>
               <a:cs typeface="Consolas" pitchFamily="49" charset="0"/>
             </a:endParaRPr>
@@ -7630,10 +7881,10 @@
         </p:nvGrpSpPr>
         <p:grpSpPr>
           <a:xfrm>
-            <a:off x="5056169" y="2111398"/>
-            <a:ext cx="3173431" cy="369332"/>
-            <a:chOff x="5719141" y="1600200"/>
-            <a:chExt cx="3173431" cy="369332"/>
+            <a:off x="5867400" y="2590800"/>
+            <a:ext cx="3034515" cy="739180"/>
+            <a:chOff x="5858057" y="1230352"/>
+            <a:chExt cx="3034515" cy="739180"/>
           </a:xfrm>
         </p:grpSpPr>
         <p:sp>
@@ -7688,9 +7939,9 @@
             <p:nvPr/>
           </p:nvCxnSpPr>
           <p:spPr>
-            <a:xfrm flipH="1">
-              <a:off x="5719141" y="1784866"/>
-              <a:ext cx="681659" cy="0"/>
+            <a:xfrm flipH="1" flipV="1">
+              <a:off x="5858057" y="1230352"/>
+              <a:ext cx="542743" cy="554514"/>
             </a:xfrm>
             <a:prstGeom prst="straightConnector1">
               <a:avLst/>
@@ -7723,10 +7974,10 @@
         </p:nvGrpSpPr>
         <p:grpSpPr>
           <a:xfrm>
-            <a:off x="5056169" y="3459887"/>
-            <a:ext cx="3248965" cy="369332"/>
-            <a:chOff x="5056169" y="3459887"/>
-            <a:chExt cx="3248965" cy="369332"/>
+            <a:off x="5562600" y="4876800"/>
+            <a:ext cx="3124200" cy="764164"/>
+            <a:chOff x="5180934" y="3065055"/>
+            <a:chExt cx="3124200" cy="764164"/>
           </a:xfrm>
         </p:grpSpPr>
         <p:sp>
@@ -7779,9 +8030,9 @@
             <p:nvPr/>
           </p:nvCxnSpPr>
           <p:spPr>
-            <a:xfrm flipH="1">
-              <a:off x="5056169" y="3657600"/>
-              <a:ext cx="681659" cy="0"/>
+            <a:xfrm flipH="1" flipV="1">
+              <a:off x="5180934" y="3065055"/>
+              <a:ext cx="556895" cy="592545"/>
             </a:xfrm>
             <a:prstGeom prst="straightConnector1">
               <a:avLst/>
@@ -7808,70 +8059,6 @@
       </p:grpSp>
       <p:sp>
         <p:nvSpPr>
-          <p:cNvPr id="13" name="Rectangle 12"/>
-          <p:cNvSpPr/>
-          <p:nvPr/>
-        </p:nvSpPr>
-        <p:spPr>
-          <a:xfrm>
-            <a:off x="3311829" y="4422604"/>
-            <a:ext cx="4149090" cy="1150892"/>
-          </a:xfrm>
-          <a:prstGeom prst="rect">
-            <a:avLst/>
-          </a:prstGeom>
-          <a:solidFill>
-            <a:schemeClr val="accent3">
-              <a:lumMod val="40000"/>
-              <a:lumOff val="60000"/>
-            </a:schemeClr>
-          </a:solidFill>
-          <a:ln/>
-        </p:spPr>
-        <p:style>
-          <a:lnRef idx="2">
-            <a:schemeClr val="accent1"/>
-          </a:lnRef>
-          <a:fillRef idx="1">
-            <a:schemeClr val="lt1"/>
-          </a:fillRef>
-          <a:effectRef idx="0">
-            <a:schemeClr val="accent1"/>
-          </a:effectRef>
-          <a:fontRef idx="minor">
-            <a:schemeClr val="dk1"/>
-          </a:fontRef>
-        </p:style>
-        <p:txBody>
-          <a:bodyPr rot="0" spcFirstLastPara="0" vertOverflow="overflow" horzOverflow="overflow" vert="horz" wrap="square" lIns="91440" tIns="45720" rIns="91440" bIns="45720" numCol="1" spcCol="0" rtlCol="0" fromWordArt="0" anchor="ctr" anchorCtr="0" forceAA="0" compatLnSpc="1">
-            <a:prstTxWarp prst="textNoShape">
-              <a:avLst/>
-            </a:prstTxWarp>
-            <a:noAutofit/>
-          </a:bodyPr>
-          <a:lstStyle/>
-          <a:p>
-            <a:pPr>
-              <a:defRPr/>
-            </a:pPr>
-            <a:r>
-              <a:rPr lang="en-US" dirty="0" smtClean="0">
-                <a:solidFill>
-                  <a:schemeClr val="tx1"/>
-                </a:solidFill>
-              </a:rPr>
-              <a:t>WARNING: you're not done until you add the interpretation.  We will do that in the next step.</a:t>
-            </a:r>
-            <a:endParaRPr lang="en-US" dirty="0">
-              <a:solidFill>
-                <a:schemeClr val="tx1"/>
-              </a:solidFill>
-            </a:endParaRPr>
-          </a:p>
-        </p:txBody>
-      </p:sp>
-      <p:sp>
-        <p:nvSpPr>
           <p:cNvPr id="8" name="Slide Number Placeholder 7"/>
           <p:cNvSpPr>
             <a:spLocks noGrp="1"/>
@@ -7888,7 +8075,7 @@
             <a:fld id="{8D704B19-8EED-495A-99FA-12E5518CCC54}" type="slidenum">
               <a:rPr lang="en-US" smtClean="0"/>
               <a:pPr/>
-              <a:t>18</a:t>
+              <a:t>19</a:t>
             </a:fld>
             <a:endParaRPr lang="en-US" dirty="0"/>
           </a:p>
@@ -7897,7 +8084,7 @@
     </p:spTree>
     <p:extLst>
       <p:ext uri="{BB962C8B-B14F-4D97-AF65-F5344CB8AC3E}">
-        <p14:creationId xmlns:p14="http://schemas.microsoft.com/office/powerpoint/2010/main" val="3475968304"/>
+        <p14:creationId xmlns:p14="http://schemas.microsoft.com/office/powerpoint/2010/main" val="4109642761"/>
       </p:ext>
     </p:extLst>
   </p:cSld>
@@ -7990,119 +8177,6 @@
 </p:sld>
 </file>
 
-<file path=ppt/slides/slide19.xml><?xml version="1.0" encoding="utf-8"?>
-<p:sld xmlns:a="http://schemas.openxmlformats.org/drawingml/2006/main" xmlns:r="http://schemas.openxmlformats.org/officeDocument/2006/relationships" xmlns:p="http://schemas.openxmlformats.org/presentationml/2006/main">
-  <p:cSld>
-    <p:spTree>
-      <p:nvGrpSpPr>
-        <p:cNvPr id="1" name=""/>
-        <p:cNvGrpSpPr/>
-        <p:nvPr/>
-      </p:nvGrpSpPr>
-      <p:grpSpPr>
-        <a:xfrm>
-          <a:off x="0" y="0"/>
-          <a:ext cx="0" cy="0"/>
-          <a:chOff x="0" y="0"/>
-          <a:chExt cx="0" cy="0"/>
-        </a:xfrm>
-      </p:grpSpPr>
-      <p:sp>
-        <p:nvSpPr>
-          <p:cNvPr id="2" name="Title 1"/>
-          <p:cNvSpPr>
-            <a:spLocks noGrp="1"/>
-          </p:cNvSpPr>
-          <p:nvPr>
-            <p:ph type="title"/>
-          </p:nvPr>
-        </p:nvSpPr>
-        <p:spPr/>
-        <p:txBody>
-          <a:bodyPr/>
-          <a:lstStyle/>
-          <a:p>
-            <a:r>
-              <a:rPr lang="en-US" dirty="0" smtClean="0"/>
-              <a:t>DDR Step 4. Interpretation</a:t>
-            </a:r>
-            <a:endParaRPr lang="en-US" dirty="0"/>
-          </a:p>
-        </p:txBody>
-      </p:sp>
-      <p:sp>
-        <p:nvSpPr>
-          <p:cNvPr id="3" name="Content Placeholder 2"/>
-          <p:cNvSpPr>
-            <a:spLocks noGrp="1"/>
-          </p:cNvSpPr>
-          <p:nvPr>
-            <p:ph idx="1"/>
-          </p:nvPr>
-        </p:nvSpPr>
-        <p:spPr/>
-        <p:txBody>
-          <a:bodyPr/>
-          <a:lstStyle/>
-          <a:p>
-            <a:r>
-              <a:rPr lang="en-US" dirty="0" smtClean="0"/>
-              <a:t>Tells what piece of information each value of the data represents. </a:t>
-            </a:r>
-          </a:p>
-          <a:p>
-            <a:r>
-              <a:rPr lang="en-US" dirty="0" smtClean="0"/>
-              <a:t>This usually refers to the structure definition and the constructor template, so these three pieces are written together</a:t>
-            </a:r>
-            <a:endParaRPr lang="en-US" dirty="0"/>
-          </a:p>
-        </p:txBody>
-      </p:sp>
-      <p:sp>
-        <p:nvSpPr>
-          <p:cNvPr id="4" name="Slide Number Placeholder 3"/>
-          <p:cNvSpPr>
-            <a:spLocks noGrp="1"/>
-          </p:cNvSpPr>
-          <p:nvPr>
-            <p:ph type="sldNum" sz="quarter" idx="12"/>
-          </p:nvPr>
-        </p:nvSpPr>
-        <p:spPr/>
-        <p:txBody>
-          <a:bodyPr/>
-          <a:lstStyle/>
-          <a:p>
-            <a:fld id="{8D704B19-8EED-495A-99FA-12E5518CCC54}" type="slidenum">
-              <a:rPr lang="en-US" smtClean="0"/>
-              <a:pPr/>
-              <a:t>19</a:t>
-            </a:fld>
-            <a:endParaRPr lang="en-US"/>
-          </a:p>
-        </p:txBody>
-      </p:sp>
-    </p:spTree>
-    <p:extLst>
-      <p:ext uri="{BB962C8B-B14F-4D97-AF65-F5344CB8AC3E}">
-        <p14:creationId xmlns:p14="http://schemas.microsoft.com/office/powerpoint/2010/main" val="1345070388"/>
-      </p:ext>
-    </p:extLst>
-  </p:cSld>
-  <p:clrMapOvr>
-    <a:masterClrMapping/>
-  </p:clrMapOvr>
-  <p:timing>
-    <p:tnLst>
-      <p:par>
-        <p:cTn id="1" dur="indefinite" restart="never" nodeType="tmRoot"/>
-      </p:par>
-    </p:tnLst>
-  </p:timing>
-</p:sld>
-</file>
-
 <file path=ppt/slides/slide2.xml><?xml version="1.0" encoding="utf-8"?>
 <p:sld xmlns:a="http://schemas.openxmlformats.org/drawingml/2006/main" xmlns:r="http://schemas.openxmlformats.org/officeDocument/2006/relationships" xmlns:p="http://schemas.openxmlformats.org/presentationml/2006/main">
   <p:cSld>
@@ -8266,7 +8340,7 @@
       </p:grpSpPr>
       <p:sp>
         <p:nvSpPr>
-          <p:cNvPr id="4" name="Content Placeholder 3"/>
+          <p:cNvPr id="3" name="Content Placeholder 2"/>
           <p:cNvSpPr>
             <a:spLocks noGrp="1"/>
           </p:cNvSpPr>
@@ -8276,8 +8350,8 @@
         </p:nvSpPr>
         <p:spPr>
           <a:xfrm>
-            <a:off x="458755" y="1830387"/>
-            <a:ext cx="8229600" cy="4525963"/>
+            <a:off x="457200" y="1295400"/>
+            <a:ext cx="7772400" cy="5029200"/>
           </a:xfrm>
         </p:spPr>
         <p:txBody>
@@ -8286,155 +8360,560 @@
           </a:bodyPr>
           <a:lstStyle/>
           <a:p>
-            <a:r>
-              <a:rPr lang="en-US" sz="2000" dirty="0" smtClean="0"/>
+            <a:pPr>
+              <a:buNone/>
+            </a:pPr>
+            <a:r>
+              <a:rPr lang="en-US" sz="1600" b="1" dirty="0" smtClean="0">
+                <a:latin typeface="Consolas" pitchFamily="49" charset="0"/>
+                <a:cs typeface="Consolas" pitchFamily="49" charset="0"/>
+              </a:rPr>
               <a:t>(</a:t>
             </a:r>
             <a:r>
-              <a:rPr lang="en-US" sz="2000" dirty="0"/>
-              <a:t>define-</a:t>
-            </a:r>
-            <a:r>
-              <a:rPr lang="en-US" sz="2000" dirty="0" err="1"/>
-              <a:t>struct</a:t>
-            </a:r>
-            <a:r>
-              <a:rPr lang="en-US" sz="2000" dirty="0"/>
-              <a:t> book (author title on-hand price))</a:t>
-            </a:r>
-          </a:p>
-          <a:p>
-            <a:endParaRPr lang="en-US" sz="2000" dirty="0" smtClean="0"/>
-          </a:p>
-          <a:p>
-            <a:r>
-              <a:rPr lang="en-US" sz="2000" dirty="0" smtClean="0"/>
+              <a:rPr lang="en-US" sz="1600" b="1" dirty="0">
+                <a:latin typeface="Consolas" pitchFamily="49" charset="0"/>
+                <a:cs typeface="Consolas" pitchFamily="49" charset="0"/>
+              </a:rPr>
+              <a:t>define-struct </a:t>
+            </a:r>
+            <a:r>
+              <a:rPr lang="en-US" sz="1600" b="1" dirty="0" smtClean="0">
+                <a:latin typeface="Consolas" pitchFamily="49" charset="0"/>
+                <a:cs typeface="Consolas" pitchFamily="49" charset="0"/>
+              </a:rPr>
+              <a:t>coffee (size </a:t>
+            </a:r>
+            <a:r>
+              <a:rPr lang="en-US" sz="1600" b="1" dirty="0">
+                <a:latin typeface="Consolas" pitchFamily="49" charset="0"/>
+                <a:cs typeface="Consolas" pitchFamily="49" charset="0"/>
+              </a:rPr>
+              <a:t>type milk?))</a:t>
+            </a:r>
+          </a:p>
+          <a:p>
+            <a:pPr>
+              <a:buNone/>
+            </a:pPr>
+            <a:r>
+              <a:rPr lang="en-US" sz="1600" b="1" dirty="0">
+                <a:latin typeface="Consolas" pitchFamily="49" charset="0"/>
+                <a:cs typeface="Consolas" pitchFamily="49" charset="0"/>
+              </a:rPr>
+              <a:t>(define-struct wine (vineyard year))</a:t>
+            </a:r>
+          </a:p>
+          <a:p>
+            <a:pPr>
+              <a:buNone/>
+            </a:pPr>
+            <a:r>
+              <a:rPr lang="en-US" sz="1600" b="1" dirty="0">
+                <a:latin typeface="Consolas" pitchFamily="49" charset="0"/>
+                <a:cs typeface="Consolas" pitchFamily="49" charset="0"/>
+              </a:rPr>
+              <a:t>(define-struct tea (size type))</a:t>
+            </a:r>
+          </a:p>
+          <a:p>
+            <a:pPr>
+              <a:buNone/>
+            </a:pPr>
+            <a:endParaRPr lang="en-US" sz="1600" b="1" dirty="0">
+              <a:latin typeface="Consolas" pitchFamily="49" charset="0"/>
+              <a:cs typeface="Consolas" pitchFamily="49" charset="0"/>
+            </a:endParaRPr>
+          </a:p>
+          <a:p>
+            <a:pPr>
+              <a:buNone/>
+            </a:pPr>
+            <a:r>
+              <a:rPr lang="en-US" sz="1600" b="1" dirty="0">
+                <a:latin typeface="Consolas" pitchFamily="49" charset="0"/>
+                <a:cs typeface="Consolas" pitchFamily="49" charset="0"/>
+              </a:rPr>
+              <a:t>;; A </a:t>
+            </a:r>
+            <a:r>
+              <a:rPr lang="en-US" sz="1600" b="1" dirty="0" err="1">
+                <a:latin typeface="Consolas" pitchFamily="49" charset="0"/>
+                <a:cs typeface="Consolas" pitchFamily="49" charset="0"/>
+              </a:rPr>
+              <a:t>BarOrder</a:t>
+            </a:r>
+            <a:r>
+              <a:rPr lang="en-US" sz="1600" b="1" dirty="0">
+                <a:latin typeface="Consolas" pitchFamily="49" charset="0"/>
+                <a:cs typeface="Consolas" pitchFamily="49" charset="0"/>
+              </a:rPr>
+              <a:t> is one of</a:t>
+            </a:r>
+          </a:p>
+          <a:p>
+            <a:pPr>
+              <a:buNone/>
+            </a:pPr>
+            <a:r>
+              <a:rPr lang="en-US" sz="1600" b="1" dirty="0">
+                <a:latin typeface="Consolas" pitchFamily="49" charset="0"/>
+                <a:cs typeface="Consolas" pitchFamily="49" charset="0"/>
+              </a:rPr>
+              <a:t>;; -- (make-coffee Size </a:t>
+            </a:r>
+            <a:r>
+              <a:rPr lang="en-US" sz="1600" b="1" dirty="0" smtClean="0">
+                <a:latin typeface="Consolas" pitchFamily="49" charset="0"/>
+                <a:cs typeface="Consolas" pitchFamily="49" charset="0"/>
+              </a:rPr>
+              <a:t>Type Boolean</a:t>
+            </a:r>
+            <a:r>
+              <a:rPr lang="en-US" sz="1600" b="1" dirty="0">
+                <a:latin typeface="Consolas" pitchFamily="49" charset="0"/>
+                <a:cs typeface="Consolas" pitchFamily="49" charset="0"/>
+              </a:rPr>
+              <a:t>)</a:t>
+            </a:r>
+          </a:p>
+          <a:p>
+            <a:pPr>
+              <a:buNone/>
+            </a:pPr>
+            <a:r>
+              <a:rPr lang="en-US" sz="1600" b="1" dirty="0">
+                <a:solidFill>
+                  <a:srgbClr val="FF0000"/>
+                </a:solidFill>
+                <a:latin typeface="Consolas" pitchFamily="49" charset="0"/>
+                <a:cs typeface="Consolas" pitchFamily="49" charset="0"/>
+              </a:rPr>
+              <a:t>;;  </a:t>
+            </a:r>
+            <a:r>
+              <a:rPr lang="en-US" sz="1600" b="1" dirty="0" smtClean="0">
+                <a:solidFill>
+                  <a:srgbClr val="FF0000"/>
+                </a:solidFill>
+                <a:latin typeface="Consolas" pitchFamily="49" charset="0"/>
+                <a:cs typeface="Consolas" pitchFamily="49" charset="0"/>
+              </a:rPr>
+              <a:t>INTERP: </a:t>
+            </a:r>
+            <a:endParaRPr lang="en-US" sz="1600" b="1" dirty="0">
+              <a:solidFill>
+                <a:srgbClr val="FF0000"/>
+              </a:solidFill>
+              <a:latin typeface="Consolas" pitchFamily="49" charset="0"/>
+              <a:cs typeface="Consolas" pitchFamily="49" charset="0"/>
+            </a:endParaRPr>
+          </a:p>
+          <a:p>
+            <a:pPr>
+              <a:buNone/>
+            </a:pPr>
+            <a:r>
+              <a:rPr lang="en-US" sz="1600" b="1" dirty="0">
+                <a:solidFill>
+                  <a:srgbClr val="FF0000"/>
+                </a:solidFill>
+                <a:latin typeface="Consolas" pitchFamily="49" charset="0"/>
+                <a:cs typeface="Consolas" pitchFamily="49" charset="0"/>
+              </a:rPr>
+              <a:t>;;   size is the size of cup desired</a:t>
+            </a:r>
+          </a:p>
+          <a:p>
+            <a:pPr>
+              <a:buNone/>
+            </a:pPr>
+            <a:r>
+              <a:rPr lang="en-US" sz="1600" b="1" dirty="0">
+                <a:solidFill>
+                  <a:srgbClr val="FF0000"/>
+                </a:solidFill>
+                <a:latin typeface="Consolas" pitchFamily="49" charset="0"/>
+                <a:cs typeface="Consolas" pitchFamily="49" charset="0"/>
+              </a:rPr>
+              <a:t>;;   type is the origin of the </a:t>
+            </a:r>
+            <a:r>
+              <a:rPr lang="en-US" sz="1600" b="1" dirty="0" smtClean="0">
+                <a:solidFill>
+                  <a:srgbClr val="FF0000"/>
+                </a:solidFill>
+                <a:latin typeface="Consolas" pitchFamily="49" charset="0"/>
+                <a:cs typeface="Consolas" pitchFamily="49" charset="0"/>
+              </a:rPr>
+              <a:t>coffee </a:t>
+            </a:r>
+            <a:endParaRPr lang="en-US" sz="1600" b="1" dirty="0" smtClean="0">
+              <a:solidFill>
+                <a:srgbClr val="FF0000"/>
+              </a:solidFill>
+              <a:latin typeface="Consolas" pitchFamily="49" charset="0"/>
+              <a:cs typeface="Consolas" pitchFamily="49" charset="0"/>
+            </a:endParaRPr>
+          </a:p>
+          <a:p>
+            <a:pPr>
+              <a:buNone/>
+            </a:pPr>
+            <a:r>
+              <a:rPr lang="en-US" sz="1600" b="1" dirty="0" smtClean="0">
+                <a:solidFill>
+                  <a:srgbClr val="FF0000"/>
+                </a:solidFill>
+                <a:latin typeface="Consolas" pitchFamily="49" charset="0"/>
+                <a:cs typeface="Consolas" pitchFamily="49" charset="0"/>
+              </a:rPr>
+              <a:t>;;   milk? tells whether milk is desired.</a:t>
+            </a:r>
+          </a:p>
+          <a:p>
+            <a:pPr>
+              <a:buNone/>
+            </a:pPr>
+            <a:r>
+              <a:rPr lang="en-US" sz="1600" b="1" dirty="0" smtClean="0">
+                <a:latin typeface="Consolas" pitchFamily="49" charset="0"/>
+                <a:cs typeface="Consolas" pitchFamily="49" charset="0"/>
+              </a:rPr>
+              <a:t>;; -- </a:t>
+            </a:r>
+            <a:r>
+              <a:rPr lang="en-US" sz="1600" b="1" dirty="0">
+                <a:latin typeface="Consolas" pitchFamily="49" charset="0"/>
+                <a:cs typeface="Consolas" pitchFamily="49" charset="0"/>
+              </a:rPr>
+              <a:t>(make-wine Vineyard Year)</a:t>
+            </a:r>
+          </a:p>
+          <a:p>
+            <a:pPr>
+              <a:buNone/>
+            </a:pPr>
+            <a:r>
+              <a:rPr lang="en-US" sz="1600" b="1" dirty="0">
+                <a:solidFill>
+                  <a:srgbClr val="FF0000"/>
+                </a:solidFill>
+                <a:latin typeface="Consolas" pitchFamily="49" charset="0"/>
+                <a:cs typeface="Consolas" pitchFamily="49" charset="0"/>
+              </a:rPr>
               <a:t>;; </a:t>
             </a:r>
             <a:r>
-              <a:rPr lang="en-US" sz="2000" dirty="0"/>
-              <a:t>A Book is a </a:t>
-            </a:r>
-          </a:p>
-          <a:p>
-            <a:r>
-              <a:rPr lang="en-US" sz="2000" dirty="0"/>
-              <a:t>;;  (make-book String </a:t>
-            </a:r>
-            <a:r>
-              <a:rPr lang="en-US" sz="2000" dirty="0" err="1"/>
-              <a:t>String</a:t>
-            </a:r>
-            <a:r>
-              <a:rPr lang="en-US" sz="2000" dirty="0"/>
-              <a:t> </a:t>
-            </a:r>
-            <a:r>
-              <a:rPr lang="en-US" sz="2000" dirty="0" err="1"/>
-              <a:t>NonNegInt</a:t>
-            </a:r>
-            <a:r>
-              <a:rPr lang="en-US" sz="2000" dirty="0"/>
-              <a:t> </a:t>
-            </a:r>
-            <a:r>
-              <a:rPr lang="en-US" sz="2000" dirty="0" err="1"/>
-              <a:t>NonNegInt</a:t>
-            </a:r>
-            <a:r>
-              <a:rPr lang="en-US" sz="2000" dirty="0"/>
+              <a:rPr lang="en-US" sz="1600" b="1" dirty="0" smtClean="0">
+                <a:solidFill>
+                  <a:srgbClr val="FF0000"/>
+                </a:solidFill>
+                <a:latin typeface="Consolas" pitchFamily="49" charset="0"/>
+                <a:cs typeface="Consolas" pitchFamily="49" charset="0"/>
+              </a:rPr>
+              <a:t> INTERP:</a:t>
+            </a:r>
+            <a:endParaRPr lang="en-US" sz="1600" b="1" dirty="0">
+              <a:solidFill>
+                <a:srgbClr val="FF0000"/>
+              </a:solidFill>
+              <a:latin typeface="Consolas" pitchFamily="49" charset="0"/>
+              <a:cs typeface="Consolas" pitchFamily="49" charset="0"/>
+            </a:endParaRPr>
+          </a:p>
+          <a:p>
+            <a:pPr>
+              <a:buNone/>
+            </a:pPr>
+            <a:r>
+              <a:rPr lang="en-US" sz="1600" b="1" dirty="0">
+                <a:solidFill>
+                  <a:srgbClr val="FF0000"/>
+                </a:solidFill>
+                <a:latin typeface="Consolas" pitchFamily="49" charset="0"/>
+                <a:cs typeface="Consolas" pitchFamily="49" charset="0"/>
+              </a:rPr>
+              <a:t>;;   vineyard is the origin of the grapes</a:t>
+            </a:r>
+          </a:p>
+          <a:p>
+            <a:pPr>
+              <a:buNone/>
+            </a:pPr>
+            <a:r>
+              <a:rPr lang="en-US" sz="1600" b="1" dirty="0">
+                <a:solidFill>
+                  <a:srgbClr val="FF0000"/>
+                </a:solidFill>
+                <a:latin typeface="Consolas" pitchFamily="49" charset="0"/>
+                <a:cs typeface="Consolas" pitchFamily="49" charset="0"/>
+              </a:rPr>
+              <a:t>;;   year is the year of harvest</a:t>
+            </a:r>
+          </a:p>
+          <a:p>
+            <a:pPr>
+              <a:buNone/>
+            </a:pPr>
+            <a:r>
+              <a:rPr lang="en-US" sz="1600" b="1" dirty="0">
+                <a:latin typeface="Consolas" pitchFamily="49" charset="0"/>
+                <a:cs typeface="Consolas" pitchFamily="49" charset="0"/>
+              </a:rPr>
+              <a:t>;; -- (make-tea Size String)</a:t>
+            </a:r>
+          </a:p>
+          <a:p>
+            <a:pPr>
+              <a:buNone/>
+            </a:pPr>
+            <a:r>
+              <a:rPr lang="en-US" sz="1600" b="1" dirty="0">
+                <a:latin typeface="Consolas" pitchFamily="49" charset="0"/>
+                <a:cs typeface="Consolas" pitchFamily="49" charset="0"/>
+              </a:rPr>
+              <a:t>;;  </a:t>
+            </a:r>
+            <a:r>
+              <a:rPr lang="en-US" sz="1600" b="1" dirty="0" smtClean="0">
+                <a:latin typeface="Consolas" pitchFamily="49" charset="0"/>
+                <a:cs typeface="Consolas" pitchFamily="49" charset="0"/>
+              </a:rPr>
+              <a:t>INTERP: </a:t>
+            </a:r>
+            <a:endParaRPr lang="en-US" sz="1600" b="1" dirty="0">
+              <a:latin typeface="Consolas" pitchFamily="49" charset="0"/>
+              <a:cs typeface="Consolas" pitchFamily="49" charset="0"/>
+            </a:endParaRPr>
+          </a:p>
+          <a:p>
+            <a:pPr>
+              <a:buNone/>
+            </a:pPr>
+            <a:r>
+              <a:rPr lang="en-US" sz="1600" b="1" dirty="0">
+                <a:solidFill>
+                  <a:srgbClr val="FF0000"/>
+                </a:solidFill>
+                <a:latin typeface="Consolas" pitchFamily="49" charset="0"/>
+                <a:cs typeface="Consolas" pitchFamily="49" charset="0"/>
+              </a:rPr>
+              <a:t>;;   size is the size of cup desired</a:t>
+            </a:r>
+          </a:p>
+          <a:p>
+            <a:pPr>
+              <a:buNone/>
+            </a:pPr>
+            <a:r>
+              <a:rPr lang="en-US" sz="1600" b="1" dirty="0">
+                <a:solidFill>
+                  <a:srgbClr val="FF0000"/>
+                </a:solidFill>
+                <a:latin typeface="Consolas" pitchFamily="49" charset="0"/>
+                <a:cs typeface="Consolas" pitchFamily="49" charset="0"/>
+              </a:rPr>
+              <a:t>;;   type is the type of tea (as a string</a:t>
+            </a:r>
+            <a:r>
+              <a:rPr lang="en-US" sz="1600" b="1" dirty="0" smtClean="0">
+                <a:solidFill>
+                  <a:srgbClr val="FF0000"/>
+                </a:solidFill>
+                <a:latin typeface="Consolas" pitchFamily="49" charset="0"/>
+                <a:cs typeface="Consolas" pitchFamily="49" charset="0"/>
+              </a:rPr>
               <a:t>)</a:t>
             </a:r>
-          </a:p>
-          <a:p>
-            <a:r>
-              <a:rPr lang="en-US" sz="2000" dirty="0" smtClean="0"/>
-              <a:t>;; </a:t>
-            </a:r>
-            <a:r>
-              <a:rPr lang="en-US" sz="2000" dirty="0"/>
-              <a:t>Interpretation:</a:t>
-            </a:r>
-          </a:p>
-          <a:p>
-            <a:r>
-              <a:rPr lang="en-US" sz="2000" dirty="0"/>
-              <a:t>;;   author is the author’s name</a:t>
-            </a:r>
-          </a:p>
-          <a:p>
-            <a:r>
-              <a:rPr lang="en-US" sz="2000" dirty="0"/>
-              <a:t>;;   title is the title</a:t>
-            </a:r>
-          </a:p>
-          <a:p>
-            <a:r>
-              <a:rPr lang="en-US" sz="2000" dirty="0"/>
-              <a:t>;;   on-hand is the number of copies on hand</a:t>
-            </a:r>
-          </a:p>
-          <a:p>
-            <a:r>
-              <a:rPr lang="en-US" sz="2000" dirty="0"/>
-              <a:t>;;   price is the price in </a:t>
-            </a:r>
-            <a:r>
-              <a:rPr lang="en-US" sz="2000" dirty="0" smtClean="0"/>
-              <a:t>USD*100 </a:t>
-            </a:r>
-          </a:p>
-          <a:p>
-            <a:r>
-              <a:rPr lang="en-US" sz="2000" dirty="0" smtClean="0"/>
-              <a:t>;;    e.g. US$7.95 =&gt; 795</a:t>
-            </a:r>
-            <a:endParaRPr lang="en-US" sz="2000" dirty="0"/>
-          </a:p>
-          <a:p>
-            <a:endParaRPr lang="en-US" sz="1600" dirty="0"/>
-          </a:p>
-        </p:txBody>
-      </p:sp>
-      <p:sp>
-        <p:nvSpPr>
-          <p:cNvPr id="2" name="Title 1"/>
-          <p:cNvSpPr>
-            <a:spLocks noGrp="1"/>
-          </p:cNvSpPr>
-          <p:nvPr>
-            <p:ph type="title"/>
-          </p:nvPr>
-        </p:nvSpPr>
-        <p:spPr/>
-        <p:txBody>
-          <a:bodyPr>
-            <a:normAutofit fontScale="90000"/>
-          </a:bodyPr>
-          <a:lstStyle/>
-          <a:p>
-            <a:r>
-              <a:rPr lang="en-US" dirty="0" smtClean="0"/>
-              <a:t>Example: Structure Definition, Constructor Template, and Interpretation for Book</a:t>
-            </a:r>
-            <a:endParaRPr lang="en-US" dirty="0"/>
-          </a:p>
-        </p:txBody>
-      </p:sp>
-      <p:sp>
-        <p:nvSpPr>
-          <p:cNvPr id="11" name="TextBox 10"/>
-          <p:cNvSpPr txBox="1"/>
+            <a:endParaRPr lang="en-US" sz="1600" b="1" dirty="0">
+              <a:solidFill>
+                <a:srgbClr val="FF0000"/>
+              </a:solidFill>
+              <a:latin typeface="Consolas" pitchFamily="49" charset="0"/>
+              <a:cs typeface="Consolas" pitchFamily="49" charset="0"/>
+            </a:endParaRPr>
+          </a:p>
+        </p:txBody>
+      </p:sp>
+      <p:sp>
+        <p:nvSpPr>
+          <p:cNvPr id="10" name="Title 1"/>
+          <p:cNvSpPr txBox="1">
+            <a:spLocks/>
+          </p:cNvSpPr>
           <p:nvPr/>
         </p:nvSpPr>
         <p:spPr>
           <a:xfrm>
-            <a:off x="7422689" y="3104084"/>
-            <a:ext cx="1536113" cy="923330"/>
+            <a:off x="304800" y="199044"/>
+            <a:ext cx="8534400" cy="887958"/>
           </a:xfrm>
           <a:prstGeom prst="rect">
             <a:avLst/>
           </a:prstGeom>
+        </p:spPr>
+        <p:style>
+          <a:lnRef idx="2">
+            <a:schemeClr val="accent1"/>
+          </a:lnRef>
+          <a:fillRef idx="1">
+            <a:schemeClr val="lt1"/>
+          </a:fillRef>
+          <a:effectRef idx="0">
+            <a:schemeClr val="accent1"/>
+          </a:effectRef>
+          <a:fontRef idx="minor">
+            <a:schemeClr val="dk1"/>
+          </a:fontRef>
+        </p:style>
+        <p:txBody>
+          <a:bodyPr vert="horz" lIns="91440" tIns="45720" rIns="91440" bIns="45720" rtlCol="0" anchor="ctr">
+            <a:normAutofit fontScale="25000" lnSpcReduction="20000"/>
+          </a:bodyPr>
+          <a:lstStyle>
+            <a:lvl1pPr algn="ctr" defTabSz="457200" rtl="0" eaLnBrk="1" latinLnBrk="0" hangingPunct="1">
+              <a:spcBef>
+                <a:spcPct val="0"/>
+              </a:spcBef>
+              <a:buNone/>
+              <a:defRPr sz="4400" kern="1200">
+                <a:solidFill>
+                  <a:schemeClr val="tx1"/>
+                </a:solidFill>
+                <a:latin typeface="+mj-lt"/>
+                <a:ea typeface="+mj-ea"/>
+                <a:cs typeface="+mj-cs"/>
+              </a:defRPr>
+            </a:lvl1pPr>
+          </a:lstStyle>
+          <a:p>
+            <a:pPr algn="l"/>
+            <a:r>
+              <a:rPr lang="en-US" sz="16000" dirty="0" smtClean="0"/>
+              <a:t>Data Definition for mixed data: </a:t>
+            </a:r>
+            <a:r>
+              <a:rPr lang="en-US" sz="16000" dirty="0" smtClean="0"/>
+              <a:t>example</a:t>
+            </a:r>
+            <a:endParaRPr lang="en-US" dirty="0"/>
+          </a:p>
+        </p:txBody>
+      </p:sp>
+      <p:grpSp>
+        <p:nvGrpSpPr>
+          <p:cNvPr id="5" name="Group 4"/>
+          <p:cNvGrpSpPr/>
+          <p:nvPr/>
+        </p:nvGrpSpPr>
+        <p:grpSpPr>
+          <a:xfrm>
+            <a:off x="5029200" y="1699511"/>
+            <a:ext cx="3173431" cy="369332"/>
+            <a:chOff x="5719141" y="1600200"/>
+            <a:chExt cx="3173431" cy="369332"/>
+          </a:xfrm>
+        </p:grpSpPr>
+        <p:sp>
+          <p:nvSpPr>
+            <p:cNvPr id="6" name="TextBox 5"/>
+            <p:cNvSpPr txBox="1"/>
+            <p:nvPr/>
+          </p:nvSpPr>
+          <p:spPr>
+            <a:xfrm>
+              <a:off x="6400800" y="1600200"/>
+              <a:ext cx="2491772" cy="369332"/>
+            </a:xfrm>
+            <a:prstGeom prst="rect">
+              <a:avLst/>
+            </a:prstGeom>
+            <a:ln/>
+          </p:spPr>
+          <p:style>
+            <a:lnRef idx="2">
+              <a:schemeClr val="accent1"/>
+            </a:lnRef>
+            <a:fillRef idx="1">
+              <a:schemeClr val="lt1"/>
+            </a:fillRef>
+            <a:effectRef idx="0">
+              <a:schemeClr val="accent1"/>
+            </a:effectRef>
+            <a:fontRef idx="minor">
+              <a:schemeClr val="dk1"/>
+            </a:fontRef>
+          </p:style>
+          <p:txBody>
+            <a:bodyPr wrap="none" rtlCol="0">
+              <a:spAutoFit/>
+            </a:bodyPr>
+            <a:lstStyle/>
+            <a:p>
+              <a:r>
+                <a:rPr lang="en-US" dirty="0" smtClean="0"/>
+                <a:t>The structure definitions</a:t>
+              </a:r>
+            </a:p>
+          </p:txBody>
+        </p:sp>
+        <p:cxnSp>
+          <p:nvCxnSpPr>
+            <p:cNvPr id="7" name="Straight Arrow Connector 6"/>
+            <p:cNvCxnSpPr>
+              <a:stCxn id="6" idx="1"/>
+            </p:cNvCxnSpPr>
+            <p:nvPr/>
+          </p:nvCxnSpPr>
+          <p:spPr>
+            <a:xfrm flipH="1">
+              <a:off x="5719141" y="1784866"/>
+              <a:ext cx="681659" cy="0"/>
+            </a:xfrm>
+            <a:prstGeom prst="straightConnector1">
+              <a:avLst/>
+            </a:prstGeom>
+            <a:ln w="19050">
+              <a:tailEnd type="arrow"/>
+            </a:ln>
+          </p:spPr>
+          <p:style>
+            <a:lnRef idx="1">
+              <a:schemeClr val="accent1"/>
+            </a:lnRef>
+            <a:fillRef idx="0">
+              <a:schemeClr val="accent1"/>
+            </a:fillRef>
+            <a:effectRef idx="0">
+              <a:schemeClr val="accent1"/>
+            </a:effectRef>
+            <a:fontRef idx="minor">
+              <a:schemeClr val="tx1"/>
+            </a:fontRef>
+          </p:style>
+        </p:cxnSp>
+      </p:grpSp>
+      <p:sp>
+        <p:nvSpPr>
+          <p:cNvPr id="14" name="Rectangle 13"/>
+          <p:cNvSpPr/>
+          <p:nvPr/>
+        </p:nvSpPr>
+        <p:spPr>
+          <a:xfrm>
+            <a:off x="6400800" y="3276600"/>
+            <a:ext cx="2438400" cy="2220310"/>
+          </a:xfrm>
+          <a:prstGeom prst="rect">
+            <a:avLst/>
+          </a:prstGeom>
+          <a:solidFill>
+            <a:schemeClr val="accent3">
+              <a:lumMod val="40000"/>
+              <a:lumOff val="60000"/>
+            </a:schemeClr>
+          </a:solidFill>
           <a:ln/>
         </p:spPr>
         <p:style>
@@ -8452,6 +8931,95 @@
           </a:fontRef>
         </p:style>
         <p:txBody>
+          <a:bodyPr rot="0" spcFirstLastPara="0" vertOverflow="overflow" horzOverflow="overflow" vert="horz" wrap="square" lIns="91440" tIns="45720" rIns="91440" bIns="45720" numCol="1" spcCol="0" rtlCol="0" fromWordArt="0" anchor="ctr" anchorCtr="0" forceAA="0" compatLnSpc="1">
+            <a:prstTxWarp prst="textNoShape">
+              <a:avLst/>
+            </a:prstTxWarp>
+            <a:noAutofit/>
+          </a:bodyPr>
+          <a:lstStyle/>
+          <a:p>
+            <a:pPr>
+              <a:defRPr/>
+            </a:pPr>
+            <a:r>
+              <a:rPr lang="en-US" dirty="0" smtClean="0">
+                <a:solidFill>
+                  <a:schemeClr val="tx1"/>
+                </a:solidFill>
+              </a:rPr>
+              <a:t>Here it's clear what the alternatives </a:t>
+            </a:r>
+            <a:r>
+              <a:rPr lang="en-US" dirty="0" smtClean="0">
+                <a:solidFill>
+                  <a:schemeClr val="tx1"/>
+                </a:solidFill>
+              </a:rPr>
+              <a:t>mean, </a:t>
+            </a:r>
+            <a:r>
+              <a:rPr lang="en-US" dirty="0" smtClean="0">
+                <a:solidFill>
+                  <a:schemeClr val="tx1"/>
+                </a:solidFill>
+              </a:rPr>
+              <a:t>so all we need to provide is the interpretation of each field in each alternative.</a:t>
+            </a:r>
+            <a:endParaRPr lang="en-US" dirty="0">
+              <a:solidFill>
+                <a:schemeClr val="tx1"/>
+              </a:solidFill>
+            </a:endParaRPr>
+          </a:p>
+        </p:txBody>
+      </p:sp>
+      <p:sp>
+        <p:nvSpPr>
+          <p:cNvPr id="2" name="Slide Number Placeholder 1"/>
+          <p:cNvSpPr>
+            <a:spLocks noGrp="1"/>
+          </p:cNvSpPr>
+          <p:nvPr>
+            <p:ph type="sldNum" sz="quarter" idx="12"/>
+          </p:nvPr>
+        </p:nvSpPr>
+        <p:spPr/>
+        <p:txBody>
+          <a:bodyPr/>
+          <a:lstStyle/>
+          <a:p>
+            <a:fld id="{8D704B19-8EED-495A-99FA-12E5518CCC54}" type="slidenum">
+              <a:rPr lang="en-US" smtClean="0"/>
+              <a:pPr/>
+              <a:t>20</a:t>
+            </a:fld>
+            <a:endParaRPr lang="en-US"/>
+          </a:p>
+        </p:txBody>
+      </p:sp>
+      <p:sp>
+        <p:nvSpPr>
+          <p:cNvPr id="4" name="TextBox 3"/>
+          <p:cNvSpPr txBox="1"/>
+          <p:nvPr/>
+        </p:nvSpPr>
+        <p:spPr>
+          <a:xfrm>
+            <a:off x="5680208" y="2356483"/>
+            <a:ext cx="3048000" cy="646331"/>
+          </a:xfrm>
+          <a:prstGeom prst="rect">
+            <a:avLst/>
+          </a:prstGeom>
+          <a:noFill/>
+          <a:ln>
+            <a:solidFill>
+              <a:schemeClr val="accent1"/>
+            </a:solidFill>
+          </a:ln>
+        </p:spPr>
+        <p:txBody>
           <a:bodyPr wrap="square" rtlCol="0">
             <a:spAutoFit/>
           </a:bodyPr>
@@ -8459,7 +9027,458 @@
           <a:p>
             <a:r>
               <a:rPr lang="en-US" dirty="0" smtClean="0"/>
-              <a:t>The constructor template</a:t>
+              <a:t>Presumably Size </a:t>
+            </a:r>
+            <a:r>
+              <a:rPr lang="en-US" dirty="0" smtClean="0"/>
+              <a:t>and Type are </a:t>
+            </a:r>
+            <a:r>
+              <a:rPr lang="en-US" dirty="0" smtClean="0"/>
+              <a:t>data </a:t>
+            </a:r>
+            <a:r>
+              <a:rPr lang="en-US" dirty="0" smtClean="0"/>
+              <a:t>types </a:t>
+            </a:r>
+            <a:r>
+              <a:rPr lang="en-US" dirty="0" smtClean="0"/>
+              <a:t>defined elsewhere.</a:t>
+            </a:r>
+            <a:endParaRPr lang="en-US" dirty="0"/>
+          </a:p>
+        </p:txBody>
+      </p:sp>
+      <p:sp>
+        <p:nvSpPr>
+          <p:cNvPr id="17" name="Freeform 16"/>
+          <p:cNvSpPr/>
+          <p:nvPr/>
+        </p:nvSpPr>
+        <p:spPr>
+          <a:xfrm>
+            <a:off x="3210113" y="2238355"/>
+            <a:ext cx="2479964" cy="499400"/>
+          </a:xfrm>
+          <a:custGeom>
+            <a:avLst/>
+            <a:gdLst>
+              <a:gd name="connsiteX0" fmla="*/ 2479964 w 2479964"/>
+              <a:gd name="connsiteY0" fmla="*/ 416273 h 499400"/>
+              <a:gd name="connsiteX1" fmla="*/ 1648691 w 2479964"/>
+              <a:gd name="connsiteY1" fmla="*/ 636 h 499400"/>
+              <a:gd name="connsiteX2" fmla="*/ 0 w 2479964"/>
+              <a:gd name="connsiteY2" fmla="*/ 499400 h 499400"/>
+            </a:gdLst>
+            <a:ahLst/>
+            <a:cxnLst>
+              <a:cxn ang="0">
+                <a:pos x="connsiteX0" y="connsiteY0"/>
+              </a:cxn>
+              <a:cxn ang="0">
+                <a:pos x="connsiteX1" y="connsiteY1"/>
+              </a:cxn>
+              <a:cxn ang="0">
+                <a:pos x="connsiteX2" y="connsiteY2"/>
+              </a:cxn>
+            </a:cxnLst>
+            <a:rect l="l" t="t" r="r" b="b"/>
+            <a:pathLst>
+              <a:path w="2479964" h="499400">
+                <a:moveTo>
+                  <a:pt x="2479964" y="416273"/>
+                </a:moveTo>
+                <a:cubicBezTo>
+                  <a:pt x="2270991" y="201527"/>
+                  <a:pt x="2062018" y="-13218"/>
+                  <a:pt x="1648691" y="636"/>
+                </a:cubicBezTo>
+                <a:cubicBezTo>
+                  <a:pt x="1235364" y="14490"/>
+                  <a:pt x="617682" y="256945"/>
+                  <a:pt x="0" y="499400"/>
+                </a:cubicBezTo>
+              </a:path>
+            </a:pathLst>
+          </a:custGeom>
+          <a:noFill/>
+          <a:ln w="12700">
+            <a:tailEnd type="arrow"/>
+          </a:ln>
+        </p:spPr>
+        <p:style>
+          <a:lnRef idx="2">
+            <a:schemeClr val="accent1">
+              <a:shade val="50000"/>
+            </a:schemeClr>
+          </a:lnRef>
+          <a:fillRef idx="1">
+            <a:schemeClr val="accent1"/>
+          </a:fillRef>
+          <a:effectRef idx="0">
+            <a:schemeClr val="accent1"/>
+          </a:effectRef>
+          <a:fontRef idx="minor">
+            <a:schemeClr val="lt1"/>
+          </a:fontRef>
+        </p:style>
+        <p:txBody>
+          <a:bodyPr rtlCol="0" anchor="ctr"/>
+          <a:lstStyle/>
+          <a:p>
+            <a:pPr algn="ctr"/>
+            <a:endParaRPr lang="en-US"/>
+          </a:p>
+        </p:txBody>
+      </p:sp>
+      <p:sp>
+        <p:nvSpPr>
+          <p:cNvPr id="11" name="TextBox 10"/>
+          <p:cNvSpPr txBox="1"/>
+          <p:nvPr/>
+        </p:nvSpPr>
+        <p:spPr>
+          <a:xfrm>
+            <a:off x="5430904" y="5705308"/>
+            <a:ext cx="3048000" cy="646331"/>
+          </a:xfrm>
+          <a:prstGeom prst="rect">
+            <a:avLst/>
+          </a:prstGeom>
+          <a:noFill/>
+          <a:ln>
+            <a:solidFill>
+              <a:schemeClr val="accent1"/>
+            </a:solidFill>
+          </a:ln>
+        </p:spPr>
+        <p:txBody>
+          <a:bodyPr wrap="square" rtlCol="0">
+            <a:spAutoFit/>
+          </a:bodyPr>
+          <a:lstStyle/>
+          <a:p>
+            <a:r>
+              <a:rPr lang="en-US" dirty="0" smtClean="0"/>
+              <a:t>Presumably </a:t>
+            </a:r>
+            <a:r>
+              <a:rPr lang="en-US" dirty="0" smtClean="0"/>
+              <a:t>Vineyard is also a data type </a:t>
+            </a:r>
+            <a:r>
+              <a:rPr lang="en-US" dirty="0" smtClean="0"/>
+              <a:t>defined elsewhere.</a:t>
+            </a:r>
+            <a:endParaRPr lang="en-US" dirty="0"/>
+          </a:p>
+        </p:txBody>
+      </p:sp>
+      <p:cxnSp>
+        <p:nvCxnSpPr>
+          <p:cNvPr id="9" name="Curved Connector 8"/>
+          <p:cNvCxnSpPr/>
+          <p:nvPr/>
+        </p:nvCxnSpPr>
+        <p:spPr>
+          <a:xfrm rot="10800000">
+            <a:off x="3048000" y="4586672"/>
+            <a:ext cx="2382904" cy="1108934"/>
+          </a:xfrm>
+          <a:prstGeom prst="curvedConnector3">
+            <a:avLst>
+              <a:gd name="adj1" fmla="val 101990"/>
+            </a:avLst>
+          </a:prstGeom>
+          <a:ln>
+            <a:headEnd type="none" w="med" len="med"/>
+            <a:tailEnd type="triangle" w="med" len="med"/>
+          </a:ln>
+        </p:spPr>
+        <p:style>
+          <a:lnRef idx="1">
+            <a:schemeClr val="accent1"/>
+          </a:lnRef>
+          <a:fillRef idx="0">
+            <a:schemeClr val="accent1"/>
+          </a:fillRef>
+          <a:effectRef idx="0">
+            <a:schemeClr val="accent1"/>
+          </a:effectRef>
+          <a:fontRef idx="minor">
+            <a:schemeClr val="tx1"/>
+          </a:fontRef>
+        </p:style>
+      </p:cxnSp>
+    </p:spTree>
+    <p:extLst>
+      <p:ext uri="{BB962C8B-B14F-4D97-AF65-F5344CB8AC3E}">
+        <p14:creationId xmlns:p14="http://schemas.microsoft.com/office/powerpoint/2010/main" val="3002992385"/>
+      </p:ext>
+    </p:extLst>
+  </p:cSld>
+  <p:clrMapOvr>
+    <a:masterClrMapping/>
+  </p:clrMapOvr>
+  <p:timing>
+    <p:tnLst>
+      <p:par>
+        <p:cTn id="1" dur="indefinite" restart="never" nodeType="tmRoot">
+          <p:childTnLst>
+            <p:seq concurrent="1" nextAc="seek">
+              <p:cTn id="2" dur="indefinite" nodeType="mainSeq">
+                <p:childTnLst>
+                  <p:par>
+                    <p:cTn id="3" fill="hold">
+                      <p:stCondLst>
+                        <p:cond delay="indefinite"/>
+                      </p:stCondLst>
+                      <p:childTnLst>
+                        <p:par>
+                          <p:cTn id="4" fill="hold">
+                            <p:stCondLst>
+                              <p:cond delay="0"/>
+                            </p:stCondLst>
+                            <p:childTnLst>
+                              <p:par>
+                                <p:cTn id="5" presetID="10" presetClass="entr" presetSubtype="0" fill="hold" nodeType="clickEffect">
+                                  <p:stCondLst>
+                                    <p:cond delay="0"/>
+                                  </p:stCondLst>
+                                  <p:childTnLst>
+                                    <p:set>
+                                      <p:cBhvr>
+                                        <p:cTn id="6" dur="1" fill="hold">
+                                          <p:stCondLst>
+                                            <p:cond delay="0"/>
+                                          </p:stCondLst>
+                                        </p:cTn>
+                                        <p:tgtEl>
+                                          <p:spTgt spid="5"/>
+                                        </p:tgtEl>
+                                        <p:attrNameLst>
+                                          <p:attrName>style.visibility</p:attrName>
+                                        </p:attrNameLst>
+                                      </p:cBhvr>
+                                      <p:to>
+                                        <p:strVal val="visible"/>
+                                      </p:to>
+                                    </p:set>
+                                    <p:animEffect transition="in" filter="fade">
+                                      <p:cBhvr>
+                                        <p:cTn id="7" dur="500"/>
+                                        <p:tgtEl>
+                                          <p:spTgt spid="5"/>
+                                        </p:tgtEl>
+                                      </p:cBhvr>
+                                    </p:animEffect>
+                                  </p:childTnLst>
+                                </p:cTn>
+                              </p:par>
+                            </p:childTnLst>
+                          </p:cTn>
+                        </p:par>
+                      </p:childTnLst>
+                    </p:cTn>
+                  </p:par>
+                </p:childTnLst>
+              </p:cTn>
+              <p:prevCondLst>
+                <p:cond evt="onPrev" delay="0">
+                  <p:tgtEl>
+                    <p:sldTgt/>
+                  </p:tgtEl>
+                </p:cond>
+              </p:prevCondLst>
+              <p:nextCondLst>
+                <p:cond evt="onNext" delay="0">
+                  <p:tgtEl>
+                    <p:sldTgt/>
+                  </p:tgtEl>
+                </p:cond>
+              </p:nextCondLst>
+            </p:seq>
+          </p:childTnLst>
+        </p:cTn>
+      </p:par>
+    </p:tnLst>
+  </p:timing>
+</p:sld>
+</file>
+
+<file path=ppt/slides/slide21.xml><?xml version="1.0" encoding="utf-8"?>
+<p:sld xmlns:a="http://schemas.openxmlformats.org/drawingml/2006/main" xmlns:r="http://schemas.openxmlformats.org/officeDocument/2006/relationships" xmlns:p="http://schemas.openxmlformats.org/presentationml/2006/main">
+  <p:cSld>
+    <p:spTree>
+      <p:nvGrpSpPr>
+        <p:cNvPr id="1" name=""/>
+        <p:cNvGrpSpPr/>
+        <p:nvPr/>
+      </p:nvGrpSpPr>
+      <p:grpSpPr>
+        <a:xfrm>
+          <a:off x="0" y="0"/>
+          <a:ext cx="0" cy="0"/>
+          <a:chOff x="0" y="0"/>
+          <a:chExt cx="0" cy="0"/>
+        </a:xfrm>
+      </p:grpSpPr>
+      <p:sp>
+        <p:nvSpPr>
+          <p:cNvPr id="4" name="Content Placeholder 3"/>
+          <p:cNvSpPr>
+            <a:spLocks noGrp="1"/>
+          </p:cNvSpPr>
+          <p:nvPr>
+            <p:ph idx="1"/>
+          </p:nvPr>
+        </p:nvSpPr>
+        <p:spPr>
+          <a:xfrm>
+            <a:off x="458755" y="1830387"/>
+            <a:ext cx="8229600" cy="4525963"/>
+          </a:xfrm>
+        </p:spPr>
+        <p:txBody>
+          <a:bodyPr>
+            <a:noAutofit/>
+          </a:bodyPr>
+          <a:lstStyle/>
+          <a:p>
+            <a:r>
+              <a:rPr lang="en-US" sz="2000" dirty="0" smtClean="0"/>
+              <a:t>(</a:t>
+            </a:r>
+            <a:r>
+              <a:rPr lang="en-US" sz="2000" dirty="0"/>
+              <a:t>define-</a:t>
+            </a:r>
+            <a:r>
+              <a:rPr lang="en-US" sz="2000" dirty="0" err="1"/>
+              <a:t>struct</a:t>
+            </a:r>
+            <a:r>
+              <a:rPr lang="en-US" sz="2000" dirty="0"/>
+              <a:t> book (author title on-hand price))</a:t>
+            </a:r>
+          </a:p>
+          <a:p>
+            <a:endParaRPr lang="en-US" sz="2000" dirty="0" smtClean="0"/>
+          </a:p>
+          <a:p>
+            <a:r>
+              <a:rPr lang="en-US" sz="2000" dirty="0" smtClean="0"/>
+              <a:t>;; </a:t>
+            </a:r>
+            <a:r>
+              <a:rPr lang="en-US" sz="2000" dirty="0"/>
+              <a:t>A Book is a </a:t>
+            </a:r>
+          </a:p>
+          <a:p>
+            <a:r>
+              <a:rPr lang="en-US" sz="2000" dirty="0"/>
+              <a:t>;;  (make-book </a:t>
+            </a:r>
+            <a:r>
+              <a:rPr lang="en-US" sz="2000" dirty="0" smtClean="0"/>
+              <a:t>String </a:t>
+            </a:r>
+            <a:r>
+              <a:rPr lang="en-US" sz="2000" dirty="0" err="1" smtClean="0"/>
+              <a:t>String</a:t>
+            </a:r>
+            <a:r>
+              <a:rPr lang="en-US" sz="2000" dirty="0" smtClean="0"/>
+              <a:t> </a:t>
+            </a:r>
+            <a:r>
+              <a:rPr lang="en-US" sz="2000" dirty="0" err="1"/>
+              <a:t>NonNegInt</a:t>
+            </a:r>
+            <a:r>
+              <a:rPr lang="en-US" sz="2000" dirty="0"/>
+              <a:t> </a:t>
+            </a:r>
+            <a:r>
+              <a:rPr lang="en-US" sz="2000" dirty="0" err="1"/>
+              <a:t>NonNegInt</a:t>
+            </a:r>
+            <a:r>
+              <a:rPr lang="en-US" sz="2000" dirty="0"/>
+              <a:t>)</a:t>
+            </a:r>
+          </a:p>
+          <a:p>
+            <a:r>
+              <a:rPr lang="en-US" sz="2000" dirty="0" smtClean="0"/>
+              <a:t>;; </a:t>
+            </a:r>
+            <a:r>
+              <a:rPr lang="en-US" sz="2000" dirty="0"/>
+              <a:t>Interpretation:</a:t>
+            </a:r>
+          </a:p>
+          <a:p>
+            <a:r>
+              <a:rPr lang="en-US" sz="2000" dirty="0"/>
+              <a:t>;;   author is the author’s name</a:t>
+            </a:r>
+          </a:p>
+          <a:p>
+            <a:r>
+              <a:rPr lang="en-US" sz="2000" dirty="0"/>
+              <a:t>;;   title is the title</a:t>
+            </a:r>
+          </a:p>
+          <a:p>
+            <a:r>
+              <a:rPr lang="en-US" sz="2000" dirty="0"/>
+              <a:t>;;   on-hand is the number of copies on hand</a:t>
+            </a:r>
+          </a:p>
+          <a:p>
+            <a:r>
+              <a:rPr lang="en-US" sz="2000" dirty="0"/>
+              <a:t>;;   price is the price in </a:t>
+            </a:r>
+            <a:r>
+              <a:rPr lang="en-US" sz="2000" dirty="0" smtClean="0"/>
+              <a:t>USD*100 </a:t>
+            </a:r>
+          </a:p>
+          <a:p>
+            <a:r>
+              <a:rPr lang="en-US" sz="2000" dirty="0" smtClean="0"/>
+              <a:t>;;    e.g. US$7.95 =&gt; 795</a:t>
+            </a:r>
+            <a:endParaRPr lang="en-US" sz="2000" dirty="0"/>
+          </a:p>
+          <a:p>
+            <a:endParaRPr lang="en-US" sz="1600" dirty="0"/>
+          </a:p>
+        </p:txBody>
+      </p:sp>
+      <p:sp>
+        <p:nvSpPr>
+          <p:cNvPr id="2" name="Title 1"/>
+          <p:cNvSpPr>
+            <a:spLocks noGrp="1"/>
+          </p:cNvSpPr>
+          <p:nvPr>
+            <p:ph type="title"/>
+          </p:nvPr>
+        </p:nvSpPr>
+        <p:spPr/>
+        <p:txBody>
+          <a:bodyPr>
+            <a:normAutofit/>
+          </a:bodyPr>
+          <a:lstStyle/>
+          <a:p>
+            <a:r>
+              <a:rPr lang="en-US" dirty="0" smtClean="0"/>
+              <a:t>Another example</a:t>
             </a:r>
             <a:endParaRPr lang="en-US" dirty="0"/>
           </a:p>
@@ -8740,41 +9759,100 @@
           </p:style>
         </p:cxnSp>
       </p:grpSp>
-      <p:cxnSp>
-        <p:nvCxnSpPr>
-          <p:cNvPr id="19" name="Straight Arrow Connector 18"/>
-          <p:cNvCxnSpPr>
-            <a:stCxn id="11" idx="1"/>
-          </p:cNvCxnSpPr>
+      <p:grpSp>
+        <p:nvGrpSpPr>
+          <p:cNvPr id="7" name="Group 6"/>
+          <p:cNvGrpSpPr/>
           <p:nvPr/>
-        </p:nvCxnSpPr>
-        <p:spPr>
-          <a:xfrm flipH="1" flipV="1">
-            <a:off x="6512767" y="3290124"/>
-            <a:ext cx="909922" cy="275625"/>
+        </p:nvGrpSpPr>
+        <p:grpSpPr>
+          <a:xfrm>
+            <a:off x="6512767" y="3104084"/>
+            <a:ext cx="2446035" cy="923330"/>
+            <a:chOff x="6512767" y="3104084"/>
+            <a:chExt cx="2446035" cy="923330"/>
           </a:xfrm>
-          <a:prstGeom prst="straightConnector1">
-            <a:avLst/>
-          </a:prstGeom>
-          <a:ln w="19050">
-            <a:tailEnd type="arrow"/>
-          </a:ln>
-        </p:spPr>
-        <p:style>
-          <a:lnRef idx="1">
-            <a:schemeClr val="accent1"/>
-          </a:lnRef>
-          <a:fillRef idx="0">
-            <a:schemeClr val="accent1"/>
-          </a:fillRef>
-          <a:effectRef idx="0">
-            <a:schemeClr val="accent1"/>
-          </a:effectRef>
-          <a:fontRef idx="minor">
-            <a:schemeClr val="tx1"/>
-          </a:fontRef>
-        </p:style>
-      </p:cxnSp>
+        </p:grpSpPr>
+        <p:sp>
+          <p:nvSpPr>
+            <p:cNvPr id="11" name="TextBox 10"/>
+            <p:cNvSpPr txBox="1"/>
+            <p:nvPr/>
+          </p:nvSpPr>
+          <p:spPr>
+            <a:xfrm>
+              <a:off x="7422689" y="3104084"/>
+              <a:ext cx="1536113" cy="923330"/>
+            </a:xfrm>
+            <a:prstGeom prst="rect">
+              <a:avLst/>
+            </a:prstGeom>
+            <a:ln/>
+          </p:spPr>
+          <p:style>
+            <a:lnRef idx="2">
+              <a:schemeClr val="accent1"/>
+            </a:lnRef>
+            <a:fillRef idx="1">
+              <a:schemeClr val="lt1"/>
+            </a:fillRef>
+            <a:effectRef idx="0">
+              <a:schemeClr val="accent1"/>
+            </a:effectRef>
+            <a:fontRef idx="minor">
+              <a:schemeClr val="dk1"/>
+            </a:fontRef>
+          </p:style>
+          <p:txBody>
+            <a:bodyPr wrap="square" rtlCol="0">
+              <a:spAutoFit/>
+            </a:bodyPr>
+            <a:lstStyle/>
+            <a:p>
+              <a:r>
+                <a:rPr lang="en-US" dirty="0" smtClean="0"/>
+                <a:t>The constructor template</a:t>
+              </a:r>
+              <a:endParaRPr lang="en-US" dirty="0"/>
+            </a:p>
+          </p:txBody>
+        </p:sp>
+        <p:cxnSp>
+          <p:nvCxnSpPr>
+            <p:cNvPr id="19" name="Straight Arrow Connector 18"/>
+            <p:cNvCxnSpPr>
+              <a:stCxn id="11" idx="1"/>
+            </p:cNvCxnSpPr>
+            <p:nvPr/>
+          </p:nvCxnSpPr>
+          <p:spPr>
+            <a:xfrm flipH="1" flipV="1">
+              <a:off x="6512767" y="3290124"/>
+              <a:ext cx="909922" cy="275625"/>
+            </a:xfrm>
+            <a:prstGeom prst="straightConnector1">
+              <a:avLst/>
+            </a:prstGeom>
+            <a:ln w="19050">
+              <a:tailEnd type="arrow"/>
+            </a:ln>
+          </p:spPr>
+          <p:style>
+            <a:lnRef idx="1">
+              <a:schemeClr val="accent1"/>
+            </a:lnRef>
+            <a:fillRef idx="0">
+              <a:schemeClr val="accent1"/>
+            </a:fillRef>
+            <a:effectRef idx="0">
+              <a:schemeClr val="accent1"/>
+            </a:effectRef>
+            <a:fontRef idx="minor">
+              <a:schemeClr val="tx1"/>
+            </a:fontRef>
+          </p:style>
+        </p:cxnSp>
+      </p:grpSp>
       <p:sp>
         <p:nvSpPr>
           <p:cNvPr id="3" name="Slide Number Placeholder 2"/>
@@ -8793,7 +9871,7 @@
             <a:fld id="{8D704B19-8EED-495A-99FA-12E5518CCC54}" type="slidenum">
               <a:rPr lang="en-US" smtClean="0"/>
               <a:pPr/>
-              <a:t>20</a:t>
+              <a:t>21</a:t>
             </a:fld>
             <a:endParaRPr lang="en-US" dirty="0"/>
           </a:p>
@@ -8896,7 +9974,7 @@
                                           </p:stCondLst>
                                         </p:cTn>
                                         <p:tgtEl>
-                                          <p:spTgt spid="33"/>
+                                          <p:spTgt spid="7"/>
                                         </p:tgtEl>
                                         <p:attrNameLst>
                                           <p:attrName>style.visibility</p:attrName>
@@ -8910,7 +9988,7 @@
                                       <p:cBhvr>
                                         <p:cTn id="12" dur="500"/>
                                         <p:tgtEl>
-                                          <p:spTgt spid="33"/>
+                                          <p:spTgt spid="7"/>
                                         </p:tgtEl>
                                       </p:cBhvr>
                                     </p:animEffect>
@@ -8936,7 +10014,7 @@
                             </p:stCondLst>
                             <p:childTnLst>
                               <p:par>
-                                <p:cTn id="15" presetID="1" presetClass="entr" presetSubtype="0" fill="hold" grpId="0" nodeType="clickEffect">
+                                <p:cTn id="15" presetID="10" presetClass="entr" presetSubtype="0" fill="hold" nodeType="clickEffect">
                                   <p:stCondLst>
                                     <p:cond delay="0"/>
                                   </p:stCondLst>
@@ -8944,6 +10022,59 @@
                                     <p:set>
                                       <p:cBhvr>
                                         <p:cTn id="16" dur="1" fill="hold">
+                                          <p:stCondLst>
+                                            <p:cond delay="0"/>
+                                          </p:stCondLst>
+                                        </p:cTn>
+                                        <p:tgtEl>
+                                          <p:spTgt spid="33"/>
+                                        </p:tgtEl>
+                                        <p:attrNameLst>
+                                          <p:attrName>style.visibility</p:attrName>
+                                        </p:attrNameLst>
+                                      </p:cBhvr>
+                                      <p:to>
+                                        <p:strVal val="visible"/>
+                                      </p:to>
+                                    </p:set>
+                                    <p:animEffect transition="in" filter="fade">
+                                      <p:cBhvr>
+                                        <p:cTn id="17" dur="500"/>
+                                        <p:tgtEl>
+                                          <p:spTgt spid="33"/>
+                                        </p:tgtEl>
+                                      </p:cBhvr>
+                                    </p:animEffect>
+                                  </p:childTnLst>
+                                </p:cTn>
+                              </p:par>
+                            </p:childTnLst>
+                          </p:cTn>
+                        </p:par>
+                      </p:childTnLst>
+                    </p:cTn>
+                  </p:par>
+                  <p:par>
+                    <p:cTn id="18" fill="hold">
+                      <p:stCondLst>
+                        <p:cond delay="indefinite"/>
+                      </p:stCondLst>
+                      <p:childTnLst>
+                        <p:par>
+                          <p:cTn id="19" fill="hold">
+                            <p:stCondLst>
+                              <p:cond delay="0"/>
+                            </p:stCondLst>
+                            <p:childTnLst>
+                              <p:par>
+                                <p:cTn id="20" presetID="1" presetClass="entr" presetSubtype="0" fill="hold" grpId="0" nodeType="clickEffect">
+                                  <p:stCondLst>
+                                    <p:cond delay="0"/>
+                                  </p:stCondLst>
+                                  <p:childTnLst>
+                                    <p:set>
+                                      <p:cBhvr>
+                                        <p:cTn id="21" dur="1" fill="hold">
                                           <p:stCondLst>
                                             <p:cond delay="0"/>
                                           </p:stCondLst>
@@ -8996,204 +10127,6 @@
 </p:sld>
 </file>
 
-<file path=ppt/slides/slide21.xml><?xml version="1.0" encoding="utf-8"?>
-<p:sld xmlns:a="http://schemas.openxmlformats.org/drawingml/2006/main" xmlns:r="http://schemas.openxmlformats.org/officeDocument/2006/relationships" xmlns:p="http://schemas.openxmlformats.org/presentationml/2006/main">
-  <p:cSld>
-    <p:spTree>
-      <p:nvGrpSpPr>
-        <p:cNvPr id="1" name=""/>
-        <p:cNvGrpSpPr/>
-        <p:nvPr/>
-      </p:nvGrpSpPr>
-      <p:grpSpPr>
-        <a:xfrm>
-          <a:off x="0" y="0"/>
-          <a:ext cx="0" cy="0"/>
-          <a:chOff x="0" y="0"/>
-          <a:chExt cx="0" cy="0"/>
-        </a:xfrm>
-      </p:grpSpPr>
-      <p:sp>
-        <p:nvSpPr>
-          <p:cNvPr id="5" name="Title 4"/>
-          <p:cNvSpPr>
-            <a:spLocks noGrp="1"/>
-          </p:cNvSpPr>
-          <p:nvPr>
-            <p:ph type="title"/>
-          </p:nvPr>
-        </p:nvSpPr>
-        <p:spPr/>
-        <p:txBody>
-          <a:bodyPr/>
-          <a:lstStyle/>
-          <a:p>
-            <a:r>
-              <a:rPr lang="en-US" dirty="0" smtClean="0"/>
-              <a:t>A Real-Life Example</a:t>
-            </a:r>
-            <a:endParaRPr lang="en-US" dirty="0"/>
-          </a:p>
-        </p:txBody>
-      </p:sp>
-      <p:pic>
-        <p:nvPicPr>
-          <p:cNvPr id="7" name="Content Placeholder 6"/>
-          <p:cNvPicPr>
-            <a:picLocks noGrp="1" noChangeAspect="1"/>
-          </p:cNvPicPr>
-          <p:nvPr>
-            <p:ph idx="1"/>
-          </p:nvPr>
-        </p:nvPicPr>
-        <p:blipFill rotWithShape="1">
-          <a:blip r:embed="rId2" cstate="print">
-            <a:extLst>
-              <a:ext uri="{28A0092B-C50C-407E-A947-70E740481C1C}">
-                <a14:useLocalDpi xmlns:a14="http://schemas.microsoft.com/office/drawing/2010/main" val="0"/>
-              </a:ext>
-            </a:extLst>
-          </a:blip>
-          <a:srcRect b="27604"/>
-          <a:stretch/>
-        </p:blipFill>
-        <p:spPr>
-          <a:xfrm>
-            <a:off x="1179088" y="1600201"/>
-            <a:ext cx="6785823" cy="3276600"/>
-          </a:xfrm>
-        </p:spPr>
-      </p:pic>
-      <p:sp>
-        <p:nvSpPr>
-          <p:cNvPr id="4" name="Slide Number Placeholder 3"/>
-          <p:cNvSpPr>
-            <a:spLocks noGrp="1"/>
-          </p:cNvSpPr>
-          <p:nvPr>
-            <p:ph type="sldNum" sz="quarter" idx="12"/>
-          </p:nvPr>
-        </p:nvSpPr>
-        <p:spPr/>
-        <p:txBody>
-          <a:bodyPr/>
-          <a:lstStyle/>
-          <a:p>
-            <a:fld id="{8D704B19-8EED-495A-99FA-12E5518CCC54}" type="slidenum">
-              <a:rPr lang="en-US" smtClean="0"/>
-              <a:pPr/>
-              <a:t>21</a:t>
-            </a:fld>
-            <a:endParaRPr lang="en-US" dirty="0"/>
-          </a:p>
-        </p:txBody>
-      </p:sp>
-      <p:sp>
-        <p:nvSpPr>
-          <p:cNvPr id="8" name="TextBox 7"/>
-          <p:cNvSpPr txBox="1"/>
-          <p:nvPr/>
-        </p:nvSpPr>
-        <p:spPr>
-          <a:xfrm>
-            <a:off x="3371987" y="4953000"/>
-            <a:ext cx="4592924" cy="369332"/>
-          </a:xfrm>
-          <a:prstGeom prst="rect">
-            <a:avLst/>
-          </a:prstGeom>
-          <a:noFill/>
-        </p:spPr>
-        <p:txBody>
-          <a:bodyPr wrap="none" rtlCol="0">
-            <a:spAutoFit/>
-          </a:bodyPr>
-          <a:lstStyle/>
-          <a:p>
-            <a:r>
-              <a:rPr lang="en-US" sz="900" dirty="0">
-                <a:hlinkClick r:id="rId3"/>
-              </a:rPr>
-              <a:t>https://www.flickr.com/photos/7-how-7/4139229048/in/pool-1996770@N25</a:t>
-            </a:r>
-            <a:r>
-              <a:rPr lang="en-US" sz="900" dirty="0" smtClean="0">
-                <a:hlinkClick r:id="rId3"/>
-              </a:rPr>
-              <a:t>/</a:t>
-            </a:r>
-            <a:r>
-              <a:rPr lang="en-US" sz="900" dirty="0" smtClean="0"/>
-              <a:t> licensed under</a:t>
-            </a:r>
-          </a:p>
-          <a:p>
-            <a:r>
-              <a:rPr lang="en-US" sz="900" dirty="0" smtClean="0">
-                <a:hlinkClick r:id="rId4"/>
-              </a:rPr>
-              <a:t>Creative Commons License</a:t>
-            </a:r>
-            <a:endParaRPr lang="en-US" sz="900" dirty="0"/>
-          </a:p>
-        </p:txBody>
-      </p:sp>
-      <p:sp>
-        <p:nvSpPr>
-          <p:cNvPr id="9" name="TextBox 8"/>
-          <p:cNvSpPr txBox="1"/>
-          <p:nvPr/>
-        </p:nvSpPr>
-        <p:spPr>
-          <a:xfrm>
-            <a:off x="912275" y="5710019"/>
-            <a:ext cx="7052636" cy="646331"/>
-          </a:xfrm>
-          <a:prstGeom prst="rect">
-            <a:avLst/>
-          </a:prstGeom>
-          <a:noFill/>
-        </p:spPr>
-        <p:txBody>
-          <a:bodyPr wrap="none" rtlCol="0">
-            <a:spAutoFit/>
-          </a:bodyPr>
-          <a:lstStyle/>
-          <a:p>
-            <a:r>
-              <a:rPr lang="en-US" dirty="0" smtClean="0"/>
-              <a:t>The interpretation tells you the meaning of each number.  It also tells you</a:t>
-            </a:r>
-          </a:p>
-          <a:p>
-            <a:r>
-              <a:rPr lang="en-US" dirty="0" smtClean="0"/>
-              <a:t>that you shouldn't be adding these integers!</a:t>
-            </a:r>
-            <a:endParaRPr lang="en-US" dirty="0"/>
-          </a:p>
-        </p:txBody>
-      </p:sp>
-    </p:spTree>
-    <p:extLst>
-      <p:ext uri="{BB962C8B-B14F-4D97-AF65-F5344CB8AC3E}">
-        <p14:creationId xmlns:p14="http://schemas.microsoft.com/office/powerpoint/2010/main" val="2867457576"/>
-      </p:ext>
-    </p:extLst>
-  </p:cSld>
-  <p:clrMapOvr>
-    <a:masterClrMapping/>
-  </p:clrMapOvr>
-  <p:timing>
-    <p:tnLst>
-      <p:par>
-        <p:cTn id="1" dur="indefinite" restart="never" nodeType="tmRoot"/>
-      </p:par>
-    </p:tnLst>
-  </p:timing>
-</p:sld>
-</file>
-
 <file path=ppt/slides/slide22.xml><?xml version="1.0" encoding="utf-8"?>
 <p:sld xmlns:a="http://schemas.openxmlformats.org/drawingml/2006/main" xmlns:r="http://schemas.openxmlformats.org/officeDocument/2006/relationships" xmlns:p="http://schemas.openxmlformats.org/presentationml/2006/main">
   <p:cSld>
@@ -9228,7 +10161,7 @@
           <a:p>
             <a:r>
               <a:rPr lang="en-US" dirty="0" smtClean="0"/>
-              <a:t>Representing Mixed Information</a:t>
+              <a:t>Another example</a:t>
             </a:r>
             <a:endParaRPr lang="en-US" dirty="0"/>
           </a:p>
@@ -9236,7 +10169,7 @@
       </p:sp>
       <p:sp>
         <p:nvSpPr>
-          <p:cNvPr id="3" name="Content Placeholder 2"/>
+          <p:cNvPr id="9" name="Content Placeholder 8"/>
           <p:cNvSpPr>
             <a:spLocks noGrp="1"/>
           </p:cNvSpPr>
@@ -9246,29 +10179,29 @@
         </p:nvSpPr>
         <p:spPr/>
         <p:txBody>
-          <a:bodyPr>
-            <a:normAutofit/>
-          </a:bodyPr>
+          <a:bodyPr/>
           <a:lstStyle/>
           <a:p>
             <a:r>
               <a:rPr lang="en-US" dirty="0" smtClean="0"/>
-              <a:t>We represent mixed information like itemization data, but with </a:t>
-            </a:r>
-            <a:r>
-              <a:rPr lang="en-US" dirty="0" err="1" smtClean="0"/>
-              <a:t>structs</a:t>
-            </a:r>
+              <a:t>Do we need an interpretation?</a:t>
+            </a:r>
+          </a:p>
+          <a:p>
+            <a:endParaRPr lang="en-US" dirty="0"/>
+          </a:p>
+          <a:p>
+            <a:endParaRPr lang="en-US" dirty="0" smtClean="0"/>
+          </a:p>
+          <a:p>
+            <a:endParaRPr lang="en-US" dirty="0"/>
+          </a:p>
+          <a:p>
             <a:r>
               <a:rPr lang="en-US" dirty="0" smtClean="0"/>
-              <a:t> for each alternative that's a compound.</a:t>
-            </a:r>
-          </a:p>
-          <a:p>
-            <a:r>
-              <a:rPr lang="en-US" dirty="0" smtClean="0"/>
-              <a:t>The interpretation must show the interpretation of each alternative and the interpretation of each field.</a:t>
-            </a:r>
+              <a:t>NO: common sense is good enough</a:t>
+            </a:r>
+            <a:endParaRPr lang="en-US" dirty="0"/>
           </a:p>
         </p:txBody>
       </p:sp>
@@ -9292,14 +10225,116 @@
               <a:pPr/>
               <a:t>22</a:t>
             </a:fld>
-            <a:endParaRPr lang="en-US"/>
+            <a:endParaRPr lang="en-US" dirty="0"/>
+          </a:p>
+        </p:txBody>
+      </p:sp>
+      <p:sp>
+        <p:nvSpPr>
+          <p:cNvPr id="6" name="TextBox 5"/>
+          <p:cNvSpPr txBox="1"/>
+          <p:nvPr/>
+        </p:nvSpPr>
+        <p:spPr>
+          <a:xfrm>
+            <a:off x="2514600" y="2438400"/>
+            <a:ext cx="3886200" cy="1569660"/>
+          </a:xfrm>
+          <a:prstGeom prst="rect">
+            <a:avLst/>
+          </a:prstGeom>
+          <a:noFill/>
+        </p:spPr>
+        <p:txBody>
+          <a:bodyPr wrap="square" rtlCol="0">
+            <a:spAutoFit/>
+          </a:bodyPr>
+          <a:lstStyle/>
+          <a:p>
+            <a:r>
+              <a:rPr lang="en-US" sz="2400" b="1" dirty="0" smtClean="0">
+                <a:latin typeface="Consolas" pitchFamily="49" charset="0"/>
+                <a:cs typeface="Consolas" pitchFamily="49" charset="0"/>
+              </a:rPr>
+              <a:t>A </a:t>
+            </a:r>
+            <a:r>
+              <a:rPr lang="en-US" sz="2400" b="1" dirty="0" err="1" smtClean="0">
+                <a:latin typeface="Consolas" pitchFamily="49" charset="0"/>
+                <a:cs typeface="Consolas" pitchFamily="49" charset="0"/>
+              </a:rPr>
+              <a:t>TLState</a:t>
+            </a:r>
+            <a:r>
+              <a:rPr lang="en-US" sz="2400" b="1" dirty="0" smtClean="0">
+                <a:latin typeface="Consolas" pitchFamily="49" charset="0"/>
+                <a:cs typeface="Consolas" pitchFamily="49" charset="0"/>
+              </a:rPr>
+              <a:t> is one of</a:t>
+            </a:r>
+          </a:p>
+          <a:p>
+            <a:r>
+              <a:rPr lang="en-US" sz="2400" b="1" dirty="0" smtClean="0">
+                <a:latin typeface="Consolas" pitchFamily="49" charset="0"/>
+                <a:cs typeface="Consolas" pitchFamily="49" charset="0"/>
+              </a:rPr>
+              <a:t>-- "red</a:t>
+            </a:r>
+            <a:r>
+              <a:rPr lang="en-US" sz="2400" b="1" dirty="0">
+                <a:latin typeface="Consolas" pitchFamily="49" charset="0"/>
+                <a:cs typeface="Consolas" pitchFamily="49" charset="0"/>
+              </a:rPr>
+              <a:t>"</a:t>
+            </a:r>
+            <a:endParaRPr lang="en-US" sz="2400" b="1" dirty="0" smtClean="0">
+              <a:latin typeface="Consolas" pitchFamily="49" charset="0"/>
+              <a:cs typeface="Consolas" pitchFamily="49" charset="0"/>
+            </a:endParaRPr>
+          </a:p>
+          <a:p>
+            <a:r>
+              <a:rPr lang="en-US" sz="2400" b="1" dirty="0" smtClean="0">
+                <a:latin typeface="Consolas" pitchFamily="49" charset="0"/>
+                <a:cs typeface="Consolas" pitchFamily="49" charset="0"/>
+              </a:rPr>
+              <a:t>-- "yellow</a:t>
+            </a:r>
+            <a:r>
+              <a:rPr lang="en-US" sz="2400" b="1" dirty="0">
+                <a:latin typeface="Consolas" pitchFamily="49" charset="0"/>
+                <a:cs typeface="Consolas" pitchFamily="49" charset="0"/>
+              </a:rPr>
+              <a:t>"</a:t>
+            </a:r>
+            <a:endParaRPr lang="en-US" sz="2400" b="1" dirty="0" smtClean="0">
+              <a:latin typeface="Consolas" pitchFamily="49" charset="0"/>
+              <a:cs typeface="Consolas" pitchFamily="49" charset="0"/>
+            </a:endParaRPr>
+          </a:p>
+          <a:p>
+            <a:r>
+              <a:rPr lang="en-US" sz="2400" b="1" dirty="0" smtClean="0">
+                <a:latin typeface="Consolas" pitchFamily="49" charset="0"/>
+                <a:cs typeface="Consolas" pitchFamily="49" charset="0"/>
+              </a:rPr>
+              <a:t>-- "green</a:t>
+            </a:r>
+            <a:r>
+              <a:rPr lang="en-US" sz="2400" b="1" dirty="0">
+                <a:latin typeface="Consolas" pitchFamily="49" charset="0"/>
+                <a:cs typeface="Consolas" pitchFamily="49" charset="0"/>
+              </a:rPr>
+              <a:t>"</a:t>
+            </a:r>
           </a:p>
         </p:txBody>
       </p:sp>
     </p:spTree>
     <p:extLst>
       <p:ext uri="{BB962C8B-B14F-4D97-AF65-F5344CB8AC3E}">
-        <p14:creationId xmlns:p14="http://schemas.microsoft.com/office/powerpoint/2010/main" val="1928968519"/>
+        <p14:creationId xmlns:p14="http://schemas.microsoft.com/office/powerpoint/2010/main" val="3224559841"/>
       </p:ext>
     </p:extLst>
   </p:cSld>
@@ -9335,7 +10370,30 @@
       </p:grpSpPr>
       <p:sp>
         <p:nvSpPr>
-          <p:cNvPr id="3" name="Content Placeholder 2"/>
+          <p:cNvPr id="2" name="Title 1"/>
+          <p:cNvSpPr>
+            <a:spLocks noGrp="1"/>
+          </p:cNvSpPr>
+          <p:nvPr>
+            <p:ph type="title"/>
+          </p:nvPr>
+        </p:nvSpPr>
+        <p:spPr/>
+        <p:txBody>
+          <a:bodyPr/>
+          <a:lstStyle/>
+          <a:p>
+            <a:r>
+              <a:rPr lang="en-US" dirty="0" smtClean="0"/>
+              <a:t>Another example</a:t>
+            </a:r>
+            <a:endParaRPr lang="en-US" dirty="0"/>
+          </a:p>
+        </p:txBody>
+      </p:sp>
+      <p:sp>
+        <p:nvSpPr>
+          <p:cNvPr id="9" name="Content Placeholder 8"/>
           <p:cNvSpPr>
             <a:spLocks noGrp="1"/>
           </p:cNvSpPr>
@@ -9343,555 +10401,37 @@
             <p:ph idx="1"/>
           </p:nvPr>
         </p:nvSpPr>
-        <p:spPr>
-          <a:xfrm>
-            <a:off x="457200" y="1295400"/>
-            <a:ext cx="7772400" cy="5029200"/>
-          </a:xfrm>
-        </p:spPr>
-        <p:txBody>
-          <a:bodyPr>
-            <a:noAutofit/>
-          </a:bodyPr>
-          <a:lstStyle/>
-          <a:p>
-            <a:pPr>
-              <a:buNone/>
-            </a:pPr>
-            <a:r>
-              <a:rPr lang="en-US" sz="1600" b="1" dirty="0" smtClean="0">
-                <a:latin typeface="Consolas" pitchFamily="49" charset="0"/>
-                <a:cs typeface="Consolas" pitchFamily="49" charset="0"/>
-              </a:rPr>
-              <a:t>(</a:t>
-            </a:r>
-            <a:r>
-              <a:rPr lang="en-US" sz="1600" b="1" dirty="0">
-                <a:latin typeface="Consolas" pitchFamily="49" charset="0"/>
-                <a:cs typeface="Consolas" pitchFamily="49" charset="0"/>
-              </a:rPr>
-              <a:t>define-struct </a:t>
-            </a:r>
-            <a:r>
-              <a:rPr lang="en-US" sz="1600" b="1" dirty="0" smtClean="0">
-                <a:latin typeface="Consolas" pitchFamily="49" charset="0"/>
-                <a:cs typeface="Consolas" pitchFamily="49" charset="0"/>
-              </a:rPr>
-              <a:t>coffee (size </a:t>
-            </a:r>
-            <a:r>
-              <a:rPr lang="en-US" sz="1600" b="1" dirty="0">
-                <a:latin typeface="Consolas" pitchFamily="49" charset="0"/>
-                <a:cs typeface="Consolas" pitchFamily="49" charset="0"/>
-              </a:rPr>
-              <a:t>type milk?))</a:t>
-            </a:r>
-          </a:p>
-          <a:p>
-            <a:pPr>
-              <a:buNone/>
-            </a:pPr>
-            <a:r>
-              <a:rPr lang="en-US" sz="1600" b="1" dirty="0">
-                <a:latin typeface="Consolas" pitchFamily="49" charset="0"/>
-                <a:cs typeface="Consolas" pitchFamily="49" charset="0"/>
-              </a:rPr>
-              <a:t>(define-struct wine (vineyard year))</a:t>
-            </a:r>
-          </a:p>
-          <a:p>
-            <a:pPr>
-              <a:buNone/>
-            </a:pPr>
-            <a:r>
-              <a:rPr lang="en-US" sz="1600" b="1" dirty="0">
-                <a:latin typeface="Consolas" pitchFamily="49" charset="0"/>
-                <a:cs typeface="Consolas" pitchFamily="49" charset="0"/>
-              </a:rPr>
-              <a:t>(define-struct tea (size type))</a:t>
-            </a:r>
-          </a:p>
-          <a:p>
-            <a:pPr>
-              <a:buNone/>
-            </a:pPr>
-            <a:endParaRPr lang="en-US" sz="1600" b="1" dirty="0">
-              <a:latin typeface="Consolas" pitchFamily="49" charset="0"/>
-              <a:cs typeface="Consolas" pitchFamily="49" charset="0"/>
-            </a:endParaRPr>
-          </a:p>
-          <a:p>
-            <a:pPr>
-              <a:buNone/>
-            </a:pPr>
-            <a:r>
-              <a:rPr lang="en-US" sz="1600" b="1" dirty="0">
-                <a:latin typeface="Consolas" pitchFamily="49" charset="0"/>
-                <a:cs typeface="Consolas" pitchFamily="49" charset="0"/>
-              </a:rPr>
-              <a:t>;; A </a:t>
-            </a:r>
-            <a:r>
-              <a:rPr lang="en-US" sz="1600" b="1" dirty="0" err="1">
-                <a:latin typeface="Consolas" pitchFamily="49" charset="0"/>
-                <a:cs typeface="Consolas" pitchFamily="49" charset="0"/>
-              </a:rPr>
-              <a:t>BarOrder</a:t>
-            </a:r>
-            <a:r>
-              <a:rPr lang="en-US" sz="1600" b="1" dirty="0">
-                <a:latin typeface="Consolas" pitchFamily="49" charset="0"/>
-                <a:cs typeface="Consolas" pitchFamily="49" charset="0"/>
-              </a:rPr>
-              <a:t> is one of</a:t>
-            </a:r>
-          </a:p>
-          <a:p>
-            <a:pPr>
-              <a:buNone/>
-            </a:pPr>
-            <a:r>
-              <a:rPr lang="en-US" sz="1600" b="1" dirty="0">
-                <a:latin typeface="Consolas" pitchFamily="49" charset="0"/>
-                <a:cs typeface="Consolas" pitchFamily="49" charset="0"/>
-              </a:rPr>
-              <a:t>;; -- (make-coffee Size String Boolean)</a:t>
-            </a:r>
-          </a:p>
-          <a:p>
-            <a:pPr>
-              <a:buNone/>
-            </a:pPr>
-            <a:r>
-              <a:rPr lang="en-US" sz="1600" b="1" dirty="0">
-                <a:latin typeface="Consolas" pitchFamily="49" charset="0"/>
-                <a:cs typeface="Consolas" pitchFamily="49" charset="0"/>
-              </a:rPr>
-              <a:t>;;  </a:t>
-            </a:r>
-            <a:r>
-              <a:rPr lang="en-US" sz="1600" b="1" dirty="0" err="1">
-                <a:latin typeface="Consolas" pitchFamily="49" charset="0"/>
-                <a:cs typeface="Consolas" pitchFamily="49" charset="0"/>
-              </a:rPr>
-              <a:t>interp</a:t>
-            </a:r>
-            <a:r>
-              <a:rPr lang="en-US" sz="1600" b="1" dirty="0">
-                <a:latin typeface="Consolas" pitchFamily="49" charset="0"/>
-                <a:cs typeface="Consolas" pitchFamily="49" charset="0"/>
-              </a:rPr>
-              <a:t>: </a:t>
-            </a:r>
-          </a:p>
-          <a:p>
-            <a:pPr>
-              <a:buNone/>
-            </a:pPr>
-            <a:r>
-              <a:rPr lang="en-US" sz="1600" b="1" dirty="0">
-                <a:latin typeface="Consolas" pitchFamily="49" charset="0"/>
-                <a:cs typeface="Consolas" pitchFamily="49" charset="0"/>
-              </a:rPr>
-              <a:t>;;   size is the size of cup desired</a:t>
-            </a:r>
-          </a:p>
-          <a:p>
-            <a:pPr>
-              <a:buNone/>
-            </a:pPr>
-            <a:r>
-              <a:rPr lang="en-US" sz="1600" b="1" dirty="0">
-                <a:latin typeface="Consolas" pitchFamily="49" charset="0"/>
-                <a:cs typeface="Consolas" pitchFamily="49" charset="0"/>
-              </a:rPr>
-              <a:t>;;   type is the origin of the </a:t>
-            </a:r>
-            <a:r>
-              <a:rPr lang="en-US" sz="1600" b="1" dirty="0" smtClean="0">
-                <a:latin typeface="Consolas" pitchFamily="49" charset="0"/>
-                <a:cs typeface="Consolas" pitchFamily="49" charset="0"/>
-              </a:rPr>
-              <a:t>coffee </a:t>
-            </a:r>
-            <a:r>
-              <a:rPr lang="en-US" sz="1600" b="1" dirty="0">
-                <a:latin typeface="Consolas" pitchFamily="49" charset="0"/>
-                <a:cs typeface="Consolas" pitchFamily="49" charset="0"/>
-              </a:rPr>
-              <a:t>(as a string)</a:t>
-            </a:r>
-          </a:p>
-          <a:p>
-            <a:pPr>
-              <a:buNone/>
-            </a:pPr>
-            <a:r>
-              <a:rPr lang="en-US" sz="1600" b="1" dirty="0">
-                <a:latin typeface="Consolas" pitchFamily="49" charset="0"/>
-                <a:cs typeface="Consolas" pitchFamily="49" charset="0"/>
-              </a:rPr>
-              <a:t>;;   milk? tells whether milk is desired.</a:t>
-            </a:r>
-          </a:p>
-          <a:p>
-            <a:pPr>
-              <a:buNone/>
-            </a:pPr>
-            <a:r>
-              <a:rPr lang="en-US" sz="1600" b="1" dirty="0">
-                <a:latin typeface="Consolas" pitchFamily="49" charset="0"/>
-                <a:cs typeface="Consolas" pitchFamily="49" charset="0"/>
-              </a:rPr>
-              <a:t>;; -- (make-wine Vineyard Year)</a:t>
-            </a:r>
-          </a:p>
-          <a:p>
-            <a:pPr>
-              <a:buNone/>
-            </a:pPr>
-            <a:r>
-              <a:rPr lang="en-US" sz="1600" b="1" dirty="0">
-                <a:latin typeface="Consolas" pitchFamily="49" charset="0"/>
-                <a:cs typeface="Consolas" pitchFamily="49" charset="0"/>
-              </a:rPr>
-              <a:t>;;  </a:t>
-            </a:r>
-            <a:r>
-              <a:rPr lang="en-US" sz="1600" b="1" dirty="0" err="1">
-                <a:latin typeface="Consolas" pitchFamily="49" charset="0"/>
-                <a:cs typeface="Consolas" pitchFamily="49" charset="0"/>
-              </a:rPr>
-              <a:t>interp</a:t>
-            </a:r>
-            <a:r>
-              <a:rPr lang="en-US" sz="1600" b="1" dirty="0">
-                <a:latin typeface="Consolas" pitchFamily="49" charset="0"/>
-                <a:cs typeface="Consolas" pitchFamily="49" charset="0"/>
-              </a:rPr>
-              <a:t>:</a:t>
-            </a:r>
-          </a:p>
-          <a:p>
-            <a:pPr>
-              <a:buNone/>
-            </a:pPr>
-            <a:r>
-              <a:rPr lang="en-US" sz="1600" b="1" dirty="0">
-                <a:latin typeface="Consolas" pitchFamily="49" charset="0"/>
-                <a:cs typeface="Consolas" pitchFamily="49" charset="0"/>
-              </a:rPr>
-              <a:t>;;   vineyard is the origin of the grapes</a:t>
-            </a:r>
-          </a:p>
-          <a:p>
-            <a:pPr>
-              <a:buNone/>
-            </a:pPr>
-            <a:r>
-              <a:rPr lang="en-US" sz="1600" b="1" dirty="0">
-                <a:latin typeface="Consolas" pitchFamily="49" charset="0"/>
-                <a:cs typeface="Consolas" pitchFamily="49" charset="0"/>
-              </a:rPr>
-              <a:t>;;   year is the year of harvest</a:t>
-            </a:r>
-          </a:p>
-          <a:p>
-            <a:pPr>
-              <a:buNone/>
-            </a:pPr>
-            <a:r>
-              <a:rPr lang="en-US" sz="1600" b="1" dirty="0">
-                <a:latin typeface="Consolas" pitchFamily="49" charset="0"/>
-                <a:cs typeface="Consolas" pitchFamily="49" charset="0"/>
-              </a:rPr>
-              <a:t>;; -- (make-tea Size String)</a:t>
-            </a:r>
-          </a:p>
-          <a:p>
-            <a:pPr>
-              <a:buNone/>
-            </a:pPr>
-            <a:r>
-              <a:rPr lang="en-US" sz="1600" b="1" dirty="0">
-                <a:latin typeface="Consolas" pitchFamily="49" charset="0"/>
-                <a:cs typeface="Consolas" pitchFamily="49" charset="0"/>
-              </a:rPr>
-              <a:t>;;  </a:t>
-            </a:r>
-            <a:r>
-              <a:rPr lang="en-US" sz="1600" b="1" dirty="0" err="1">
-                <a:latin typeface="Consolas" pitchFamily="49" charset="0"/>
-                <a:cs typeface="Consolas" pitchFamily="49" charset="0"/>
-              </a:rPr>
-              <a:t>interp</a:t>
-            </a:r>
-            <a:r>
-              <a:rPr lang="en-US" sz="1600" b="1" dirty="0">
-                <a:latin typeface="Consolas" pitchFamily="49" charset="0"/>
-                <a:cs typeface="Consolas" pitchFamily="49" charset="0"/>
-              </a:rPr>
-              <a:t>: </a:t>
-            </a:r>
-          </a:p>
-          <a:p>
-            <a:pPr>
-              <a:buNone/>
-            </a:pPr>
-            <a:r>
-              <a:rPr lang="en-US" sz="1600" b="1" dirty="0">
-                <a:latin typeface="Consolas" pitchFamily="49" charset="0"/>
-                <a:cs typeface="Consolas" pitchFamily="49" charset="0"/>
-              </a:rPr>
-              <a:t>;;   size is the size of cup desired</a:t>
-            </a:r>
-          </a:p>
-          <a:p>
-            <a:pPr>
-              <a:buNone/>
-            </a:pPr>
-            <a:r>
-              <a:rPr lang="en-US" sz="1600" b="1" dirty="0">
-                <a:latin typeface="Consolas" pitchFamily="49" charset="0"/>
-                <a:cs typeface="Consolas" pitchFamily="49" charset="0"/>
-              </a:rPr>
-              <a:t>;;   type is the type of tea (as a string</a:t>
-            </a:r>
-            <a:r>
-              <a:rPr lang="en-US" sz="1600" b="1" dirty="0" smtClean="0">
-                <a:latin typeface="Consolas" pitchFamily="49" charset="0"/>
-                <a:cs typeface="Consolas" pitchFamily="49" charset="0"/>
-              </a:rPr>
-              <a:t>)</a:t>
-            </a:r>
-            <a:endParaRPr lang="en-US" sz="1600" b="1" dirty="0">
-              <a:latin typeface="Consolas" pitchFamily="49" charset="0"/>
-              <a:cs typeface="Consolas" pitchFamily="49" charset="0"/>
-            </a:endParaRPr>
-          </a:p>
-        </p:txBody>
-      </p:sp>
-      <p:sp>
-        <p:nvSpPr>
-          <p:cNvPr id="10" name="Title 1"/>
-          <p:cNvSpPr txBox="1">
-            <a:spLocks/>
-          </p:cNvSpPr>
-          <p:nvPr/>
-        </p:nvSpPr>
-        <p:spPr>
-          <a:xfrm>
-            <a:off x="82815" y="556511"/>
-            <a:ext cx="9144000" cy="1143000"/>
-          </a:xfrm>
-          <a:prstGeom prst="rect">
-            <a:avLst/>
-          </a:prstGeom>
-        </p:spPr>
-        <p:txBody>
-          <a:bodyPr vert="horz" lIns="91440" tIns="45720" rIns="91440" bIns="45720" rtlCol="0" anchor="ctr">
-            <a:normAutofit fontScale="25000" lnSpcReduction="20000"/>
-          </a:bodyPr>
-          <a:lstStyle>
-            <a:lvl1pPr algn="ctr" defTabSz="457200" rtl="0" eaLnBrk="1" latinLnBrk="0" hangingPunct="1">
-              <a:spcBef>
-                <a:spcPct val="0"/>
-              </a:spcBef>
-              <a:buNone/>
-              <a:defRPr sz="4400" kern="1200">
-                <a:solidFill>
-                  <a:schemeClr val="tx1"/>
-                </a:solidFill>
-                <a:latin typeface="+mj-lt"/>
-                <a:ea typeface="+mj-ea"/>
-                <a:cs typeface="+mj-cs"/>
-              </a:defRPr>
-            </a:lvl1pPr>
-          </a:lstStyle>
-          <a:p>
-            <a:pPr algn="l"/>
-            <a:r>
-              <a:rPr lang="en-US" sz="16000" dirty="0" smtClean="0"/>
-              <a:t>Data Definition for mixed data: example</a:t>
-            </a:r>
-          </a:p>
-          <a:p>
-            <a:r>
-              <a:rPr lang="en-US" b="1" dirty="0"/>
-              <a:t> </a:t>
-            </a:r>
+        <p:spPr/>
+        <p:txBody>
+          <a:bodyPr/>
+          <a:lstStyle/>
+          <a:p>
+            <a:r>
+              <a:rPr lang="en-US" dirty="0" smtClean="0"/>
+              <a:t>Do we need an interpretation?</a:t>
+            </a:r>
+          </a:p>
+          <a:p>
             <a:endParaRPr lang="en-US" dirty="0"/>
           </a:p>
           <a:p>
-            <a:pPr algn="l"/>
+            <a:endParaRPr lang="en-US" dirty="0" smtClean="0"/>
+          </a:p>
+          <a:p>
+            <a:endParaRPr lang="en-US" dirty="0"/>
+          </a:p>
+          <a:p>
             <a:r>
               <a:rPr lang="en-US" dirty="0" smtClean="0"/>
-              <a:t> </a:t>
+              <a:t>YES: the reader is unlikely to guess that 217 denotes green, 126 denotes yellow, and 43 denotes red.</a:t>
             </a:r>
             <a:endParaRPr lang="en-US" dirty="0"/>
           </a:p>
         </p:txBody>
       </p:sp>
-      <p:grpSp>
-        <p:nvGrpSpPr>
-          <p:cNvPr id="5" name="Group 4"/>
-          <p:cNvGrpSpPr/>
-          <p:nvPr/>
-        </p:nvGrpSpPr>
-        <p:grpSpPr>
-          <a:xfrm>
-            <a:off x="5029200" y="1699511"/>
-            <a:ext cx="3173431" cy="369332"/>
-            <a:chOff x="5719141" y="1600200"/>
-            <a:chExt cx="3173431" cy="369332"/>
-          </a:xfrm>
-        </p:grpSpPr>
-        <p:sp>
-          <p:nvSpPr>
-            <p:cNvPr id="6" name="TextBox 5"/>
-            <p:cNvSpPr txBox="1"/>
-            <p:nvPr/>
-          </p:nvSpPr>
-          <p:spPr>
-            <a:xfrm>
-              <a:off x="6400800" y="1600200"/>
-              <a:ext cx="2491772" cy="369332"/>
-            </a:xfrm>
-            <a:prstGeom prst="rect">
-              <a:avLst/>
-            </a:prstGeom>
-            <a:ln/>
-          </p:spPr>
-          <p:style>
-            <a:lnRef idx="2">
-              <a:schemeClr val="accent1"/>
-            </a:lnRef>
-            <a:fillRef idx="1">
-              <a:schemeClr val="lt1"/>
-            </a:fillRef>
-            <a:effectRef idx="0">
-              <a:schemeClr val="accent1"/>
-            </a:effectRef>
-            <a:fontRef idx="minor">
-              <a:schemeClr val="dk1"/>
-            </a:fontRef>
-          </p:style>
-          <p:txBody>
-            <a:bodyPr wrap="none" rtlCol="0">
-              <a:spAutoFit/>
-            </a:bodyPr>
-            <a:lstStyle/>
-            <a:p>
-              <a:r>
-                <a:rPr lang="en-US" dirty="0" smtClean="0"/>
-                <a:t>The structure definitions</a:t>
-              </a:r>
-            </a:p>
-          </p:txBody>
-        </p:sp>
-        <p:cxnSp>
-          <p:nvCxnSpPr>
-            <p:cNvPr id="7" name="Straight Arrow Connector 6"/>
-            <p:cNvCxnSpPr>
-              <a:stCxn id="6" idx="1"/>
-            </p:cNvCxnSpPr>
-            <p:nvPr/>
-          </p:nvCxnSpPr>
-          <p:spPr>
-            <a:xfrm flipH="1">
-              <a:off x="5719141" y="1784866"/>
-              <a:ext cx="681659" cy="0"/>
-            </a:xfrm>
-            <a:prstGeom prst="straightConnector1">
-              <a:avLst/>
-            </a:prstGeom>
-            <a:ln w="19050">
-              <a:tailEnd type="arrow"/>
-            </a:ln>
-          </p:spPr>
-          <p:style>
-            <a:lnRef idx="1">
-              <a:schemeClr val="accent1"/>
-            </a:lnRef>
-            <a:fillRef idx="0">
-              <a:schemeClr val="accent1"/>
-            </a:fillRef>
-            <a:effectRef idx="0">
-              <a:schemeClr val="accent1"/>
-            </a:effectRef>
-            <a:fontRef idx="minor">
-              <a:schemeClr val="tx1"/>
-            </a:fontRef>
-          </p:style>
-        </p:cxnSp>
-      </p:grpSp>
-      <p:sp>
-        <p:nvSpPr>
-          <p:cNvPr id="14" name="Rectangle 13"/>
-          <p:cNvSpPr/>
-          <p:nvPr/>
-        </p:nvSpPr>
-        <p:spPr>
-          <a:xfrm>
-            <a:off x="6400800" y="3276600"/>
-            <a:ext cx="2438400" cy="2220310"/>
-          </a:xfrm>
-          <a:prstGeom prst="rect">
-            <a:avLst/>
-          </a:prstGeom>
-          <a:solidFill>
-            <a:schemeClr val="accent3">
-              <a:lumMod val="40000"/>
-              <a:lumOff val="60000"/>
-            </a:schemeClr>
-          </a:solidFill>
-          <a:ln/>
-        </p:spPr>
-        <p:style>
-          <a:lnRef idx="2">
-            <a:schemeClr val="accent1"/>
-          </a:lnRef>
-          <a:fillRef idx="1">
-            <a:schemeClr val="lt1"/>
-          </a:fillRef>
-          <a:effectRef idx="0">
-            <a:schemeClr val="accent1"/>
-          </a:effectRef>
-          <a:fontRef idx="minor">
-            <a:schemeClr val="dk1"/>
-          </a:fontRef>
-        </p:style>
-        <p:txBody>
-          <a:bodyPr rot="0" spcFirstLastPara="0" vertOverflow="overflow" horzOverflow="overflow" vert="horz" wrap="square" lIns="91440" tIns="45720" rIns="91440" bIns="45720" numCol="1" spcCol="0" rtlCol="0" fromWordArt="0" anchor="ctr" anchorCtr="0" forceAA="0" compatLnSpc="1">
-            <a:prstTxWarp prst="textNoShape">
-              <a:avLst/>
-            </a:prstTxWarp>
-            <a:noAutofit/>
-          </a:bodyPr>
-          <a:lstStyle/>
-          <a:p>
-            <a:pPr>
-              <a:defRPr/>
-            </a:pPr>
-            <a:r>
-              <a:rPr lang="en-US" dirty="0" smtClean="0">
-                <a:solidFill>
-                  <a:schemeClr val="tx1"/>
-                </a:solidFill>
-              </a:rPr>
-              <a:t>Here it's clear what the alternatives means, so all we need to provide is the interpretation of each field in each alternative.</a:t>
-            </a:r>
-            <a:endParaRPr lang="en-US" dirty="0">
-              <a:solidFill>
-                <a:schemeClr val="tx1"/>
-              </a:solidFill>
-            </a:endParaRPr>
-          </a:p>
-        </p:txBody>
-      </p:sp>
-      <p:sp>
-        <p:nvSpPr>
-          <p:cNvPr id="2" name="Slide Number Placeholder 1"/>
+      <p:sp>
+        <p:nvSpPr>
+          <p:cNvPr id="4" name="Slide Number Placeholder 3"/>
           <p:cNvSpPr>
             <a:spLocks noGrp="1"/>
           </p:cNvSpPr>
@@ -9909,30 +10449,25 @@
               <a:pPr/>
               <a:t>23</a:t>
             </a:fld>
-            <a:endParaRPr lang="en-US"/>
-          </a:p>
-        </p:txBody>
-      </p:sp>
-      <p:sp>
-        <p:nvSpPr>
-          <p:cNvPr id="4" name="TextBox 3"/>
+            <a:endParaRPr lang="en-US" dirty="0"/>
+          </a:p>
+        </p:txBody>
+      </p:sp>
+      <p:sp>
+        <p:nvSpPr>
+          <p:cNvPr id="6" name="TextBox 5"/>
           <p:cNvSpPr txBox="1"/>
           <p:nvPr/>
         </p:nvSpPr>
         <p:spPr>
           <a:xfrm>
-            <a:off x="5680208" y="2356483"/>
-            <a:ext cx="3048000" cy="646331"/>
+            <a:off x="2514600" y="2438400"/>
+            <a:ext cx="3886200" cy="1569660"/>
           </a:xfrm>
           <a:prstGeom prst="rect">
             <a:avLst/>
           </a:prstGeom>
           <a:noFill/>
-          <a:ln>
-            <a:solidFill>
-              <a:schemeClr val="accent1"/>
-            </a:solidFill>
-          </a:ln>
         </p:spPr>
         <p:txBody>
           <a:bodyPr wrap="square" rtlCol="0">
@@ -9941,99 +10476,93 @@
           <a:lstStyle/>
           <a:p>
             <a:r>
-              <a:rPr lang="en-US" dirty="0" smtClean="0"/>
-              <a:t>Presumably Size is a data type defined elsewhere.</a:t>
-            </a:r>
-            <a:endParaRPr lang="en-US" dirty="0"/>
-          </a:p>
-        </p:txBody>
-      </p:sp>
-      <p:sp>
-        <p:nvSpPr>
-          <p:cNvPr id="17" name="Freeform 16"/>
-          <p:cNvSpPr/>
-          <p:nvPr/>
-        </p:nvSpPr>
-        <p:spPr>
-          <a:xfrm>
-            <a:off x="3210113" y="2238355"/>
-            <a:ext cx="2479964" cy="499400"/>
-          </a:xfrm>
-          <a:custGeom>
-            <a:avLst/>
-            <a:gdLst>
-              <a:gd name="connsiteX0" fmla="*/ 2479964 w 2479964"/>
-              <a:gd name="connsiteY0" fmla="*/ 416273 h 499400"/>
-              <a:gd name="connsiteX1" fmla="*/ 1648691 w 2479964"/>
-              <a:gd name="connsiteY1" fmla="*/ 636 h 499400"/>
-              <a:gd name="connsiteX2" fmla="*/ 0 w 2479964"/>
-              <a:gd name="connsiteY2" fmla="*/ 499400 h 499400"/>
-            </a:gdLst>
-            <a:ahLst/>
-            <a:cxnLst>
-              <a:cxn ang="0">
-                <a:pos x="connsiteX0" y="connsiteY0"/>
-              </a:cxn>
-              <a:cxn ang="0">
-                <a:pos x="connsiteX1" y="connsiteY1"/>
-              </a:cxn>
-              <a:cxn ang="0">
-                <a:pos x="connsiteX2" y="connsiteY2"/>
-              </a:cxn>
-            </a:cxnLst>
-            <a:rect l="l" t="t" r="r" b="b"/>
-            <a:pathLst>
-              <a:path w="2479964" h="499400">
-                <a:moveTo>
-                  <a:pt x="2479964" y="416273"/>
-                </a:moveTo>
-                <a:cubicBezTo>
-                  <a:pt x="2270991" y="201527"/>
-                  <a:pt x="2062018" y="-13218"/>
-                  <a:pt x="1648691" y="636"/>
-                </a:cubicBezTo>
-                <a:cubicBezTo>
-                  <a:pt x="1235364" y="14490"/>
-                  <a:pt x="617682" y="256945"/>
-                  <a:pt x="0" y="499400"/>
-                </a:cubicBezTo>
-              </a:path>
-            </a:pathLst>
-          </a:custGeom>
-          <a:noFill/>
-          <a:ln w="12700">
-            <a:tailEnd type="arrow"/>
-          </a:ln>
-        </p:spPr>
-        <p:style>
-          <a:lnRef idx="2">
-            <a:schemeClr val="accent1">
-              <a:shade val="50000"/>
-            </a:schemeClr>
-          </a:lnRef>
-          <a:fillRef idx="1">
-            <a:schemeClr val="accent1"/>
-          </a:fillRef>
-          <a:effectRef idx="0">
-            <a:schemeClr val="accent1"/>
-          </a:effectRef>
-          <a:fontRef idx="minor">
-            <a:schemeClr val="lt1"/>
-          </a:fontRef>
-        </p:style>
-        <p:txBody>
-          <a:bodyPr rtlCol="0" anchor="ctr"/>
-          <a:lstStyle/>
-          <a:p>
-            <a:pPr algn="ctr"/>
-            <a:endParaRPr lang="en-US"/>
+              <a:rPr lang="en-US" sz="2400" b="1" dirty="0" smtClean="0">
+                <a:latin typeface="Consolas" pitchFamily="49" charset="0"/>
+                <a:cs typeface="Consolas" pitchFamily="49" charset="0"/>
+              </a:rPr>
+              <a:t>A </a:t>
+            </a:r>
+            <a:r>
+              <a:rPr lang="en-US" sz="2400" b="1" dirty="0" err="1" smtClean="0">
+                <a:latin typeface="Consolas" pitchFamily="49" charset="0"/>
+                <a:cs typeface="Consolas" pitchFamily="49" charset="0"/>
+              </a:rPr>
+              <a:t>TLState</a:t>
+            </a:r>
+            <a:r>
+              <a:rPr lang="en-US" sz="2400" b="1" dirty="0" smtClean="0">
+                <a:latin typeface="Consolas" pitchFamily="49" charset="0"/>
+                <a:cs typeface="Consolas" pitchFamily="49" charset="0"/>
+              </a:rPr>
+              <a:t> is one of</a:t>
+            </a:r>
+          </a:p>
+          <a:p>
+            <a:r>
+              <a:rPr lang="en-US" sz="2400" b="1" dirty="0" smtClean="0">
+                <a:latin typeface="Consolas" pitchFamily="49" charset="0"/>
+                <a:cs typeface="Consolas" pitchFamily="49" charset="0"/>
+              </a:rPr>
+              <a:t>-- </a:t>
+            </a:r>
+            <a:r>
+              <a:rPr lang="en-US" sz="2400" b="1" dirty="0" smtClean="0">
+                <a:latin typeface="Consolas" pitchFamily="49" charset="0"/>
+                <a:cs typeface="Consolas" pitchFamily="49" charset="0"/>
+              </a:rPr>
+              <a:t>217</a:t>
+            </a:r>
+            <a:endParaRPr lang="en-US" sz="2400" b="1" dirty="0" smtClean="0">
+              <a:latin typeface="Consolas" pitchFamily="49" charset="0"/>
+              <a:cs typeface="Consolas" pitchFamily="49" charset="0"/>
+            </a:endParaRPr>
+          </a:p>
+          <a:p>
+            <a:r>
+              <a:rPr lang="en-US" sz="2400" b="1" dirty="0" smtClean="0">
+                <a:latin typeface="Consolas" pitchFamily="49" charset="0"/>
+                <a:cs typeface="Consolas" pitchFamily="49" charset="0"/>
+              </a:rPr>
+              <a:t>-- </a:t>
+            </a:r>
+            <a:r>
+              <a:rPr lang="en-US" sz="2400" b="1" dirty="0" smtClean="0">
+                <a:latin typeface="Consolas" pitchFamily="49" charset="0"/>
+                <a:cs typeface="Consolas" pitchFamily="49" charset="0"/>
+              </a:rPr>
+              <a:t>126</a:t>
+            </a:r>
+            <a:endParaRPr lang="en-US" sz="2400" b="1" dirty="0" smtClean="0">
+              <a:latin typeface="Consolas" pitchFamily="49" charset="0"/>
+              <a:cs typeface="Consolas" pitchFamily="49" charset="0"/>
+            </a:endParaRPr>
+          </a:p>
+          <a:p>
+            <a:r>
+              <a:rPr lang="en-US" sz="2400" b="1" dirty="0" smtClean="0">
+                <a:latin typeface="Consolas" pitchFamily="49" charset="0"/>
+                <a:cs typeface="Consolas" pitchFamily="49" charset="0"/>
+              </a:rPr>
+              <a:t>-- </a:t>
+            </a:r>
+            <a:r>
+              <a:rPr lang="en-US" sz="2400" b="1" dirty="0" smtClean="0">
+                <a:latin typeface="Consolas" pitchFamily="49" charset="0"/>
+                <a:cs typeface="Consolas" pitchFamily="49" charset="0"/>
+              </a:rPr>
+              <a:t>43</a:t>
+            </a:r>
+            <a:endParaRPr lang="en-US" sz="2400" b="1" dirty="0">
+              <a:latin typeface="Consolas" pitchFamily="49" charset="0"/>
+              <a:cs typeface="Consolas" pitchFamily="49" charset="0"/>
+            </a:endParaRPr>
           </a:p>
         </p:txBody>
       </p:sp>
     </p:spTree>
     <p:extLst>
       <p:ext uri="{BB962C8B-B14F-4D97-AF65-F5344CB8AC3E}">
-        <p14:creationId xmlns:p14="http://schemas.microsoft.com/office/powerpoint/2010/main" val="3002992385"/>
+        <p14:creationId xmlns:p14="http://schemas.microsoft.com/office/powerpoint/2010/main" val="3432151799"/>
       </p:ext>
     </p:extLst>
   </p:cSld>
@@ -10043,83 +10572,439 @@
   <p:timing>
     <p:tnLst>
       <p:par>
-        <p:cTn id="1" dur="indefinite" restart="never" nodeType="tmRoot">
-          <p:childTnLst>
-            <p:seq concurrent="1" nextAc="seek">
-              <p:cTn id="2" dur="indefinite" nodeType="mainSeq">
-                <p:childTnLst>
-                  <p:par>
-                    <p:cTn id="3" fill="hold">
-                      <p:stCondLst>
-                        <p:cond delay="indefinite"/>
-                      </p:stCondLst>
-                      <p:childTnLst>
-                        <p:par>
-                          <p:cTn id="4" fill="hold">
-                            <p:stCondLst>
-                              <p:cond delay="0"/>
-                            </p:stCondLst>
-                            <p:childTnLst>
-                              <p:par>
-                                <p:cTn id="5" presetID="10" presetClass="entr" presetSubtype="0" fill="hold" nodeType="clickEffect">
-                                  <p:stCondLst>
-                                    <p:cond delay="0"/>
-                                  </p:stCondLst>
-                                  <p:childTnLst>
-                                    <p:set>
-                                      <p:cBhvr>
-                                        <p:cTn id="6" dur="1" fill="hold">
-                                          <p:stCondLst>
-                                            <p:cond delay="0"/>
-                                          </p:stCondLst>
-                                        </p:cTn>
-                                        <p:tgtEl>
-                                          <p:spTgt spid="5"/>
-                                        </p:tgtEl>
-                                        <p:attrNameLst>
-                                          <p:attrName>style.visibility</p:attrName>
-                                        </p:attrNameLst>
-                                      </p:cBhvr>
-                                      <p:to>
-                                        <p:strVal val="visible"/>
-                                      </p:to>
-                                    </p:set>
-                                    <p:animEffect transition="in" filter="fade">
-                                      <p:cBhvr>
-                                        <p:cTn id="7" dur="500"/>
-                                        <p:tgtEl>
-                                          <p:spTgt spid="5"/>
-                                        </p:tgtEl>
-                                      </p:cBhvr>
-                                    </p:animEffect>
-                                  </p:childTnLst>
-                                </p:cTn>
-                              </p:par>
-                            </p:childTnLst>
-                          </p:cTn>
-                        </p:par>
-                      </p:childTnLst>
-                    </p:cTn>
-                  </p:par>
-                </p:childTnLst>
-              </p:cTn>
-              <p:prevCondLst>
-                <p:cond evt="onPrev" delay="0">
-                  <p:tgtEl>
-                    <p:sldTgt/>
-                  </p:tgtEl>
-                </p:cond>
-              </p:prevCondLst>
-              <p:nextCondLst>
-                <p:cond evt="onNext" delay="0">
-                  <p:tgtEl>
-                    <p:sldTgt/>
-                  </p:tgtEl>
-                </p:cond>
-              </p:nextCondLst>
-            </p:seq>
-          </p:childTnLst>
-        </p:cTn>
+        <p:cTn id="1" dur="indefinite" restart="never" nodeType="tmRoot"/>
+      </p:par>
+    </p:tnLst>
+  </p:timing>
+</p:sld>
+</file>
+
+<file path=ppt/slides/slide24.xml><?xml version="1.0" encoding="utf-8"?>
+<p:sld xmlns:a="http://schemas.openxmlformats.org/drawingml/2006/main" xmlns:r="http://schemas.openxmlformats.org/officeDocument/2006/relationships" xmlns:p="http://schemas.openxmlformats.org/presentationml/2006/main">
+  <p:cSld>
+    <p:spTree>
+      <p:nvGrpSpPr>
+        <p:cNvPr id="1" name=""/>
+        <p:cNvGrpSpPr/>
+        <p:nvPr/>
+      </p:nvGrpSpPr>
+      <p:grpSpPr>
+        <a:xfrm>
+          <a:off x="0" y="0"/>
+          <a:ext cx="0" cy="0"/>
+          <a:chOff x="0" y="0"/>
+          <a:chExt cx="0" cy="0"/>
+        </a:xfrm>
+      </p:grpSpPr>
+      <p:sp>
+        <p:nvSpPr>
+          <p:cNvPr id="5" name="Title 4"/>
+          <p:cNvSpPr>
+            <a:spLocks noGrp="1"/>
+          </p:cNvSpPr>
+          <p:nvPr>
+            <p:ph type="title"/>
+          </p:nvPr>
+        </p:nvSpPr>
+        <p:spPr/>
+        <p:txBody>
+          <a:bodyPr/>
+          <a:lstStyle/>
+          <a:p>
+            <a:r>
+              <a:rPr lang="en-US" dirty="0" smtClean="0"/>
+              <a:t> Not all integers are created equal</a:t>
+            </a:r>
+            <a:endParaRPr lang="en-US" dirty="0"/>
+          </a:p>
+        </p:txBody>
+      </p:sp>
+      <p:pic>
+        <p:nvPicPr>
+          <p:cNvPr id="7" name="Content Placeholder 6"/>
+          <p:cNvPicPr>
+            <a:picLocks noGrp="1" noChangeAspect="1"/>
+          </p:cNvPicPr>
+          <p:nvPr>
+            <p:ph idx="1"/>
+          </p:nvPr>
+        </p:nvPicPr>
+        <p:blipFill rotWithShape="1">
+          <a:blip r:embed="rId2" cstate="print">
+            <a:extLst>
+              <a:ext uri="{28A0092B-C50C-407E-A947-70E740481C1C}">
+                <a14:useLocalDpi xmlns:a14="http://schemas.microsoft.com/office/drawing/2010/main" val="0"/>
+              </a:ext>
+            </a:extLst>
+          </a:blip>
+          <a:srcRect b="27604"/>
+          <a:stretch/>
+        </p:blipFill>
+        <p:spPr>
+          <a:xfrm>
+            <a:off x="1179088" y="1600201"/>
+            <a:ext cx="6785823" cy="3276600"/>
+          </a:xfrm>
+        </p:spPr>
+      </p:pic>
+      <p:sp>
+        <p:nvSpPr>
+          <p:cNvPr id="4" name="Slide Number Placeholder 3"/>
+          <p:cNvSpPr>
+            <a:spLocks noGrp="1"/>
+          </p:cNvSpPr>
+          <p:nvPr>
+            <p:ph type="sldNum" sz="quarter" idx="12"/>
+          </p:nvPr>
+        </p:nvSpPr>
+        <p:spPr/>
+        <p:txBody>
+          <a:bodyPr/>
+          <a:lstStyle/>
+          <a:p>
+            <a:fld id="{8D704B19-8EED-495A-99FA-12E5518CCC54}" type="slidenum">
+              <a:rPr lang="en-US" smtClean="0"/>
+              <a:pPr/>
+              <a:t>24</a:t>
+            </a:fld>
+            <a:endParaRPr lang="en-US" dirty="0"/>
+          </a:p>
+        </p:txBody>
+      </p:sp>
+      <p:sp>
+        <p:nvSpPr>
+          <p:cNvPr id="8" name="TextBox 7"/>
+          <p:cNvSpPr txBox="1"/>
+          <p:nvPr/>
+        </p:nvSpPr>
+        <p:spPr>
+          <a:xfrm>
+            <a:off x="3371987" y="4953000"/>
+            <a:ext cx="4592924" cy="369332"/>
+          </a:xfrm>
+          <a:prstGeom prst="rect">
+            <a:avLst/>
+          </a:prstGeom>
+          <a:noFill/>
+        </p:spPr>
+        <p:txBody>
+          <a:bodyPr wrap="none" rtlCol="0">
+            <a:spAutoFit/>
+          </a:bodyPr>
+          <a:lstStyle/>
+          <a:p>
+            <a:r>
+              <a:rPr lang="en-US" sz="900" dirty="0">
+                <a:hlinkClick r:id="rId3"/>
+              </a:rPr>
+              <a:t>https://www.flickr.com/photos/7-how-7/4139229048/in/pool-1996770@N25</a:t>
+            </a:r>
+            <a:r>
+              <a:rPr lang="en-US" sz="900" dirty="0" smtClean="0">
+                <a:hlinkClick r:id="rId3"/>
+              </a:rPr>
+              <a:t>/</a:t>
+            </a:r>
+            <a:r>
+              <a:rPr lang="en-US" sz="900" dirty="0" smtClean="0"/>
+              <a:t> licensed under</a:t>
+            </a:r>
+          </a:p>
+          <a:p>
+            <a:r>
+              <a:rPr lang="en-US" sz="900" dirty="0" smtClean="0">
+                <a:hlinkClick r:id="rId4"/>
+              </a:rPr>
+              <a:t>Creative Commons License</a:t>
+            </a:r>
+            <a:endParaRPr lang="en-US" sz="900" dirty="0"/>
+          </a:p>
+        </p:txBody>
+      </p:sp>
+      <p:sp>
+        <p:nvSpPr>
+          <p:cNvPr id="9" name="TextBox 8"/>
+          <p:cNvSpPr txBox="1"/>
+          <p:nvPr/>
+        </p:nvSpPr>
+        <p:spPr>
+          <a:xfrm>
+            <a:off x="912275" y="5710019"/>
+            <a:ext cx="7052636" cy="646331"/>
+          </a:xfrm>
+          <a:prstGeom prst="rect">
+            <a:avLst/>
+          </a:prstGeom>
+          <a:noFill/>
+        </p:spPr>
+        <p:txBody>
+          <a:bodyPr wrap="none" rtlCol="0">
+            <a:spAutoFit/>
+          </a:bodyPr>
+          <a:lstStyle/>
+          <a:p>
+            <a:r>
+              <a:rPr lang="en-US" dirty="0" smtClean="0"/>
+              <a:t>The interpretation tells you the meaning of each number.  It also tells you</a:t>
+            </a:r>
+          </a:p>
+          <a:p>
+            <a:r>
+              <a:rPr lang="en-US" dirty="0" smtClean="0"/>
+              <a:t>that you shouldn't be adding these integers!</a:t>
+            </a:r>
+            <a:endParaRPr lang="en-US" dirty="0"/>
+          </a:p>
+        </p:txBody>
+      </p:sp>
+    </p:spTree>
+    <p:extLst>
+      <p:ext uri="{BB962C8B-B14F-4D97-AF65-F5344CB8AC3E}">
+        <p14:creationId xmlns:p14="http://schemas.microsoft.com/office/powerpoint/2010/main" val="2867457576"/>
+      </p:ext>
+    </p:extLst>
+  </p:cSld>
+  <p:clrMapOvr>
+    <a:masterClrMapping/>
+  </p:clrMapOvr>
+  <p:timing>
+    <p:tnLst>
+      <p:par>
+        <p:cTn id="1" dur="indefinite" restart="never" nodeType="tmRoot"/>
+      </p:par>
+    </p:tnLst>
+  </p:timing>
+</p:sld>
+</file>
+
+<file path=ppt/slides/slide25.xml><?xml version="1.0" encoding="utf-8"?>
+<p:sld xmlns:a="http://schemas.openxmlformats.org/drawingml/2006/main" xmlns:r="http://schemas.openxmlformats.org/officeDocument/2006/relationships" xmlns:p="http://schemas.openxmlformats.org/presentationml/2006/main">
+  <p:cSld>
+    <p:spTree>
+      <p:nvGrpSpPr>
+        <p:cNvPr id="1" name=""/>
+        <p:cNvGrpSpPr/>
+        <p:nvPr/>
+      </p:nvGrpSpPr>
+      <p:grpSpPr>
+        <a:xfrm>
+          <a:off x="0" y="0"/>
+          <a:ext cx="0" cy="0"/>
+          <a:chOff x="0" y="0"/>
+          <a:chExt cx="0" cy="0"/>
+        </a:xfrm>
+      </p:grpSpPr>
+      <p:sp>
+        <p:nvSpPr>
+          <p:cNvPr id="2" name="Title 1"/>
+          <p:cNvSpPr>
+            <a:spLocks noGrp="1"/>
+          </p:cNvSpPr>
+          <p:nvPr>
+            <p:ph type="title"/>
+          </p:nvPr>
+        </p:nvSpPr>
+        <p:spPr/>
+        <p:txBody>
+          <a:bodyPr/>
+          <a:lstStyle/>
+          <a:p>
+            <a:r>
+              <a:rPr lang="en-US" dirty="0" smtClean="0"/>
+              <a:t>Summary</a:t>
+            </a:r>
+            <a:endParaRPr lang="en-US" dirty="0"/>
+          </a:p>
+        </p:txBody>
+      </p:sp>
+      <p:sp>
+        <p:nvSpPr>
+          <p:cNvPr id="3" name="Content Placeholder 2"/>
+          <p:cNvSpPr>
+            <a:spLocks noGrp="1"/>
+          </p:cNvSpPr>
+          <p:nvPr>
+            <p:ph idx="1"/>
+          </p:nvPr>
+        </p:nvSpPr>
+        <p:spPr/>
+        <p:txBody>
+          <a:bodyPr/>
+          <a:lstStyle/>
+          <a:p>
+            <a:r>
+              <a:rPr lang="en-US" dirty="0" smtClean="0"/>
+              <a:t>You should now be able </a:t>
+            </a:r>
+            <a:r>
+              <a:rPr lang="en-US" dirty="0" smtClean="0"/>
+              <a:t>to write </a:t>
+            </a:r>
+            <a:r>
+              <a:rPr lang="en-US" dirty="0" err="1" smtClean="0"/>
+              <a:t>struct</a:t>
+            </a:r>
+            <a:r>
+              <a:rPr lang="en-US" dirty="0" smtClean="0"/>
+              <a:t> definitions, constructor templates, and interpretations for mixed, compound, and itemization data.</a:t>
+            </a:r>
+            <a:endParaRPr lang="en-US" dirty="0"/>
+          </a:p>
+        </p:txBody>
+      </p:sp>
+      <p:sp>
+        <p:nvSpPr>
+          <p:cNvPr id="4" name="Slide Number Placeholder 3"/>
+          <p:cNvSpPr>
+            <a:spLocks noGrp="1"/>
+          </p:cNvSpPr>
+          <p:nvPr>
+            <p:ph type="sldNum" sz="quarter" idx="12"/>
+          </p:nvPr>
+        </p:nvSpPr>
+        <p:spPr/>
+        <p:txBody>
+          <a:bodyPr/>
+          <a:lstStyle/>
+          <a:p>
+            <a:fld id="{2AF3B5EA-18B6-4040-9F78-6052AF49C681}" type="slidenum">
+              <a:rPr lang="en-US" smtClean="0"/>
+              <a:t>25</a:t>
+            </a:fld>
+            <a:endParaRPr lang="en-US"/>
+          </a:p>
+        </p:txBody>
+      </p:sp>
+    </p:spTree>
+    <p:extLst>
+      <p:ext uri="{BB962C8B-B14F-4D97-AF65-F5344CB8AC3E}">
+        <p14:creationId xmlns:p14="http://schemas.microsoft.com/office/powerpoint/2010/main" val="4042963535"/>
+      </p:ext>
+    </p:extLst>
+  </p:cSld>
+  <p:clrMapOvr>
+    <a:masterClrMapping/>
+  </p:clrMapOvr>
+  <p:timing>
+    <p:tnLst>
+      <p:par>
+        <p:cTn id="1" dur="indefinite" restart="never" nodeType="tmRoot"/>
+      </p:par>
+    </p:tnLst>
+  </p:timing>
+</p:sld>
+</file>
+
+<file path=ppt/slides/slide26.xml><?xml version="1.0" encoding="utf-8"?>
+<p:sld xmlns:a="http://schemas.openxmlformats.org/drawingml/2006/main" xmlns:r="http://schemas.openxmlformats.org/officeDocument/2006/relationships" xmlns:p="http://schemas.openxmlformats.org/presentationml/2006/main">
+  <p:cSld>
+    <p:spTree>
+      <p:nvGrpSpPr>
+        <p:cNvPr id="1" name=""/>
+        <p:cNvGrpSpPr/>
+        <p:nvPr/>
+      </p:nvGrpSpPr>
+      <p:grpSpPr>
+        <a:xfrm>
+          <a:off x="0" y="0"/>
+          <a:ext cx="0" cy="0"/>
+          <a:chOff x="0" y="0"/>
+          <a:chExt cx="0" cy="0"/>
+        </a:xfrm>
+      </p:grpSpPr>
+      <p:sp>
+        <p:nvSpPr>
+          <p:cNvPr id="2" name="Title 1"/>
+          <p:cNvSpPr>
+            <a:spLocks noGrp="1"/>
+          </p:cNvSpPr>
+          <p:nvPr>
+            <p:ph type="title"/>
+          </p:nvPr>
+        </p:nvSpPr>
+        <p:spPr/>
+        <p:txBody>
+          <a:bodyPr/>
+          <a:lstStyle/>
+          <a:p>
+            <a:r>
+              <a:rPr lang="en-US" dirty="0" smtClean="0"/>
+              <a:t>Next Steps</a:t>
+            </a:r>
+            <a:endParaRPr lang="en-US" dirty="0"/>
+          </a:p>
+        </p:txBody>
+      </p:sp>
+      <p:sp>
+        <p:nvSpPr>
+          <p:cNvPr id="3" name="Content Placeholder 2"/>
+          <p:cNvSpPr>
+            <a:spLocks noGrp="1"/>
+          </p:cNvSpPr>
+          <p:nvPr>
+            <p:ph idx="1"/>
+          </p:nvPr>
+        </p:nvSpPr>
+        <p:spPr/>
+        <p:txBody>
+          <a:bodyPr/>
+          <a:lstStyle/>
+          <a:p>
+            <a:r>
+              <a:rPr lang="en-US" dirty="0" smtClean="0"/>
+              <a:t>If </a:t>
+            </a:r>
+            <a:r>
+              <a:rPr lang="en-US" dirty="0" smtClean="0"/>
+              <a:t>you have questions about this lesson, ask them on the Discussion Board</a:t>
+            </a:r>
+          </a:p>
+          <a:p>
+            <a:r>
+              <a:rPr lang="en-US" dirty="0" smtClean="0"/>
+              <a:t>Go on to the next lesson</a:t>
+            </a:r>
+            <a:endParaRPr lang="en-US" dirty="0"/>
+          </a:p>
+        </p:txBody>
+      </p:sp>
+      <p:sp>
+        <p:nvSpPr>
+          <p:cNvPr id="4" name="Slide Number Placeholder 3"/>
+          <p:cNvSpPr>
+            <a:spLocks noGrp="1"/>
+          </p:cNvSpPr>
+          <p:nvPr>
+            <p:ph type="sldNum" sz="quarter" idx="12"/>
+          </p:nvPr>
+        </p:nvSpPr>
+        <p:spPr/>
+        <p:txBody>
+          <a:bodyPr/>
+          <a:lstStyle/>
+          <a:p>
+            <a:fld id="{2AF3B5EA-18B6-4040-9F78-6052AF49C681}" type="slidenum">
+              <a:rPr lang="en-US" smtClean="0"/>
+              <a:t>26</a:t>
+            </a:fld>
+            <a:endParaRPr lang="en-US"/>
+          </a:p>
+        </p:txBody>
+      </p:sp>
+    </p:spTree>
+    <p:extLst>
+      <p:ext uri="{BB962C8B-B14F-4D97-AF65-F5344CB8AC3E}">
+        <p14:creationId xmlns:p14="http://schemas.microsoft.com/office/powerpoint/2010/main" val="1138390204"/>
+      </p:ext>
+    </p:extLst>
+  </p:cSld>
+  <p:clrMapOvr>
+    <a:masterClrMapping/>
+  </p:clrMapOvr>
+  <p:timing>
+    <p:tnLst>
+      <p:par>
+        <p:cTn id="1" dur="indefinite" restart="never" nodeType="tmRoot"/>
       </p:par>
     </p:tnLst>
   </p:timing>
@@ -10903,7 +11788,13 @@
               <a:rPr lang="en-US" dirty="0" smtClean="0">
                 <a:cs typeface="Consolas" pitchFamily="49" charset="0"/>
               </a:rPr>
-              <a:t>We saw these in Lesson 0.4.  Here’s a review…</a:t>
+              <a:t>We saw these in Lesson 0.4.  Here’s a </a:t>
+            </a:r>
+            <a:r>
+              <a:rPr lang="en-US" dirty="0" smtClean="0">
+                <a:cs typeface="Consolas" pitchFamily="49" charset="0"/>
+              </a:rPr>
+              <a:t>review:</a:t>
             </a:r>
             <a:endParaRPr lang="en-US" dirty="0">
               <a:cs typeface="Courier New" pitchFamily="49" charset="0"/>
@@ -11615,11 +12506,7 @@
           <a:p>
             <a:r>
               <a:rPr lang="en-US" dirty="0" smtClean="0"/>
-              <a:t>Tells how to construct a value of this type</a:t>
-            </a:r>
-            <a:r>
-              <a:rPr lang="en-US" dirty="0" smtClean="0"/>
-              <a:t>.</a:t>
+              <a:t>Tells how to construct a value of this type.</a:t>
             </a:r>
           </a:p>
           <a:p>
@@ -11627,7 +12514,6 @@
               <a:rPr lang="en-US" dirty="0" smtClean="0"/>
               <a:t>We’ll start with the most general case– mixed data– and then see how the others are special cases.</a:t>
             </a:r>
-            <a:endParaRPr lang="en-US" dirty="0" smtClean="0"/>
           </a:p>
           <a:p>
             <a:endParaRPr lang="en-US" dirty="0"/>

--- a/Slides/Lesson 1.3 The Data Design Recipe.pptx
+++ b/Slides/Lesson 1.3 The Data Design Recipe.pptx
@@ -268,7 +268,7 @@
             <a:fld id="{E3057DDA-BF5C-4879-9957-16E91151DE1E}" type="datetimeFigureOut">
               <a:rPr lang="en-US" smtClean="0"/>
               <a:pPr/>
-              <a:t>8/3/2015</a:t>
+              <a:t>7/25/2016</a:t>
             </a:fld>
             <a:endParaRPr lang="en-US"/>
           </a:p>
@@ -332,38 +332,37 @@
           <a:p>
             <a:pPr lvl="0"/>
             <a:r>
-              <a:rPr lang="en-US" smtClean="0"/>
+              <a:rPr lang="en-US"/>
               <a:t>Click to edit Master text styles</a:t>
             </a:r>
           </a:p>
           <a:p>
             <a:pPr lvl="1"/>
             <a:r>
-              <a:rPr lang="en-US" smtClean="0"/>
+              <a:rPr lang="en-US"/>
               <a:t>Second level</a:t>
             </a:r>
           </a:p>
           <a:p>
             <a:pPr lvl="2"/>
             <a:r>
-              <a:rPr lang="en-US" smtClean="0"/>
+              <a:rPr lang="en-US"/>
               <a:t>Third level</a:t>
             </a:r>
           </a:p>
           <a:p>
             <a:pPr lvl="3"/>
             <a:r>
-              <a:rPr lang="en-US" smtClean="0"/>
+              <a:rPr lang="en-US"/>
               <a:t>Fourth level</a:t>
             </a:r>
           </a:p>
           <a:p>
             <a:pPr lvl="4"/>
             <a:r>
-              <a:rPr lang="en-US" smtClean="0"/>
+              <a:rPr lang="en-US"/>
               <a:t>Fifth level</a:t>
             </a:r>
-            <a:endParaRPr lang="en-US"/>
           </a:p>
         </p:txBody>
       </p:sp>
@@ -667,10 +666,9 @@
           <a:lstStyle/>
           <a:p>
             <a:r>
-              <a:rPr lang="en-US" dirty="0" smtClean="0"/>
+              <a:rPr lang="en-US" dirty="0"/>
               <a:t>Here is the data design recipe.  </a:t>
             </a:r>
-            <a:endParaRPr lang="en-US" dirty="0"/>
           </a:p>
         </p:txBody>
       </p:sp>
@@ -1174,10 +1172,9 @@
           <a:lstStyle/>
           <a:p>
             <a:r>
-              <a:rPr lang="en-US" smtClean="0"/>
+              <a:rPr lang="en-US"/>
               <a:t>Click to edit Master title style</a:t>
             </a:r>
-            <a:endParaRPr lang="en-US"/>
           </a:p>
         </p:txBody>
       </p:sp>
@@ -1293,10 +1290,9 @@
           </a:lstStyle>
           <a:p>
             <a:r>
-              <a:rPr lang="en-US" smtClean="0"/>
+              <a:rPr lang="en-US"/>
               <a:t>Click to edit Master subtitle style</a:t>
             </a:r>
-            <a:endParaRPr lang="en-US"/>
           </a:p>
         </p:txBody>
       </p:sp>
@@ -1325,7 +1321,7 @@
           <a:p>
             <a:fld id="{768B3A28-1884-497D-94C5-27227826CE2C}" type="datetime1">
               <a:rPr lang="en-US" smtClean="0"/>
-              <a:t>8/3/2015</a:t>
+              <a:t>7/25/2016</a:t>
             </a:fld>
             <a:endParaRPr lang="en-US"/>
           </a:p>
@@ -1392,13 +1388,6 @@
   <p:clrMapOvr>
     <a:masterClrMapping/>
   </p:clrMapOvr>
-  <p:timing>
-    <p:tnLst>
-      <p:par>
-        <p:cTn id="1" dur="indefinite" restart="never" nodeType="tmRoot"/>
-      </p:par>
-    </p:tnLst>
-  </p:timing>
 </p:sldLayout>
 </file>
 
@@ -1444,10 +1433,9 @@
           </a:lstStyle>
           <a:p>
             <a:r>
-              <a:rPr lang="en-US" smtClean="0"/>
+              <a:rPr lang="en-US"/>
               <a:t>Click to edit Master title style</a:t>
             </a:r>
-            <a:endParaRPr lang="en-US"/>
           </a:p>
         </p:txBody>
       </p:sp>
@@ -1571,7 +1559,7 @@
           <a:p>
             <a:pPr lvl="0"/>
             <a:r>
-              <a:rPr lang="en-US" smtClean="0"/>
+              <a:rPr lang="en-US"/>
               <a:t>Click to edit Master text styles</a:t>
             </a:r>
           </a:p>
@@ -1602,7 +1590,7 @@
           <a:p>
             <a:fld id="{B8262C03-9B91-44B2-B7D5-2A844E6680F8}" type="datetime1">
               <a:rPr lang="en-US" smtClean="0"/>
-              <a:t>8/3/2015</a:t>
+              <a:t>7/25/2016</a:t>
             </a:fld>
             <a:endParaRPr lang="en-US"/>
           </a:p>
@@ -1705,10 +1693,9 @@
           <a:lstStyle/>
           <a:p>
             <a:r>
-              <a:rPr lang="en-US" smtClean="0"/>
+              <a:rPr lang="en-US"/>
               <a:t>Click to edit Master title style</a:t>
             </a:r>
-            <a:endParaRPr lang="en-US"/>
           </a:p>
         </p:txBody>
       </p:sp>
@@ -1729,38 +1716,37 @@
           <a:p>
             <a:pPr lvl="0"/>
             <a:r>
-              <a:rPr lang="en-US" smtClean="0"/>
+              <a:rPr lang="en-US"/>
               <a:t>Click to edit Master text styles</a:t>
             </a:r>
           </a:p>
           <a:p>
             <a:pPr lvl="1"/>
             <a:r>
-              <a:rPr lang="en-US" smtClean="0"/>
+              <a:rPr lang="en-US"/>
               <a:t>Second level</a:t>
             </a:r>
           </a:p>
           <a:p>
             <a:pPr lvl="2"/>
             <a:r>
-              <a:rPr lang="en-US" smtClean="0"/>
+              <a:rPr lang="en-US"/>
               <a:t>Third level</a:t>
             </a:r>
           </a:p>
           <a:p>
             <a:pPr lvl="3"/>
             <a:r>
-              <a:rPr lang="en-US" smtClean="0"/>
+              <a:rPr lang="en-US"/>
               <a:t>Fourth level</a:t>
             </a:r>
           </a:p>
           <a:p>
             <a:pPr lvl="4"/>
             <a:r>
-              <a:rPr lang="en-US" smtClean="0"/>
+              <a:rPr lang="en-US"/>
               <a:t>Fifth level</a:t>
             </a:r>
-            <a:endParaRPr lang="en-US"/>
           </a:p>
         </p:txBody>
       </p:sp>
@@ -1789,7 +1775,7 @@
           <a:p>
             <a:fld id="{B11DCD3A-F44B-4ECF-B365-54BE99BB4BEA}" type="datetime1">
               <a:rPr lang="en-US" smtClean="0"/>
-              <a:t>8/3/2015</a:t>
+              <a:t>7/25/2016</a:t>
             </a:fld>
             <a:endParaRPr lang="en-US"/>
           </a:p>
@@ -1897,10 +1883,9 @@
           <a:lstStyle/>
           <a:p>
             <a:r>
-              <a:rPr lang="en-US" smtClean="0"/>
+              <a:rPr lang="en-US"/>
               <a:t>Click to edit Master title style</a:t>
             </a:r>
-            <a:endParaRPr lang="en-US"/>
           </a:p>
         </p:txBody>
       </p:sp>
@@ -1926,38 +1911,37 @@
           <a:p>
             <a:pPr lvl="0"/>
             <a:r>
-              <a:rPr lang="en-US" smtClean="0"/>
+              <a:rPr lang="en-US"/>
               <a:t>Click to edit Master text styles</a:t>
             </a:r>
           </a:p>
           <a:p>
             <a:pPr lvl="1"/>
             <a:r>
-              <a:rPr lang="en-US" smtClean="0"/>
+              <a:rPr lang="en-US"/>
               <a:t>Second level</a:t>
             </a:r>
           </a:p>
           <a:p>
             <a:pPr lvl="2"/>
             <a:r>
-              <a:rPr lang="en-US" smtClean="0"/>
+              <a:rPr lang="en-US"/>
               <a:t>Third level</a:t>
             </a:r>
           </a:p>
           <a:p>
             <a:pPr lvl="3"/>
             <a:r>
-              <a:rPr lang="en-US" smtClean="0"/>
+              <a:rPr lang="en-US"/>
               <a:t>Fourth level</a:t>
             </a:r>
           </a:p>
           <a:p>
             <a:pPr lvl="4"/>
             <a:r>
-              <a:rPr lang="en-US" smtClean="0"/>
+              <a:rPr lang="en-US"/>
               <a:t>Fifth level</a:t>
             </a:r>
-            <a:endParaRPr lang="en-US"/>
           </a:p>
         </p:txBody>
       </p:sp>
@@ -1986,7 +1970,7 @@
           <a:p>
             <a:fld id="{94377941-97D9-4840-A51B-C8DAEDA2815C}" type="datetime1">
               <a:rPr lang="en-US" smtClean="0"/>
-              <a:t>8/3/2015</a:t>
+              <a:t>7/25/2016</a:t>
             </a:fld>
             <a:endParaRPr lang="en-US"/>
           </a:p>
@@ -2053,13 +2037,6 @@
   <p:clrMapOvr>
     <a:masterClrMapping/>
   </p:clrMapOvr>
-  <p:timing>
-    <p:tnLst>
-      <p:par>
-        <p:cTn id="1" dur="indefinite" restart="never" nodeType="tmRoot"/>
-      </p:par>
-    </p:tnLst>
-  </p:timing>
 </p:sldLayout>
 </file>
 
@@ -2108,10 +2085,9 @@
           <a:lstStyle/>
           <a:p>
             <a:r>
-              <a:rPr lang="en-US" smtClean="0"/>
+              <a:rPr lang="en-US"/>
               <a:t>Click to edit Master title style</a:t>
             </a:r>
-            <a:endParaRPr lang="en-US"/>
           </a:p>
         </p:txBody>
       </p:sp>
@@ -2132,38 +2108,37 @@
           <a:p>
             <a:pPr lvl="0"/>
             <a:r>
-              <a:rPr lang="en-US" smtClean="0"/>
+              <a:rPr lang="en-US"/>
               <a:t>Click to edit Master text styles</a:t>
             </a:r>
           </a:p>
           <a:p>
             <a:pPr lvl="1"/>
             <a:r>
-              <a:rPr lang="en-US" smtClean="0"/>
+              <a:rPr lang="en-US"/>
               <a:t>Second level</a:t>
             </a:r>
           </a:p>
           <a:p>
             <a:pPr lvl="2"/>
             <a:r>
-              <a:rPr lang="en-US" smtClean="0"/>
+              <a:rPr lang="en-US"/>
               <a:t>Third level</a:t>
             </a:r>
           </a:p>
           <a:p>
             <a:pPr lvl="3"/>
             <a:r>
-              <a:rPr lang="en-US" smtClean="0"/>
+              <a:rPr lang="en-US"/>
               <a:t>Fourth level</a:t>
             </a:r>
           </a:p>
           <a:p>
             <a:pPr lvl="4"/>
             <a:r>
-              <a:rPr lang="en-US" smtClean="0"/>
+              <a:rPr lang="en-US"/>
               <a:t>Fifth level</a:t>
             </a:r>
-            <a:endParaRPr lang="en-US"/>
           </a:p>
         </p:txBody>
       </p:sp>
@@ -2192,7 +2167,7 @@
           <a:p>
             <a:fld id="{AB7F5B1C-135C-4619-A2DE-25131AF5278A}" type="datetime1">
               <a:rPr lang="en-US" smtClean="0"/>
-              <a:t>8/3/2015</a:t>
+              <a:t>7/25/2016</a:t>
             </a:fld>
             <a:endParaRPr lang="en-US"/>
           </a:p>
@@ -2259,13 +2234,6 @@
   <p:clrMapOvr>
     <a:masterClrMapping/>
   </p:clrMapOvr>
-  <p:timing>
-    <p:tnLst>
-      <p:par>
-        <p:cTn id="1" dur="indefinite" restart="never" nodeType="tmRoot"/>
-      </p:par>
-    </p:tnLst>
-  </p:timing>
 </p:sldLayout>
 </file>
 
@@ -2314,10 +2282,9 @@
           <a:lstStyle/>
           <a:p>
             <a:r>
-              <a:rPr lang="en-US" smtClean="0"/>
+              <a:rPr lang="en-US"/>
               <a:t>Click to edit Master title style</a:t>
             </a:r>
-            <a:endParaRPr lang="en-US"/>
           </a:p>
         </p:txBody>
       </p:sp>
@@ -2346,38 +2313,37 @@
           <a:p>
             <a:pPr lvl="0"/>
             <a:r>
-              <a:rPr lang="en-US" dirty="0" smtClean="0"/>
+              <a:rPr lang="en-US" dirty="0"/>
               <a:t>Click to edit Master text styles</a:t>
             </a:r>
           </a:p>
           <a:p>
             <a:pPr lvl="1"/>
             <a:r>
-              <a:rPr lang="en-US" dirty="0" smtClean="0"/>
+              <a:rPr lang="en-US" dirty="0"/>
               <a:t>Second level</a:t>
             </a:r>
           </a:p>
           <a:p>
             <a:pPr lvl="2"/>
             <a:r>
-              <a:rPr lang="en-US" dirty="0" smtClean="0"/>
+              <a:rPr lang="en-US" dirty="0"/>
               <a:t>Third level</a:t>
             </a:r>
           </a:p>
           <a:p>
             <a:pPr lvl="3"/>
             <a:r>
-              <a:rPr lang="en-US" dirty="0" smtClean="0"/>
+              <a:rPr lang="en-US" dirty="0"/>
               <a:t>Fourth level</a:t>
             </a:r>
           </a:p>
           <a:p>
             <a:pPr lvl="4"/>
             <a:r>
-              <a:rPr lang="en-US" dirty="0" smtClean="0"/>
+              <a:rPr lang="en-US" dirty="0"/>
               <a:t>Fifth level</a:t>
             </a:r>
-            <a:endParaRPr lang="en-US" dirty="0"/>
           </a:p>
         </p:txBody>
       </p:sp>
@@ -2406,7 +2372,7 @@
           <a:p>
             <a:fld id="{29517BA8-26BA-4B7C-A41A-804B81F83A36}" type="datetime1">
               <a:rPr lang="en-US" smtClean="0"/>
-              <a:t>8/3/2015</a:t>
+              <a:t>7/25/2016</a:t>
             </a:fld>
             <a:endParaRPr lang="en-US"/>
           </a:p>
@@ -2473,13 +2439,6 @@
   <p:clrMapOvr>
     <a:masterClrMapping/>
   </p:clrMapOvr>
-  <p:timing>
-    <p:tnLst>
-      <p:par>
-        <p:cTn id="1" dur="indefinite" restart="never" nodeType="tmRoot"/>
-      </p:par>
-    </p:tnLst>
-  </p:timing>
 </p:sldLayout>
 </file>
 
@@ -2525,10 +2484,9 @@
           </a:lstStyle>
           <a:p>
             <a:r>
-              <a:rPr lang="en-US" smtClean="0"/>
+              <a:rPr lang="en-US"/>
               <a:t>Click to edit Master title style</a:t>
             </a:r>
-            <a:endParaRPr lang="en-US"/>
           </a:p>
         </p:txBody>
       </p:sp>
@@ -2645,7 +2603,7 @@
           <a:p>
             <a:pPr lvl="0"/>
             <a:r>
-              <a:rPr lang="en-US" smtClean="0"/>
+              <a:rPr lang="en-US"/>
               <a:t>Click to edit Master text styles</a:t>
             </a:r>
           </a:p>
@@ -2676,7 +2634,7 @@
           <a:p>
             <a:fld id="{E54FABC5-F62F-49DD-A24E-5C2CE15A3D87}" type="datetime1">
               <a:rPr lang="en-US" smtClean="0"/>
-              <a:t>8/3/2015</a:t>
+              <a:t>7/25/2016</a:t>
             </a:fld>
             <a:endParaRPr lang="en-US"/>
           </a:p>
@@ -2743,13 +2701,6 @@
   <p:clrMapOvr>
     <a:masterClrMapping/>
   </p:clrMapOvr>
-  <p:timing>
-    <p:tnLst>
-      <p:par>
-        <p:cTn id="1" dur="indefinite" restart="never" nodeType="tmRoot"/>
-      </p:par>
-    </p:tnLst>
-  </p:timing>
 </p:sldLayout>
 </file>
 
@@ -2786,10 +2737,9 @@
           <a:lstStyle/>
           <a:p>
             <a:r>
-              <a:rPr lang="en-US" smtClean="0"/>
+              <a:rPr lang="en-US"/>
               <a:t>Click to edit Master title style</a:t>
             </a:r>
-            <a:endParaRPr lang="en-US"/>
           </a:p>
         </p:txBody>
       </p:sp>
@@ -2843,38 +2793,37 @@
           <a:p>
             <a:pPr lvl="0"/>
             <a:r>
-              <a:rPr lang="en-US" smtClean="0"/>
+              <a:rPr lang="en-US"/>
               <a:t>Click to edit Master text styles</a:t>
             </a:r>
           </a:p>
           <a:p>
             <a:pPr lvl="1"/>
             <a:r>
-              <a:rPr lang="en-US" smtClean="0"/>
+              <a:rPr lang="en-US"/>
               <a:t>Second level</a:t>
             </a:r>
           </a:p>
           <a:p>
             <a:pPr lvl="2"/>
             <a:r>
-              <a:rPr lang="en-US" smtClean="0"/>
+              <a:rPr lang="en-US"/>
               <a:t>Third level</a:t>
             </a:r>
           </a:p>
           <a:p>
             <a:pPr lvl="3"/>
             <a:r>
-              <a:rPr lang="en-US" smtClean="0"/>
+              <a:rPr lang="en-US"/>
               <a:t>Fourth level</a:t>
             </a:r>
           </a:p>
           <a:p>
             <a:pPr lvl="4"/>
             <a:r>
-              <a:rPr lang="en-US" smtClean="0"/>
+              <a:rPr lang="en-US"/>
               <a:t>Fifth level</a:t>
             </a:r>
-            <a:endParaRPr lang="en-US"/>
           </a:p>
         </p:txBody>
       </p:sp>
@@ -2928,38 +2877,37 @@
           <a:p>
             <a:pPr lvl="0"/>
             <a:r>
-              <a:rPr lang="en-US" smtClean="0"/>
+              <a:rPr lang="en-US"/>
               <a:t>Click to edit Master text styles</a:t>
             </a:r>
           </a:p>
           <a:p>
             <a:pPr lvl="1"/>
             <a:r>
-              <a:rPr lang="en-US" smtClean="0"/>
+              <a:rPr lang="en-US"/>
               <a:t>Second level</a:t>
             </a:r>
           </a:p>
           <a:p>
             <a:pPr lvl="2"/>
             <a:r>
-              <a:rPr lang="en-US" smtClean="0"/>
+              <a:rPr lang="en-US"/>
               <a:t>Third level</a:t>
             </a:r>
           </a:p>
           <a:p>
             <a:pPr lvl="3"/>
             <a:r>
-              <a:rPr lang="en-US" smtClean="0"/>
+              <a:rPr lang="en-US"/>
               <a:t>Fourth level</a:t>
             </a:r>
           </a:p>
           <a:p>
             <a:pPr lvl="4"/>
             <a:r>
-              <a:rPr lang="en-US" smtClean="0"/>
+              <a:rPr lang="en-US"/>
               <a:t>Fifth level</a:t>
             </a:r>
-            <a:endParaRPr lang="en-US"/>
           </a:p>
         </p:txBody>
       </p:sp>
@@ -2988,7 +2936,7 @@
           <a:p>
             <a:fld id="{510AAC56-4986-4B63-9F74-D47EE64ADD9E}" type="datetime1">
               <a:rPr lang="en-US" smtClean="0"/>
-              <a:t>8/3/2015</a:t>
+              <a:t>7/25/2016</a:t>
             </a:fld>
             <a:endParaRPr lang="en-US"/>
           </a:p>
@@ -3055,13 +3003,6 @@
   <p:clrMapOvr>
     <a:masterClrMapping/>
   </p:clrMapOvr>
-  <p:timing>
-    <p:tnLst>
-      <p:par>
-        <p:cTn id="1" dur="indefinite" restart="never" nodeType="tmRoot"/>
-      </p:par>
-    </p:tnLst>
-  </p:timing>
 </p:sldLayout>
 </file>
 
@@ -3102,10 +3043,9 @@
           </a:lstStyle>
           <a:p>
             <a:r>
-              <a:rPr lang="en-US" smtClean="0"/>
+              <a:rPr lang="en-US"/>
               <a:t>Click to edit Master title style</a:t>
             </a:r>
-            <a:endParaRPr lang="en-US"/>
           </a:p>
         </p:txBody>
       </p:sp>
@@ -3168,7 +3108,7 @@
           <a:p>
             <a:pPr lvl="0"/>
             <a:r>
-              <a:rPr lang="en-US" smtClean="0"/>
+              <a:rPr lang="en-US"/>
               <a:t>Click to edit Master text styles</a:t>
             </a:r>
           </a:p>
@@ -3224,38 +3164,37 @@
           <a:p>
             <a:pPr lvl="0"/>
             <a:r>
-              <a:rPr lang="en-US" smtClean="0"/>
+              <a:rPr lang="en-US"/>
               <a:t>Click to edit Master text styles</a:t>
             </a:r>
           </a:p>
           <a:p>
             <a:pPr lvl="1"/>
             <a:r>
-              <a:rPr lang="en-US" smtClean="0"/>
+              <a:rPr lang="en-US"/>
               <a:t>Second level</a:t>
             </a:r>
           </a:p>
           <a:p>
             <a:pPr lvl="2"/>
             <a:r>
-              <a:rPr lang="en-US" smtClean="0"/>
+              <a:rPr lang="en-US"/>
               <a:t>Third level</a:t>
             </a:r>
           </a:p>
           <a:p>
             <a:pPr lvl="3"/>
             <a:r>
-              <a:rPr lang="en-US" smtClean="0"/>
+              <a:rPr lang="en-US"/>
               <a:t>Fourth level</a:t>
             </a:r>
           </a:p>
           <a:p>
             <a:pPr lvl="4"/>
             <a:r>
-              <a:rPr lang="en-US" smtClean="0"/>
+              <a:rPr lang="en-US"/>
               <a:t>Fifth level</a:t>
             </a:r>
-            <a:endParaRPr lang="en-US"/>
           </a:p>
         </p:txBody>
       </p:sp>
@@ -3318,7 +3257,7 @@
           <a:p>
             <a:pPr lvl="0"/>
             <a:r>
-              <a:rPr lang="en-US" smtClean="0"/>
+              <a:rPr lang="en-US"/>
               <a:t>Click to edit Master text styles</a:t>
             </a:r>
           </a:p>
@@ -3374,38 +3313,37 @@
           <a:p>
             <a:pPr lvl="0"/>
             <a:r>
-              <a:rPr lang="en-US" smtClean="0"/>
+              <a:rPr lang="en-US"/>
               <a:t>Click to edit Master text styles</a:t>
             </a:r>
           </a:p>
           <a:p>
             <a:pPr lvl="1"/>
             <a:r>
-              <a:rPr lang="en-US" smtClean="0"/>
+              <a:rPr lang="en-US"/>
               <a:t>Second level</a:t>
             </a:r>
           </a:p>
           <a:p>
             <a:pPr lvl="2"/>
             <a:r>
-              <a:rPr lang="en-US" smtClean="0"/>
+              <a:rPr lang="en-US"/>
               <a:t>Third level</a:t>
             </a:r>
           </a:p>
           <a:p>
             <a:pPr lvl="3"/>
             <a:r>
-              <a:rPr lang="en-US" smtClean="0"/>
+              <a:rPr lang="en-US"/>
               <a:t>Fourth level</a:t>
             </a:r>
           </a:p>
           <a:p>
             <a:pPr lvl="4"/>
             <a:r>
-              <a:rPr lang="en-US" smtClean="0"/>
+              <a:rPr lang="en-US"/>
               <a:t>Fifth level</a:t>
             </a:r>
-            <a:endParaRPr lang="en-US"/>
           </a:p>
         </p:txBody>
       </p:sp>
@@ -3434,7 +3372,7 @@
           <a:p>
             <a:fld id="{FCC14660-E407-48B8-9CF0-DD79C3F69AD0}" type="datetime1">
               <a:rPr lang="en-US" smtClean="0"/>
-              <a:t>8/3/2015</a:t>
+              <a:t>7/25/2016</a:t>
             </a:fld>
             <a:endParaRPr lang="en-US"/>
           </a:p>
@@ -3501,13 +3439,6 @@
   <p:clrMapOvr>
     <a:masterClrMapping/>
   </p:clrMapOvr>
-  <p:timing>
-    <p:tnLst>
-      <p:par>
-        <p:cTn id="1" dur="indefinite" restart="never" nodeType="tmRoot"/>
-      </p:par>
-    </p:tnLst>
-  </p:timing>
 </p:sldLayout>
 </file>
 
@@ -3544,10 +3475,9 @@
           <a:lstStyle/>
           <a:p>
             <a:r>
-              <a:rPr lang="en-US" smtClean="0"/>
+              <a:rPr lang="en-US"/>
               <a:t>Click to edit Master title style</a:t>
             </a:r>
-            <a:endParaRPr lang="en-US"/>
           </a:p>
         </p:txBody>
       </p:sp>
@@ -3576,7 +3506,7 @@
           <a:p>
             <a:fld id="{9B0DE907-AEDA-4EE9-869A-B21DA6DC498D}" type="datetime1">
               <a:rPr lang="en-US" smtClean="0"/>
-              <a:t>8/3/2015</a:t>
+              <a:t>7/25/2016</a:t>
             </a:fld>
             <a:endParaRPr lang="en-US"/>
           </a:p>
@@ -3688,7 +3618,7 @@
           <a:p>
             <a:fld id="{38C540BA-3DB2-4124-8990-4661E7113E01}" type="datetime1">
               <a:rPr lang="en-US" smtClean="0"/>
-              <a:t>8/3/2015</a:t>
+              <a:t>7/25/2016</a:t>
             </a:fld>
             <a:endParaRPr lang="en-US"/>
           </a:p>
@@ -3800,10 +3730,9 @@
           </a:lstStyle>
           <a:p>
             <a:r>
-              <a:rPr lang="en-US" smtClean="0"/>
+              <a:rPr lang="en-US"/>
               <a:t>Click to edit Master title style</a:t>
             </a:r>
-            <a:endParaRPr lang="en-US"/>
           </a:p>
         </p:txBody>
       </p:sp>
@@ -3857,38 +3786,37 @@
           <a:p>
             <a:pPr lvl="0"/>
             <a:r>
-              <a:rPr lang="en-US" smtClean="0"/>
+              <a:rPr lang="en-US"/>
               <a:t>Click to edit Master text styles</a:t>
             </a:r>
           </a:p>
           <a:p>
             <a:pPr lvl="1"/>
             <a:r>
-              <a:rPr lang="en-US" smtClean="0"/>
+              <a:rPr lang="en-US"/>
               <a:t>Second level</a:t>
             </a:r>
           </a:p>
           <a:p>
             <a:pPr lvl="2"/>
             <a:r>
-              <a:rPr lang="en-US" smtClean="0"/>
+              <a:rPr lang="en-US"/>
               <a:t>Third level</a:t>
             </a:r>
           </a:p>
           <a:p>
             <a:pPr lvl="3"/>
             <a:r>
-              <a:rPr lang="en-US" smtClean="0"/>
+              <a:rPr lang="en-US"/>
               <a:t>Fourth level</a:t>
             </a:r>
           </a:p>
           <a:p>
             <a:pPr lvl="4"/>
             <a:r>
-              <a:rPr lang="en-US" smtClean="0"/>
+              <a:rPr lang="en-US"/>
               <a:t>Fifth level</a:t>
             </a:r>
-            <a:endParaRPr lang="en-US"/>
           </a:p>
         </p:txBody>
       </p:sp>
@@ -3951,7 +3879,7 @@
           <a:p>
             <a:pPr lvl="0"/>
             <a:r>
-              <a:rPr lang="en-US" smtClean="0"/>
+              <a:rPr lang="en-US"/>
               <a:t>Click to edit Master text styles</a:t>
             </a:r>
           </a:p>
@@ -3982,7 +3910,7 @@
           <a:p>
             <a:fld id="{90F6EF63-9AC7-45BB-B551-A0640428FFFB}" type="datetime1">
               <a:rPr lang="en-US" smtClean="0"/>
-              <a:t>8/3/2015</a:t>
+              <a:t>7/25/2016</a:t>
             </a:fld>
             <a:endParaRPr lang="en-US"/>
           </a:p>
@@ -4100,10 +4028,9 @@
           <a:lstStyle/>
           <a:p>
             <a:r>
-              <a:rPr lang="en-US" smtClean="0"/>
+              <a:rPr lang="en-US"/>
               <a:t>Click to edit Master title style</a:t>
             </a:r>
-            <a:endParaRPr lang="en-US"/>
           </a:p>
         </p:txBody>
       </p:sp>
@@ -4134,38 +4061,37 @@
           <a:p>
             <a:pPr lvl="0"/>
             <a:r>
-              <a:rPr lang="en-US" smtClean="0"/>
+              <a:rPr lang="en-US"/>
               <a:t>Click to edit Master text styles</a:t>
             </a:r>
           </a:p>
           <a:p>
             <a:pPr lvl="1"/>
             <a:r>
-              <a:rPr lang="en-US" smtClean="0"/>
+              <a:rPr lang="en-US"/>
               <a:t>Second level</a:t>
             </a:r>
           </a:p>
           <a:p>
             <a:pPr lvl="2"/>
             <a:r>
-              <a:rPr lang="en-US" smtClean="0"/>
+              <a:rPr lang="en-US"/>
               <a:t>Third level</a:t>
             </a:r>
           </a:p>
           <a:p>
             <a:pPr lvl="3"/>
             <a:r>
-              <a:rPr lang="en-US" smtClean="0"/>
+              <a:rPr lang="en-US"/>
               <a:t>Fourth level</a:t>
             </a:r>
           </a:p>
           <a:p>
             <a:pPr lvl="4"/>
             <a:r>
-              <a:rPr lang="en-US" smtClean="0"/>
+              <a:rPr lang="en-US"/>
               <a:t>Fifth level</a:t>
             </a:r>
-            <a:endParaRPr lang="en-US"/>
           </a:p>
         </p:txBody>
       </p:sp>
@@ -4233,13 +4159,6 @@
     <p:sldLayoutId id="2147483658" r:id="rId11"/>
     <p:sldLayoutId id="2147483659" r:id="rId12"/>
   </p:sldLayoutIdLst>
-  <p:timing>
-    <p:tnLst>
-      <p:par>
-        <p:cTn id="1" dur="indefinite" restart="never" nodeType="tmRoot"/>
-      </p:par>
-    </p:tnLst>
-  </p:timing>
   <p:hf hdr="0" ftr="0" dt="0"/>
   <p:txStyles>
     <p:titleStyle>
@@ -4521,18 +4440,23 @@
             <p:ph type="ctrTitle"/>
           </p:nvPr>
         </p:nvSpPr>
-        <p:spPr/>
-        <p:txBody>
-          <a:bodyPr>
+        <p:spPr>
+          <a:ln w="28575">
+            <a:solidFill>
+              <a:schemeClr val="accent1"/>
+            </a:solidFill>
+          </a:ln>
+        </p:spPr>
+        <p:txBody>
+          <a:bodyPr vert="horz" lIns="91440" tIns="45720" rIns="91440" bIns="45720" rtlCol="0" anchor="ctr">
             <a:normAutofit/>
           </a:bodyPr>
           <a:lstStyle/>
           <a:p>
             <a:r>
-              <a:rPr lang="en-US" dirty="0" smtClean="0"/>
+              <a:rPr lang="en-US" dirty="0"/>
               <a:t>The Data Design Recipe</a:t>
             </a:r>
-            <a:endParaRPr lang="en-US" dirty="0"/>
           </a:p>
         </p:txBody>
       </p:sp>
@@ -4567,13 +4491,8 @@
           <a:p>
             <a:r>
               <a:rPr lang="en-US" dirty="0"/>
-              <a:t>Lesson </a:t>
-            </a:r>
-            <a:r>
-              <a:rPr lang="en-US" dirty="0" smtClean="0"/>
-              <a:t>1.3</a:t>
-            </a:r>
-            <a:endParaRPr lang="en-US" dirty="0"/>
+              <a:t>Lesson 1.3</a:t>
+            </a:r>
           </a:p>
           <a:p>
             <a:endParaRPr lang="en-US" dirty="0"/>
@@ -4672,27 +4591,13 @@
             <a:p>
               <a:r>
                 <a:rPr lang="en-US" sz="1000" dirty="0"/>
-                <a:t>© Mitchell Wand, </a:t>
-              </a:r>
-              <a:r>
-                <a:rPr lang="en-US" sz="1000" dirty="0" smtClean="0"/>
-                <a:t>2012-2014</a:t>
+                <a:t>© Mitchell Wand, 2012-2014</a:t>
               </a:r>
             </a:p>
             <a:p>
               <a:r>
-                <a:rPr lang="en-US" sz="1000" dirty="0" smtClean="0"/>
+                <a:rPr lang="en-US" sz="1000" dirty="0"/>
                 <a:t>This work is licensed under a </a:t>
-              </a:r>
-              <a:r>
-                <a:rPr lang="en-US" altLang="en-US" sz="1000" dirty="0" smtClean="0">
-                  <a:solidFill>
-                    <a:srgbClr val="4374B7"/>
-                  </a:solidFill>
-                  <a:latin typeface="Helvetica Neue"/>
-                  <a:hlinkClick r:id="rId4"/>
-                </a:rPr>
-                <a:t>Creative </a:t>
               </a:r>
               <a:r>
                 <a:rPr lang="en-US" altLang="en-US" sz="1000" dirty="0">
@@ -4702,7 +4607,7 @@
                   <a:latin typeface="Helvetica Neue"/>
                   <a:hlinkClick r:id="rId4"/>
                 </a:rPr>
-                <a:t>Commons Attribution-</a:t>
+                <a:t>Creative Commons Attribution-</a:t>
               </a:r>
               <a:r>
                 <a:rPr lang="en-US" altLang="en-US" sz="1000" dirty="0" err="1">
@@ -4725,10 +4630,9 @@
                 <a:t> 4.0 International License</a:t>
               </a:r>
               <a:r>
-                <a:rPr lang="en-US" sz="1000" dirty="0" smtClean="0"/>
+                <a:rPr lang="en-US" sz="1000" dirty="0"/>
                 <a:t>.</a:t>
               </a:r>
-              <a:endParaRPr lang="en-US" sz="1000" dirty="0"/>
             </a:p>
           </p:txBody>
         </p:sp>
@@ -4743,13 +4647,6 @@
   <p:clrMapOvr>
     <a:masterClrMapping/>
   </p:clrMapOvr>
-  <p:timing>
-    <p:tnLst>
-      <p:par>
-        <p:cTn id="1" dur="indefinite" restart="never" nodeType="tmRoot"/>
-      </p:par>
-    </p:tnLst>
-  </p:timing>
 </p:sld>
 </file>
 
@@ -4788,10 +4685,9 @@
           <a:lstStyle/>
           <a:p>
             <a:r>
-              <a:rPr lang="en-US" dirty="0" smtClean="0"/>
+              <a:rPr lang="en-US" dirty="0"/>
               <a:t>Remember our example of mixed data</a:t>
             </a:r>
-            <a:endParaRPr lang="en-US" dirty="0"/>
           </a:p>
         </p:txBody>
       </p:sp>
@@ -4816,81 +4712,30 @@
               <a:buNone/>
             </a:pPr>
             <a:r>
-              <a:rPr lang="en-US" dirty="0" smtClean="0"/>
-              <a:t>In </a:t>
-            </a:r>
-            <a:r>
               <a:rPr lang="en-US" dirty="0"/>
-              <a:t>a wine bar, an order may be one of three things: a cup of coffee, a glass of wine, or a cup of tea. </a:t>
-            </a:r>
-            <a:endParaRPr lang="en-US" dirty="0" smtClean="0"/>
+              <a:t>In a wine bar, an order may be one of three things: a cup of coffee, a glass of wine, or a cup of tea. </a:t>
+            </a:r>
           </a:p>
           <a:p>
             <a:pPr lvl="1"/>
             <a:r>
-              <a:rPr lang="en-US" dirty="0" smtClean="0"/>
-              <a:t>For </a:t>
-            </a:r>
-            <a:r>
               <a:rPr lang="en-US" dirty="0"/>
-              <a:t>the coffee, we </a:t>
-            </a:r>
-            <a:r>
-              <a:rPr lang="en-US" dirty="0" smtClean="0"/>
-              <a:t>need </a:t>
-            </a:r>
+              <a:t>For the coffee, we need to specify the size (small, medium, or large) and type (this is a fancy bar, so it carries many types of coffee).  Also whether or not it should be served with milk.</a:t>
+            </a:r>
+          </a:p>
+          <a:p>
+            <a:pPr lvl="1"/>
             <a:r>
               <a:rPr lang="en-US" dirty="0"/>
-              <a:t>to specify the size </a:t>
-            </a:r>
-            <a:r>
-              <a:rPr lang="en-US" dirty="0" smtClean="0"/>
-              <a:t>(small, medium, or large) and type (this is a fancy bar, so it carries many types of coffee).  Also whether or not it should be served with milk.</a:t>
+              <a:t>For the wine, we need to specify which vineyard and which year.  </a:t>
             </a:r>
           </a:p>
           <a:p>
             <a:pPr lvl="1"/>
             <a:r>
-              <a:rPr lang="en-US" dirty="0" smtClean="0"/>
-              <a:t>For </a:t>
-            </a:r>
-            <a:r>
               <a:rPr lang="en-US" dirty="0"/>
-              <a:t>the wine, we </a:t>
-            </a:r>
-            <a:r>
-              <a:rPr lang="en-US" dirty="0" smtClean="0"/>
-              <a:t>need </a:t>
-            </a:r>
-            <a:r>
-              <a:rPr lang="en-US" dirty="0"/>
-              <a:t>to specify which vineyard and which year.  </a:t>
-            </a:r>
-            <a:endParaRPr lang="en-US" dirty="0" smtClean="0"/>
-          </a:p>
-          <a:p>
-            <a:pPr lvl="1"/>
-            <a:r>
-              <a:rPr lang="en-US" dirty="0" smtClean="0"/>
-              <a:t>For </a:t>
-            </a:r>
-            <a:r>
-              <a:rPr lang="en-US" dirty="0"/>
-              <a:t>tea, we </a:t>
-            </a:r>
-            <a:r>
-              <a:rPr lang="en-US" dirty="0" smtClean="0"/>
-              <a:t>need the size of the cup and the type of tea </a:t>
-            </a:r>
-            <a:r>
-              <a:rPr lang="en-US" dirty="0"/>
-              <a:t>(this is a fancy bar, so it carries many types of </a:t>
-            </a:r>
-            <a:r>
-              <a:rPr lang="en-US" dirty="0" smtClean="0"/>
-              <a:t>tea).</a:t>
-            </a:r>
-            <a:endParaRPr lang="en-US" dirty="0"/>
+              <a:t>For tea, we need the size of the cup and the type of tea (this is a fancy bar, so it carries many types of tea).</a:t>
+            </a:r>
           </a:p>
           <a:p>
             <a:endParaRPr lang="en-US" dirty="0"/>
@@ -4934,13 +4779,6 @@
   <p:clrMapOvr>
     <a:masterClrMapping/>
   </p:clrMapOvr>
-  <p:timing>
-    <p:tnLst>
-      <p:par>
-        <p:cTn id="1" dur="indefinite" restart="never" nodeType="tmRoot"/>
-      </p:par>
-    </p:tnLst>
-  </p:timing>
 </p:sld>
 </file>
 
@@ -4977,10 +4815,9 @@
           <a:lstStyle/>
           <a:p>
             <a:r>
-              <a:rPr lang="en-US" dirty="0" smtClean="0"/>
+              <a:rPr lang="en-US" dirty="0"/>
               <a:t>Recipe for a constructor template</a:t>
             </a:r>
-            <a:endParaRPr lang="en-US" dirty="0"/>
           </a:p>
         </p:txBody>
       </p:sp>
@@ -5000,34 +4837,29 @@
           <a:lstStyle/>
           <a:p>
             <a:r>
-              <a:rPr lang="en-US" dirty="0" smtClean="0"/>
-              <a:t>Write down </a:t>
-            </a:r>
-            <a:r>
-              <a:rPr lang="en-US" dirty="0" smtClean="0"/>
-              <a:t>one </a:t>
-            </a:r>
-            <a:r>
-              <a:rPr lang="en-US" b="1" dirty="0" err="1" smtClean="0"/>
+              <a:rPr lang="en-US" dirty="0"/>
+              <a:t>Write down one </a:t>
+            </a:r>
+            <a:r>
+              <a:rPr lang="en-US" b="1" dirty="0" err="1"/>
               <a:t>struct</a:t>
             </a:r>
             <a:r>
-              <a:rPr lang="en-US" dirty="0" smtClean="0"/>
+              <a:rPr lang="en-US" dirty="0"/>
               <a:t> definition for each alternative.</a:t>
             </a:r>
           </a:p>
           <a:p>
             <a:r>
-              <a:rPr lang="en-US" dirty="0" smtClean="0"/>
+              <a:rPr lang="en-US" dirty="0"/>
               <a:t>Then write down the constructor template showing the type of each field.</a:t>
             </a:r>
           </a:p>
           <a:p>
             <a:r>
-              <a:rPr lang="en-US" dirty="0" smtClean="0"/>
+              <a:rPr lang="en-US" dirty="0"/>
               <a:t>Example:</a:t>
             </a:r>
-            <a:endParaRPr lang="en-US" dirty="0"/>
           </a:p>
         </p:txBody>
       </p:sp>
@@ -5065,13 +4897,6 @@
   <p:clrMapOvr>
     <a:masterClrMapping/>
   </p:clrMapOvr>
-  <p:timing>
-    <p:tnLst>
-      <p:par>
-        <p:cTn id="1" dur="indefinite" restart="never" nodeType="tmRoot"/>
-      </p:par>
-    </p:tnLst>
-  </p:timing>
 </p:sld>
 </file>
 
@@ -5110,14 +4935,13 @@
           <a:lstStyle/>
           <a:p>
             <a:r>
-              <a:rPr lang="en-US" sz="4000" dirty="0" err="1" smtClean="0"/>
+              <a:rPr lang="en-US" sz="4000" dirty="0" err="1"/>
               <a:t>Struct</a:t>
             </a:r>
             <a:r>
-              <a:rPr lang="en-US" sz="4000" dirty="0" smtClean="0"/>
+              <a:rPr lang="en-US" sz="4000" dirty="0"/>
               <a:t> definitions and constructor template for mixed data: example</a:t>
             </a:r>
-            <a:endParaRPr lang="en-US" sz="4000" dirty="0"/>
           </a:p>
         </p:txBody>
       </p:sp>
@@ -5141,33 +4965,12 @@
             <a:pPr>
               <a:buNone/>
             </a:pPr>
-            <a:r>
-              <a:rPr lang="en-US" sz="2400" b="1" dirty="0" smtClean="0">
-                <a:latin typeface="Consolas" pitchFamily="49" charset="0"/>
-                <a:cs typeface="Consolas" pitchFamily="49" charset="0"/>
-              </a:rPr>
-              <a:t>(</a:t>
-            </a:r>
             <a:r>
               <a:rPr lang="en-US" sz="2400" b="1" dirty="0">
                 <a:latin typeface="Consolas" pitchFamily="49" charset="0"/>
                 <a:cs typeface="Consolas" pitchFamily="49" charset="0"/>
               </a:rPr>
-              <a:t>define-struct </a:t>
-            </a:r>
-            <a:r>
-              <a:rPr lang="en-US" sz="2400" b="1" dirty="0" smtClean="0">
-                <a:latin typeface="Consolas" pitchFamily="49" charset="0"/>
-                <a:cs typeface="Consolas" pitchFamily="49" charset="0"/>
-              </a:rPr>
-              <a:t>coffee (size </a:t>
-            </a:r>
-            <a:r>
-              <a:rPr lang="en-US" sz="2400" b="1" dirty="0">
-                <a:latin typeface="Consolas" pitchFamily="49" charset="0"/>
-                <a:cs typeface="Consolas" pitchFamily="49" charset="0"/>
-              </a:rPr>
-              <a:t>type milk?))</a:t>
+              <a:t>(define-struct coffee (size type milk?))</a:t>
             </a:r>
           </a:p>
           <a:p>
@@ -5238,71 +5041,32 @@
                 <a:latin typeface="Consolas" pitchFamily="49" charset="0"/>
                 <a:cs typeface="Consolas" pitchFamily="49" charset="0"/>
               </a:rPr>
-              <a:t>;; -- (make-coffee Size </a:t>
-            </a:r>
-            <a:r>
-              <a:rPr lang="en-US" sz="2400" b="1" dirty="0" smtClean="0">
-                <a:latin typeface="Consolas" pitchFamily="49" charset="0"/>
-                <a:cs typeface="Consolas" pitchFamily="49" charset="0"/>
-              </a:rPr>
-              <a:t>Type </a:t>
-            </a:r>
+              <a:t>;; -- (make-coffee Size Type Boolean)</a:t>
+            </a:r>
+          </a:p>
+          <a:p>
+            <a:pPr>
+              <a:buNone/>
+            </a:pPr>
             <a:r>
               <a:rPr lang="en-US" sz="2400" b="1" dirty="0">
                 <a:latin typeface="Consolas" pitchFamily="49" charset="0"/>
                 <a:cs typeface="Consolas" pitchFamily="49" charset="0"/>
               </a:rPr>
-              <a:t>Boolean)</a:t>
+              <a:t>;; -- (make-wine Vineyard Year)</a:t>
             </a:r>
           </a:p>
           <a:p>
             <a:pPr>
               <a:buNone/>
             </a:pPr>
-            <a:r>
-              <a:rPr lang="en-US" sz="2400" b="1" dirty="0" smtClean="0">
-                <a:latin typeface="Consolas" pitchFamily="49" charset="0"/>
-                <a:cs typeface="Consolas" pitchFamily="49" charset="0"/>
-              </a:rPr>
-              <a:t>;; </a:t>
-            </a:r>
             <a:r>
               <a:rPr lang="en-US" sz="2400" b="1" dirty="0">
                 <a:latin typeface="Consolas" pitchFamily="49" charset="0"/>
                 <a:cs typeface="Consolas" pitchFamily="49" charset="0"/>
               </a:rPr>
-              <a:t>-- (make-wine Vineyard Year)</a:t>
-            </a:r>
-          </a:p>
-          <a:p>
-            <a:pPr>
-              <a:buNone/>
-            </a:pPr>
-            <a:r>
-              <a:rPr lang="en-US" sz="2400" b="1" dirty="0" smtClean="0">
-                <a:latin typeface="Consolas" pitchFamily="49" charset="0"/>
-                <a:cs typeface="Consolas" pitchFamily="49" charset="0"/>
-              </a:rPr>
-              <a:t>;; </a:t>
-            </a:r>
-            <a:r>
-              <a:rPr lang="en-US" sz="2400" b="1" dirty="0">
-                <a:latin typeface="Consolas" pitchFamily="49" charset="0"/>
-                <a:cs typeface="Consolas" pitchFamily="49" charset="0"/>
-              </a:rPr>
-              <a:t>-- (make-tea Size String</a:t>
-            </a:r>
-            <a:r>
-              <a:rPr lang="en-US" sz="2400" b="1" dirty="0" smtClean="0">
-                <a:latin typeface="Consolas" pitchFamily="49" charset="0"/>
-                <a:cs typeface="Consolas" pitchFamily="49" charset="0"/>
-              </a:rPr>
-              <a:t>)</a:t>
-            </a:r>
-            <a:endParaRPr lang="en-US" sz="2400" b="1" dirty="0">
-              <a:latin typeface="Consolas" pitchFamily="49" charset="0"/>
-              <a:cs typeface="Consolas" pitchFamily="49" charset="0"/>
-            </a:endParaRPr>
+              <a:t>;; -- (make-tea Size String)</a:t>
+            </a:r>
           </a:p>
         </p:txBody>
       </p:sp>
@@ -5346,10 +5110,9 @@
           <a:p>
             <a:pPr algn="l"/>
             <a:r>
-              <a:rPr lang="en-US" dirty="0" smtClean="0"/>
+              <a:rPr lang="en-US" dirty="0"/>
               <a:t> </a:t>
             </a:r>
-            <a:endParaRPr lang="en-US" dirty="0"/>
           </a:p>
         </p:txBody>
       </p:sp>
@@ -5404,7 +5167,7 @@
             <a:lstStyle/>
             <a:p>
               <a:r>
-                <a:rPr lang="en-US" dirty="0" smtClean="0"/>
+                <a:rPr lang="en-US" dirty="0"/>
                 <a:t>The structure definitions</a:t>
               </a:r>
             </a:p>
@@ -5497,7 +5260,7 @@
             <a:lstStyle/>
             <a:p>
               <a:r>
-                <a:rPr lang="en-US" dirty="0" smtClean="0"/>
+                <a:rPr lang="en-US" dirty="0"/>
                 <a:t>The constructor template</a:t>
               </a:r>
             </a:p>
@@ -5692,10 +5455,9 @@
           <a:lstStyle/>
           <a:p>
             <a:r>
-              <a:rPr lang="en-US" sz="4000" dirty="0" smtClean="0"/>
+              <a:rPr lang="en-US" sz="4000" dirty="0"/>
               <a:t>The constructor template in more detail</a:t>
             </a:r>
-            <a:endParaRPr lang="en-US" sz="4000" dirty="0"/>
           </a:p>
         </p:txBody>
       </p:sp>
@@ -5759,71 +5521,32 @@
                 <a:latin typeface="Consolas" pitchFamily="49" charset="0"/>
                 <a:cs typeface="Consolas" pitchFamily="49" charset="0"/>
               </a:rPr>
-              <a:t>;; -- (make-coffee Size </a:t>
-            </a:r>
-            <a:r>
-              <a:rPr lang="en-US" sz="2400" b="1" dirty="0" smtClean="0">
-                <a:latin typeface="Consolas" pitchFamily="49" charset="0"/>
-                <a:cs typeface="Consolas" pitchFamily="49" charset="0"/>
-              </a:rPr>
-              <a:t>Type </a:t>
-            </a:r>
+              <a:t>;; -- (make-coffee Size Type Boolean)</a:t>
+            </a:r>
+          </a:p>
+          <a:p>
+            <a:pPr>
+              <a:buNone/>
+            </a:pPr>
             <a:r>
               <a:rPr lang="en-US" sz="2400" b="1" dirty="0">
                 <a:latin typeface="Consolas" pitchFamily="49" charset="0"/>
                 <a:cs typeface="Consolas" pitchFamily="49" charset="0"/>
               </a:rPr>
-              <a:t>Boolean)</a:t>
+              <a:t>;; -- (make-wine Vineyard Year)</a:t>
             </a:r>
           </a:p>
           <a:p>
             <a:pPr>
               <a:buNone/>
             </a:pPr>
-            <a:r>
-              <a:rPr lang="en-US" sz="2400" b="1" dirty="0" smtClean="0">
-                <a:latin typeface="Consolas" pitchFamily="49" charset="0"/>
-                <a:cs typeface="Consolas" pitchFamily="49" charset="0"/>
-              </a:rPr>
-              <a:t>;; </a:t>
-            </a:r>
             <a:r>
               <a:rPr lang="en-US" sz="2400" b="1" dirty="0">
                 <a:latin typeface="Consolas" pitchFamily="49" charset="0"/>
                 <a:cs typeface="Consolas" pitchFamily="49" charset="0"/>
               </a:rPr>
-              <a:t>-- (make-wine Vineyard Year)</a:t>
-            </a:r>
-          </a:p>
-          <a:p>
-            <a:pPr>
-              <a:buNone/>
-            </a:pPr>
-            <a:r>
-              <a:rPr lang="en-US" sz="2400" b="1" dirty="0" smtClean="0">
-                <a:latin typeface="Consolas" pitchFamily="49" charset="0"/>
-                <a:cs typeface="Consolas" pitchFamily="49" charset="0"/>
-              </a:rPr>
-              <a:t>;; </a:t>
-            </a:r>
-            <a:r>
-              <a:rPr lang="en-US" sz="2400" b="1" dirty="0">
-                <a:latin typeface="Consolas" pitchFamily="49" charset="0"/>
-                <a:cs typeface="Consolas" pitchFamily="49" charset="0"/>
-              </a:rPr>
-              <a:t>-- (make-tea Size String</a:t>
-            </a:r>
-            <a:r>
-              <a:rPr lang="en-US" sz="2400" b="1" dirty="0" smtClean="0">
-                <a:latin typeface="Consolas" pitchFamily="49" charset="0"/>
-                <a:cs typeface="Consolas" pitchFamily="49" charset="0"/>
-              </a:rPr>
-              <a:t>)</a:t>
-            </a:r>
-            <a:endParaRPr lang="en-US" sz="2400" b="1" dirty="0">
-              <a:latin typeface="Consolas" pitchFamily="49" charset="0"/>
-              <a:cs typeface="Consolas" pitchFamily="49" charset="0"/>
-            </a:endParaRPr>
+              <a:t>;; -- (make-tea Size String)</a:t>
+            </a:r>
           </a:p>
         </p:txBody>
       </p:sp>
@@ -5867,10 +5590,9 @@
           <a:p>
             <a:pPr algn="l"/>
             <a:r>
-              <a:rPr lang="en-US" dirty="0" smtClean="0"/>
+              <a:rPr lang="en-US" dirty="0"/>
               <a:t> </a:t>
             </a:r>
-            <a:endParaRPr lang="en-US" dirty="0"/>
           </a:p>
         </p:txBody>
       </p:sp>
@@ -6125,13 +5847,6 @@
   <p:clrMapOvr>
     <a:masterClrMapping/>
   </p:clrMapOvr>
-  <p:timing>
-    <p:tnLst>
-      <p:par>
-        <p:cTn id="1" dur="indefinite" restart="never" nodeType="tmRoot"/>
-      </p:par>
-    </p:tnLst>
-  </p:timing>
 </p:sld>
 </file>
 
@@ -6170,10 +5885,9 @@
           <a:lstStyle/>
           <a:p>
             <a:r>
-              <a:rPr lang="en-US" dirty="0" smtClean="0"/>
+              <a:rPr lang="en-US" dirty="0"/>
               <a:t>Example of a constructor template (compound data)</a:t>
             </a:r>
-            <a:endParaRPr lang="en-US" dirty="0"/>
           </a:p>
         </p:txBody>
       </p:sp>
@@ -6202,26 +5916,23 @@
               <a:buChar char="•"/>
             </a:pPr>
             <a:r>
-              <a:rPr lang="en-US" sz="2400" b="0" dirty="0" smtClean="0">
+              <a:rPr lang="en-US" sz="2400" b="0" dirty="0">
                 <a:latin typeface="+mn-lt"/>
               </a:rPr>
               <a:t>For compound data, there’s only one alternative, so you’d write one </a:t>
             </a:r>
             <a:r>
-              <a:rPr lang="en-US" sz="2400" b="0" dirty="0" err="1" smtClean="0">
+              <a:rPr lang="en-US" sz="2400" b="0" dirty="0" err="1">
                 <a:latin typeface="+mn-lt"/>
               </a:rPr>
               <a:t>struct</a:t>
             </a:r>
             <a:r>
-              <a:rPr lang="en-US" sz="2400" b="0" dirty="0" smtClean="0">
+              <a:rPr lang="en-US" sz="2400" b="0" dirty="0">
                 <a:latin typeface="+mn-lt"/>
               </a:rPr>
               <a:t> definition and have one line in the constructor template:</a:t>
             </a:r>
-            <a:endParaRPr lang="en-US" sz="2400" b="0" dirty="0" smtClean="0">
-              <a:latin typeface="+mn-lt"/>
-            </a:endParaRPr>
           </a:p>
           <a:p>
             <a:endParaRPr lang="en-US" sz="2400" dirty="0"/>
@@ -6241,52 +5952,43 @@
             </a:r>
           </a:p>
           <a:p>
-            <a:endParaRPr lang="en-US" sz="2400" dirty="0" smtClean="0"/>
-          </a:p>
-          <a:p>
-            <a:r>
-              <a:rPr lang="en-US" sz="2400" dirty="0" smtClean="0"/>
-              <a:t>;; </a:t>
-            </a:r>
+            <a:endParaRPr lang="en-US" sz="2400" dirty="0"/>
+          </a:p>
+          <a:p>
             <a:r>
               <a:rPr lang="en-US" sz="2400" dirty="0"/>
-              <a:t>A Book is a </a:t>
+              <a:t>;; A Book is a </a:t>
             </a:r>
           </a:p>
           <a:p>
             <a:r>
               <a:rPr lang="en-US" sz="2400" dirty="0"/>
-              <a:t>;;  (make-book </a:t>
-            </a:r>
-            <a:r>
-              <a:rPr lang="en-US" sz="2400" dirty="0" smtClean="0"/>
-              <a:t>String </a:t>
-            </a:r>
-            <a:r>
-              <a:rPr lang="en-US" sz="2400" dirty="0" err="1" smtClean="0"/>
+              <a:t>;;  (make-book String </a:t>
+            </a:r>
+            <a:r>
+              <a:rPr lang="en-US" sz="2400" dirty="0" err="1"/>
               <a:t>String</a:t>
             </a:r>
             <a:r>
-              <a:rPr lang="en-US" sz="2400" dirty="0" smtClean="0"/>
+              <a:rPr lang="en-US" sz="2400" dirty="0"/>
               <a:t> </a:t>
             </a:r>
             <a:r>
-              <a:rPr lang="en-US" sz="2400" dirty="0" err="1" smtClean="0"/>
+              <a:rPr lang="en-US" sz="2400" dirty="0" err="1"/>
               <a:t>NonNegInt</a:t>
             </a:r>
             <a:r>
-              <a:rPr lang="en-US" sz="2400" dirty="0" smtClean="0"/>
+              <a:rPr lang="en-US" sz="2400" dirty="0"/>
               <a:t> </a:t>
             </a:r>
             <a:r>
-              <a:rPr lang="en-US" sz="2400" dirty="0" err="1" smtClean="0"/>
+              <a:rPr lang="en-US" sz="2400" dirty="0" err="1"/>
               <a:t>NonNegInt</a:t>
             </a:r>
             <a:r>
-              <a:rPr lang="en-US" sz="2400" dirty="0" smtClean="0"/>
+              <a:rPr lang="en-US" sz="2400" dirty="0"/>
               <a:t>)</a:t>
             </a:r>
-            <a:endParaRPr lang="en-US" sz="2400" dirty="0"/>
           </a:p>
           <a:p>
             <a:endParaRPr lang="en-US" dirty="0"/>
@@ -6344,10 +6046,9 @@
             <a:lstStyle/>
             <a:p>
               <a:r>
-                <a:rPr lang="en-US" dirty="0" smtClean="0"/>
+                <a:rPr lang="en-US" dirty="0"/>
                 <a:t>The kind of data in each field</a:t>
               </a:r>
-              <a:endParaRPr lang="en-US" dirty="0"/>
             </a:p>
           </p:txBody>
         </p:sp>
@@ -6467,13 +6168,6 @@
   <p:clrMapOvr>
     <a:masterClrMapping/>
   </p:clrMapOvr>
-  <p:timing>
-    <p:tnLst>
-      <p:par>
-        <p:cTn id="1" dur="indefinite" restart="never" nodeType="tmRoot"/>
-      </p:par>
-    </p:tnLst>
-  </p:timing>
 </p:sld>
 </file>
 
@@ -6512,10 +6206,9 @@
           <a:lstStyle/>
           <a:p>
             <a:r>
-              <a:rPr lang="en-US" dirty="0" smtClean="0"/>
+              <a:rPr lang="en-US" dirty="0"/>
               <a:t>Sometimes this format isn't enough</a:t>
             </a:r>
-            <a:endParaRPr lang="en-US" dirty="0"/>
           </a:p>
         </p:txBody>
       </p:sp>
@@ -6535,10 +6228,9 @@
           <a:lstStyle/>
           <a:p>
             <a:r>
-              <a:rPr lang="en-US" dirty="0" smtClean="0"/>
+              <a:rPr lang="en-US" dirty="0"/>
               <a:t>Example: a ring</a:t>
             </a:r>
-            <a:endParaRPr lang="en-US" dirty="0"/>
           </a:p>
         </p:txBody>
       </p:sp>
@@ -6655,10 +6347,9 @@
               <a:p>
                 <a:pPr algn="ctr"/>
                 <a:r>
-                  <a:rPr lang="en-US" dirty="0" smtClean="0"/>
+                  <a:rPr lang="en-US" dirty="0"/>
                   <a:t>inner</a:t>
                 </a:r>
-                <a:endParaRPr lang="en-US" dirty="0"/>
               </a:p>
             </p:txBody>
           </p:sp>
@@ -6756,10 +6447,9 @@
             <a:lstStyle/>
             <a:p>
               <a:r>
-                <a:rPr lang="en-US" dirty="0" smtClean="0"/>
+                <a:rPr lang="en-US" dirty="0"/>
                 <a:t>inner radius</a:t>
               </a:r>
-              <a:endParaRPr lang="en-US" dirty="0"/>
             </a:p>
           </p:txBody>
         </p:sp>
@@ -6786,10 +6476,9 @@
             <a:lstStyle/>
             <a:p>
               <a:r>
-                <a:rPr lang="en-US" dirty="0" smtClean="0"/>
+                <a:rPr lang="en-US" dirty="0"/>
                 <a:t>outer radius</a:t>
               </a:r>
-              <a:endParaRPr lang="en-US" dirty="0"/>
             </a:p>
           </p:txBody>
         </p:sp>
@@ -6828,13 +6517,6 @@
   <p:clrMapOvr>
     <a:masterClrMapping/>
   </p:clrMapOvr>
-  <p:timing>
-    <p:tnLst>
-      <p:par>
-        <p:cTn id="1" dur="indefinite" restart="never" nodeType="tmRoot"/>
-      </p:par>
-    </p:tnLst>
-  </p:timing>
 </p:sld>
 </file>
 
@@ -6873,10 +6555,9 @@
           <a:lstStyle/>
           <a:p>
             <a:r>
-              <a:rPr lang="en-US" dirty="0" smtClean="0"/>
+              <a:rPr lang="en-US" dirty="0"/>
               <a:t>Constructor Template for a ring</a:t>
             </a:r>
-            <a:endParaRPr lang="en-US" dirty="0"/>
           </a:p>
         </p:txBody>
       </p:sp>
@@ -6898,25 +6579,17 @@
           <a:lstStyle/>
           <a:p>
             <a:r>
-              <a:rPr lang="en-US" sz="2800" dirty="0" smtClean="0"/>
-              <a:t>You </a:t>
-            </a:r>
-            <a:r>
               <a:rPr lang="en-US" sz="2800" dirty="0"/>
-              <a:t>could apply make-ring to any two </a:t>
-            </a:r>
-            <a:r>
-              <a:rPr lang="en-US" sz="2800" dirty="0" smtClean="0"/>
-              <a:t>numbers</a:t>
-            </a:r>
-          </a:p>
-          <a:p>
-            <a:r>
-              <a:rPr lang="en-US" sz="2800" dirty="0" smtClean="0"/>
+              <a:t>You could apply make-ring to any two numbers</a:t>
+            </a:r>
+          </a:p>
+          <a:p>
+            <a:r>
+              <a:rPr lang="en-US" sz="2800" dirty="0"/>
               <a:t>But only some combinations of the arguments make sense.  We document this with the </a:t>
             </a:r>
             <a:r>
-              <a:rPr lang="en-US" sz="2800" dirty="0" smtClean="0">
+              <a:rPr lang="en-US" sz="2800" dirty="0">
                 <a:solidFill>
                   <a:srgbClr val="FF0000"/>
                 </a:solidFill>
@@ -6924,7 +6597,7 @@
               <a:t>WHERE</a:t>
             </a:r>
             <a:r>
-              <a:rPr lang="en-US" sz="2800" dirty="0" smtClean="0"/>
+              <a:rPr lang="en-US" sz="2800" dirty="0"/>
               <a:t> clause.</a:t>
             </a:r>
           </a:p>
@@ -6961,7 +6634,7 @@
               <a:t>;; A Ring is a (make-ring </a:t>
             </a:r>
             <a:r>
-              <a:rPr lang="en-US" sz="2000" b="1" dirty="0" err="1" smtClean="0">
+              <a:rPr lang="en-US" sz="2000" b="1" dirty="0" err="1">
                 <a:solidFill>
                   <a:prstClr val="black"/>
                 </a:solidFill>
@@ -6971,7 +6644,7 @@
               <a:t>PosNum</a:t>
             </a:r>
             <a:r>
-              <a:rPr lang="en-US" sz="2000" b="1" dirty="0" smtClean="0">
+              <a:rPr lang="en-US" sz="2000" b="1" dirty="0">
                 <a:solidFill>
                   <a:prstClr val="black"/>
                 </a:solidFill>
@@ -6981,7 +6654,7 @@
               <a:t> </a:t>
             </a:r>
             <a:r>
-              <a:rPr lang="en-US" sz="2000" b="1" dirty="0" err="1" smtClean="0">
+              <a:rPr lang="en-US" sz="2000" b="1" dirty="0" err="1">
                 <a:solidFill>
                   <a:prstClr val="black"/>
                 </a:solidFill>
@@ -6991,7 +6664,7 @@
               <a:t>PosNum</a:t>
             </a:r>
             <a:r>
-              <a:rPr lang="en-US" sz="2000" b="1" dirty="0" smtClean="0">
+              <a:rPr lang="en-US" sz="2000" b="1" dirty="0">
                 <a:solidFill>
                   <a:prstClr val="black"/>
                 </a:solidFill>
@@ -7000,20 +6673,13 @@
               </a:rPr>
               <a:t>)</a:t>
             </a:r>
-            <a:endParaRPr lang="en-US" sz="2000" b="1" dirty="0">
-              <a:solidFill>
-                <a:prstClr val="black"/>
-              </a:solidFill>
-              <a:latin typeface="Consolas" pitchFamily="49" charset="0"/>
-              <a:cs typeface="Consolas" pitchFamily="49" charset="0"/>
-            </a:endParaRPr>
           </a:p>
           <a:p>
             <a:pPr lvl="0">
               <a:buNone/>
             </a:pPr>
             <a:r>
-              <a:rPr lang="en-US" sz="2000" b="1" dirty="0" smtClean="0">
+              <a:rPr lang="en-US" sz="2000" b="1" dirty="0">
                 <a:solidFill>
                   <a:prstClr val="black"/>
                 </a:solidFill>
@@ -7082,13 +6748,6 @@
   <p:clrMapOvr>
     <a:masterClrMapping/>
   </p:clrMapOvr>
-  <p:timing>
-    <p:tnLst>
-      <p:par>
-        <p:cTn id="1" dur="indefinite" restart="never" nodeType="tmRoot"/>
-      </p:par>
-    </p:tnLst>
-  </p:timing>
 </p:sld>
 </file>
 
@@ -7127,10 +6786,9 @@
           <a:lstStyle/>
           <a:p>
             <a:r>
-              <a:rPr lang="en-US" dirty="0" smtClean="0"/>
+              <a:rPr lang="en-US" dirty="0"/>
               <a:t>Example of a constructor template: itemization data</a:t>
             </a:r>
-            <a:endParaRPr lang="en-US" dirty="0"/>
           </a:p>
         </p:txBody>
       </p:sp>
@@ -7150,18 +6808,17 @@
           <a:lstStyle/>
           <a:p>
             <a:r>
-              <a:rPr lang="en-US" dirty="0" smtClean="0"/>
+              <a:rPr lang="en-US" dirty="0"/>
               <a:t>For itemization data, there are no </a:t>
             </a:r>
             <a:r>
-              <a:rPr lang="en-US" dirty="0" err="1" smtClean="0"/>
+              <a:rPr lang="en-US" b="1" dirty="0" err="1"/>
               <a:t>struct</a:t>
             </a:r>
             <a:r>
-              <a:rPr lang="en-US" dirty="0" smtClean="0"/>
+              <a:rPr lang="en-US" dirty="0"/>
               <a:t> definitions, and the constructor template just enumerates the possible values.</a:t>
             </a:r>
-            <a:endParaRPr lang="en-US" dirty="0"/>
           </a:p>
         </p:txBody>
       </p:sp>
@@ -7226,21 +6883,21 @@
             <a:lstStyle/>
             <a:p>
               <a:r>
-                <a:rPr lang="en-US" sz="2400" b="1" dirty="0" smtClean="0">
+                <a:rPr lang="en-US" sz="2400" b="1" dirty="0">
                   <a:latin typeface="Consolas" pitchFamily="49" charset="0"/>
                   <a:cs typeface="Consolas" pitchFamily="49" charset="0"/>
                 </a:rPr>
                 <a:t>A </a:t>
               </a:r>
               <a:r>
-                <a:rPr lang="en-US" sz="2400" b="1" dirty="0" err="1" smtClean="0">
+                <a:rPr lang="en-US" sz="2400" b="1" dirty="0" err="1">
                   <a:latin typeface="Consolas" pitchFamily="49" charset="0"/>
                   <a:cs typeface="Consolas" pitchFamily="49" charset="0"/>
                 </a:rPr>
                 <a:t>TLState</a:t>
               </a:r>
               <a:r>
-                <a:rPr lang="en-US" sz="2400" b="1" dirty="0" smtClean="0">
+                <a:rPr lang="en-US" sz="2400" b="1" dirty="0">
                   <a:latin typeface="Consolas" pitchFamily="49" charset="0"/>
                   <a:cs typeface="Consolas" pitchFamily="49" charset="0"/>
                 </a:rPr>
@@ -7249,58 +6906,29 @@
             </a:p>
             <a:p>
               <a:r>
-                <a:rPr lang="en-US" sz="2400" b="1" dirty="0" smtClean="0">
+                <a:rPr lang="en-US" sz="2400" b="1" dirty="0">
                   <a:latin typeface="Consolas" pitchFamily="49" charset="0"/>
                   <a:cs typeface="Consolas" pitchFamily="49" charset="0"/>
                 </a:rPr>
-                <a:t>-- "red</a:t>
+                <a:t>-- "red"</a:t>
               </a:r>
+            </a:p>
+            <a:p>
               <a:r>
                 <a:rPr lang="en-US" sz="2400" b="1" dirty="0">
                   <a:latin typeface="Consolas" pitchFamily="49" charset="0"/>
                   <a:cs typeface="Consolas" pitchFamily="49" charset="0"/>
                 </a:rPr>
-                <a:t>"</a:t>
+                <a:t>-- "yellow"</a:t>
               </a:r>
-              <a:endParaRPr lang="en-US" sz="2400" b="1" dirty="0" smtClean="0">
-                <a:latin typeface="Consolas" pitchFamily="49" charset="0"/>
-                <a:cs typeface="Consolas" pitchFamily="49" charset="0"/>
-              </a:endParaRPr>
             </a:p>
             <a:p>
-              <a:r>
-                <a:rPr lang="en-US" sz="2400" b="1" dirty="0" smtClean="0">
-                  <a:latin typeface="Consolas" pitchFamily="49" charset="0"/>
-                  <a:cs typeface="Consolas" pitchFamily="49" charset="0"/>
-                </a:rPr>
-                <a:t>-- "yellow</a:t>
-              </a:r>
               <a:r>
                 <a:rPr lang="en-US" sz="2400" b="1" dirty="0">
                   <a:latin typeface="Consolas" pitchFamily="49" charset="0"/>
                   <a:cs typeface="Consolas" pitchFamily="49" charset="0"/>
                 </a:rPr>
-                <a:t>"</a:t>
-              </a:r>
-              <a:endParaRPr lang="en-US" sz="2400" b="1" dirty="0" smtClean="0">
-                <a:latin typeface="Consolas" pitchFamily="49" charset="0"/>
-                <a:cs typeface="Consolas" pitchFamily="49" charset="0"/>
-              </a:endParaRPr>
-            </a:p>
-            <a:p>
-              <a:r>
-                <a:rPr lang="en-US" sz="2400" b="1" dirty="0" smtClean="0">
-                  <a:latin typeface="Consolas" pitchFamily="49" charset="0"/>
-                  <a:cs typeface="Consolas" pitchFamily="49" charset="0"/>
-                </a:rPr>
-                <a:t>-- "green</a:t>
-              </a:r>
-              <a:r>
-                <a:rPr lang="en-US" sz="2400" b="1" dirty="0">
-                  <a:latin typeface="Consolas" pitchFamily="49" charset="0"/>
-                  <a:cs typeface="Consolas" pitchFamily="49" charset="0"/>
-                </a:rPr>
-                <a:t>"</a:t>
+                <a:t>-- "green"</a:t>
               </a:r>
             </a:p>
           </p:txBody>
@@ -7342,18 +6970,17 @@
             <a:lstStyle/>
             <a:p>
               <a:r>
-                <a:rPr lang="en-US" dirty="0" smtClean="0"/>
+                <a:rPr lang="en-US" dirty="0"/>
                 <a:t>We use </a:t>
               </a:r>
               <a:r>
-                <a:rPr lang="en-US" dirty="0" err="1" smtClean="0"/>
+                <a:rPr lang="en-US" dirty="0" err="1"/>
                 <a:t>CamelCase</a:t>
               </a:r>
               <a:r>
-                <a:rPr lang="en-US" dirty="0" smtClean="0"/>
+                <a:rPr lang="en-US" dirty="0"/>
                 <a:t> for names of kinds of data</a:t>
               </a:r>
-              <a:endParaRPr lang="en-US" dirty="0"/>
             </a:p>
           </p:txBody>
         </p:sp>
@@ -7451,13 +7078,6 @@
   <p:clrMapOvr>
     <a:masterClrMapping/>
   </p:clrMapOvr>
-  <p:timing>
-    <p:tnLst>
-      <p:par>
-        <p:cTn id="1" dur="indefinite" restart="never" nodeType="tmRoot"/>
-      </p:par>
-    </p:tnLst>
-  </p:timing>
 </p:sld>
 </file>
 
@@ -7494,10 +7114,9 @@
           <a:lstStyle/>
           <a:p>
             <a:r>
-              <a:rPr lang="en-US" dirty="0" smtClean="0"/>
+              <a:rPr lang="en-US" dirty="0"/>
               <a:t>DDR Step 4. Interpretation</a:t>
             </a:r>
-            <a:endParaRPr lang="en-US" dirty="0"/>
           </a:p>
         </p:txBody>
       </p:sp>
@@ -7519,10 +7138,9 @@
           <a:lstStyle/>
           <a:p>
             <a:r>
-              <a:rPr lang="en-US" dirty="0" smtClean="0"/>
+              <a:rPr lang="en-US" dirty="0"/>
               <a:t>Tells what piece of information each value of the data represents. </a:t>
             </a:r>
-            <a:endParaRPr lang="en-US" dirty="0" smtClean="0"/>
           </a:p>
           <a:p>
             <a:r>
@@ -7532,18 +7150,9 @@
           </a:p>
           <a:p>
             <a:r>
-              <a:rPr lang="en-US" dirty="0" smtClean="0"/>
-              <a:t>This </a:t>
-            </a:r>
-            <a:r>
-              <a:rPr lang="en-US" dirty="0" smtClean="0"/>
-              <a:t>usually refers to the structure definition and the constructor template, so these three pieces are written </a:t>
-            </a:r>
-            <a:r>
-              <a:rPr lang="en-US" dirty="0" smtClean="0"/>
-              <a:t>together.</a:t>
-            </a:r>
-            <a:endParaRPr lang="en-US" dirty="0"/>
+              <a:rPr lang="en-US" dirty="0"/>
+              <a:t>This usually refers to the structure definition and the constructor template, so these three pieces are written together.</a:t>
+            </a:r>
           </a:p>
         </p:txBody>
       </p:sp>
@@ -7581,13 +7190,6 @@
   <p:clrMapOvr>
     <a:masterClrMapping/>
   </p:clrMapOvr>
-  <p:timing>
-    <p:tnLst>
-      <p:par>
-        <p:cTn id="1" dur="indefinite" restart="never" nodeType="tmRoot"/>
-      </p:par>
-    </p:tnLst>
-  </p:timing>
 </p:sld>
 </file>
 
@@ -7626,18 +7228,13 @@
           <a:lstStyle/>
           <a:p>
             <a:r>
-              <a:rPr lang="en-US" sz="4000" b="1" dirty="0" err="1" smtClean="0"/>
+              <a:rPr lang="en-US" sz="4000" b="1" dirty="0" err="1"/>
               <a:t>struct</a:t>
             </a:r>
             <a:r>
-              <a:rPr lang="en-US" sz="4000" dirty="0" smtClean="0"/>
-              <a:t> definitions </a:t>
-            </a:r>
-            <a:r>
-              <a:rPr lang="en-US" sz="4000" dirty="0" smtClean="0"/>
-              <a:t>and constructor template for mixed data: example</a:t>
-            </a:r>
-            <a:endParaRPr lang="en-US" sz="4000" dirty="0"/>
+              <a:rPr lang="en-US" sz="4000" dirty="0"/>
+              <a:t> definitions and constructor template for mixed data: example</a:t>
+            </a:r>
           </a:p>
         </p:txBody>
       </p:sp>
@@ -7661,33 +7258,12 @@
             <a:pPr>
               <a:buNone/>
             </a:pPr>
-            <a:r>
-              <a:rPr lang="en-US" sz="2400" b="1" dirty="0" smtClean="0">
-                <a:latin typeface="Consolas" pitchFamily="49" charset="0"/>
-                <a:cs typeface="Consolas" pitchFamily="49" charset="0"/>
-              </a:rPr>
-              <a:t>(</a:t>
-            </a:r>
             <a:r>
               <a:rPr lang="en-US" sz="2400" b="1" dirty="0">
                 <a:latin typeface="Consolas" pitchFamily="49" charset="0"/>
                 <a:cs typeface="Consolas" pitchFamily="49" charset="0"/>
               </a:rPr>
-              <a:t>define-struct </a:t>
-            </a:r>
-            <a:r>
-              <a:rPr lang="en-US" sz="2400" b="1" dirty="0" smtClean="0">
-                <a:latin typeface="Consolas" pitchFamily="49" charset="0"/>
-                <a:cs typeface="Consolas" pitchFamily="49" charset="0"/>
-              </a:rPr>
-              <a:t>coffee (size </a:t>
-            </a:r>
-            <a:r>
-              <a:rPr lang="en-US" sz="2400" b="1" dirty="0">
-                <a:latin typeface="Consolas" pitchFamily="49" charset="0"/>
-                <a:cs typeface="Consolas" pitchFamily="49" charset="0"/>
-              </a:rPr>
-              <a:t>type milk?))</a:t>
+              <a:t>(define-struct coffee (size type milk?))</a:t>
             </a:r>
           </a:p>
           <a:p>
@@ -7758,71 +7334,32 @@
                 <a:latin typeface="Consolas" pitchFamily="49" charset="0"/>
                 <a:cs typeface="Consolas" pitchFamily="49" charset="0"/>
               </a:rPr>
-              <a:t>;; -- (make-coffee Size </a:t>
-            </a:r>
-            <a:r>
-              <a:rPr lang="en-US" sz="2400" b="1" dirty="0" smtClean="0">
-                <a:latin typeface="Consolas" pitchFamily="49" charset="0"/>
-                <a:cs typeface="Consolas" pitchFamily="49" charset="0"/>
-              </a:rPr>
-              <a:t>Type </a:t>
-            </a:r>
+              <a:t>;; -- (make-coffee Size Type Boolean)</a:t>
+            </a:r>
+          </a:p>
+          <a:p>
+            <a:pPr>
+              <a:buNone/>
+            </a:pPr>
             <a:r>
               <a:rPr lang="en-US" sz="2400" b="1" dirty="0">
                 <a:latin typeface="Consolas" pitchFamily="49" charset="0"/>
                 <a:cs typeface="Consolas" pitchFamily="49" charset="0"/>
               </a:rPr>
-              <a:t>Boolean)</a:t>
+              <a:t>;; -- (make-wine Vineyard Year)</a:t>
             </a:r>
           </a:p>
           <a:p>
             <a:pPr>
               <a:buNone/>
             </a:pPr>
-            <a:r>
-              <a:rPr lang="en-US" sz="2400" b="1" dirty="0" smtClean="0">
-                <a:latin typeface="Consolas" pitchFamily="49" charset="0"/>
-                <a:cs typeface="Consolas" pitchFamily="49" charset="0"/>
-              </a:rPr>
-              <a:t>;; </a:t>
-            </a:r>
             <a:r>
               <a:rPr lang="en-US" sz="2400" b="1" dirty="0">
                 <a:latin typeface="Consolas" pitchFamily="49" charset="0"/>
                 <a:cs typeface="Consolas" pitchFamily="49" charset="0"/>
               </a:rPr>
-              <a:t>-- (make-wine Vineyard Year)</a:t>
-            </a:r>
-          </a:p>
-          <a:p>
-            <a:pPr>
-              <a:buNone/>
-            </a:pPr>
-            <a:r>
-              <a:rPr lang="en-US" sz="2400" b="1" dirty="0" smtClean="0">
-                <a:latin typeface="Consolas" pitchFamily="49" charset="0"/>
-                <a:cs typeface="Consolas" pitchFamily="49" charset="0"/>
-              </a:rPr>
-              <a:t>;; </a:t>
-            </a:r>
-            <a:r>
-              <a:rPr lang="en-US" sz="2400" b="1" dirty="0">
-                <a:latin typeface="Consolas" pitchFamily="49" charset="0"/>
-                <a:cs typeface="Consolas" pitchFamily="49" charset="0"/>
-              </a:rPr>
-              <a:t>-- (make-tea Size String</a:t>
-            </a:r>
-            <a:r>
-              <a:rPr lang="en-US" sz="2400" b="1" dirty="0" smtClean="0">
-                <a:latin typeface="Consolas" pitchFamily="49" charset="0"/>
-                <a:cs typeface="Consolas" pitchFamily="49" charset="0"/>
-              </a:rPr>
-              <a:t>)</a:t>
-            </a:r>
-            <a:endParaRPr lang="en-US" sz="2400" b="1" dirty="0">
-              <a:latin typeface="Consolas" pitchFamily="49" charset="0"/>
-              <a:cs typeface="Consolas" pitchFamily="49" charset="0"/>
-            </a:endParaRPr>
+              <a:t>;; -- (make-tea Size String)</a:t>
+            </a:r>
           </a:p>
         </p:txBody>
       </p:sp>
@@ -7866,10 +7403,9 @@
           <a:p>
             <a:pPr algn="l"/>
             <a:r>
-              <a:rPr lang="en-US" dirty="0" smtClean="0"/>
+              <a:rPr lang="en-US" dirty="0"/>
               <a:t> </a:t>
             </a:r>
-            <a:endParaRPr lang="en-US" dirty="0"/>
           </a:p>
         </p:txBody>
       </p:sp>
@@ -7924,7 +7460,7 @@
             <a:lstStyle/>
             <a:p>
               <a:r>
-                <a:rPr lang="en-US" dirty="0" smtClean="0"/>
+                <a:rPr lang="en-US" dirty="0"/>
                 <a:t>The structure definitions</a:t>
               </a:r>
             </a:p>
@@ -8017,7 +7553,7 @@
             <a:lstStyle/>
             <a:p>
               <a:r>
-                <a:rPr lang="en-US" dirty="0" smtClean="0"/>
+                <a:rPr lang="en-US" dirty="0"/>
                 <a:t>The constructor template</a:t>
               </a:r>
             </a:p>
@@ -8212,10 +7748,9 @@
           <a:lstStyle/>
           <a:p>
             <a:r>
-              <a:rPr lang="en-US" dirty="0" smtClean="0"/>
-              <a:t>Learning Objectives for This Lesson</a:t>
-            </a:r>
-            <a:endParaRPr lang="en-US" dirty="0"/>
+              <a:rPr lang="en-US" dirty="0"/>
+              <a:t>Learning Objectives for this Lesson</a:t>
+            </a:r>
           </a:p>
         </p:txBody>
       </p:sp>
@@ -8235,43 +7770,43 @@
           <a:lstStyle/>
           <a:p>
             <a:r>
-              <a:rPr lang="en-US" dirty="0" smtClean="0"/>
+              <a:rPr lang="en-US" dirty="0"/>
               <a:t>By the time you finish this lesson, you should be able to:</a:t>
             </a:r>
           </a:p>
           <a:p>
             <a:pPr lvl="1"/>
             <a:r>
-              <a:rPr lang="en-US" dirty="0" smtClean="0"/>
+              <a:rPr lang="en-US" dirty="0"/>
               <a:t>list the steps in the data design recipe</a:t>
             </a:r>
           </a:p>
           <a:p>
             <a:pPr lvl="1"/>
             <a:r>
-              <a:rPr lang="en-US" dirty="0" smtClean="0"/>
+              <a:rPr lang="en-US" dirty="0"/>
               <a:t>list the pieces of a data definition</a:t>
             </a:r>
           </a:p>
           <a:p>
             <a:pPr lvl="1"/>
             <a:r>
-              <a:rPr lang="en-US" dirty="0" smtClean="0"/>
+              <a:rPr lang="en-US" dirty="0"/>
               <a:t>explain what define-</a:t>
             </a:r>
             <a:r>
-              <a:rPr lang="en-US" dirty="0" err="1" smtClean="0"/>
+              <a:rPr lang="en-US" dirty="0" err="1"/>
               <a:t>struct</a:t>
             </a:r>
             <a:r>
-              <a:rPr lang="en-US" dirty="0" smtClean="0"/>
+              <a:rPr lang="en-US" dirty="0"/>
               <a:t> does</a:t>
             </a:r>
           </a:p>
           <a:p>
             <a:pPr lvl="1"/>
             <a:r>
-              <a:rPr lang="en-US" dirty="0" smtClean="0"/>
+              <a:rPr lang="en-US" dirty="0"/>
               <a:t>write a constructor template and interpretation for simple data </a:t>
             </a:r>
           </a:p>
@@ -8311,13 +7846,6 @@
   <p:clrMapOvr>
     <a:masterClrMapping/>
   </p:clrMapOvr>
-  <p:timing>
-    <p:tnLst>
-      <p:par>
-        <p:cTn id="1" dur="indefinite" restart="never" nodeType="tmRoot"/>
-      </p:par>
-    </p:tnLst>
-  </p:timing>
 </p:sld>
 </file>
 
@@ -8364,32 +7892,11 @@
               <a:buNone/>
             </a:pPr>
             <a:r>
-              <a:rPr lang="en-US" sz="1600" b="1" dirty="0" smtClean="0">
-                <a:latin typeface="Consolas" pitchFamily="49" charset="0"/>
-                <a:cs typeface="Consolas" pitchFamily="49" charset="0"/>
-              </a:rPr>
-              <a:t>(</a:t>
-            </a:r>
-            <a:r>
               <a:rPr lang="en-US" sz="1600" b="1" dirty="0">
                 <a:latin typeface="Consolas" pitchFamily="49" charset="0"/>
                 <a:cs typeface="Consolas" pitchFamily="49" charset="0"/>
               </a:rPr>
-              <a:t>define-struct </a:t>
-            </a:r>
-            <a:r>
-              <a:rPr lang="en-US" sz="1600" b="1" dirty="0" smtClean="0">
-                <a:latin typeface="Consolas" pitchFamily="49" charset="0"/>
-                <a:cs typeface="Consolas" pitchFamily="49" charset="0"/>
-              </a:rPr>
-              <a:t>coffee (size </a:t>
-            </a:r>
-            <a:r>
-              <a:rPr lang="en-US" sz="1600" b="1" dirty="0">
-                <a:latin typeface="Consolas" pitchFamily="49" charset="0"/>
-                <a:cs typeface="Consolas" pitchFamily="49" charset="0"/>
-              </a:rPr>
-              <a:t>type milk?))</a:t>
+              <a:t>(define-struct coffee (size type milk?))</a:t>
             </a:r>
           </a:p>
           <a:p>
@@ -8460,21 +7967,7 @@
                 <a:latin typeface="Consolas" pitchFamily="49" charset="0"/>
                 <a:cs typeface="Consolas" pitchFamily="49" charset="0"/>
               </a:rPr>
-              <a:t>;; -- (make-coffee Size </a:t>
-            </a:r>
-            <a:r>
-              <a:rPr lang="en-US" sz="1600" b="1" dirty="0" smtClean="0">
-                <a:latin typeface="Consolas" pitchFamily="49" charset="0"/>
-                <a:cs typeface="Consolas" pitchFamily="49" charset="0"/>
-              </a:rPr>
-              <a:t>Type Boolean</a:t>
-            </a:r>
-            <a:r>
-              <a:rPr lang="en-US" sz="1600" b="1" dirty="0">
-                <a:latin typeface="Consolas" pitchFamily="49" charset="0"/>
-                <a:cs typeface="Consolas" pitchFamily="49" charset="0"/>
-              </a:rPr>
-              <a:t>)</a:t>
+              <a:t>;; -- (make-coffee Size Type Boolean)</a:t>
             </a:r>
           </a:p>
           <a:p>
@@ -8489,25 +7982,8 @@
                 <a:latin typeface="Consolas" pitchFamily="49" charset="0"/>
                 <a:cs typeface="Consolas" pitchFamily="49" charset="0"/>
               </a:rPr>
-              <a:t>;;  </a:t>
-            </a:r>
-            <a:r>
-              <a:rPr lang="en-US" sz="1600" b="1" dirty="0" smtClean="0">
-                <a:solidFill>
-                  <a:srgbClr val="FF0000"/>
-                </a:solidFill>
-                <a:latin typeface="Consolas" pitchFamily="49" charset="0"/>
-                <a:cs typeface="Consolas" pitchFamily="49" charset="0"/>
-              </a:rPr>
-              <a:t>INTERP: </a:t>
-            </a:r>
-            <a:endParaRPr lang="en-US" sz="1600" b="1" dirty="0">
-              <a:solidFill>
-                <a:srgbClr val="FF0000"/>
-              </a:solidFill>
-              <a:latin typeface="Consolas" pitchFamily="49" charset="0"/>
-              <a:cs typeface="Consolas" pitchFamily="49" charset="0"/>
-            </a:endParaRPr>
+              <a:t>;;  INTERP: </a:t>
+            </a:r>
           </a:p>
           <a:p>
             <a:pPr>
@@ -8536,32 +8012,15 @@
                 <a:latin typeface="Consolas" pitchFamily="49" charset="0"/>
                 <a:cs typeface="Consolas" pitchFamily="49" charset="0"/>
               </a:rPr>
-              <a:t>;;   type is the origin of the </a:t>
-            </a:r>
-            <a:r>
-              <a:rPr lang="en-US" sz="1600" b="1" dirty="0" smtClean="0">
-                <a:solidFill>
-                  <a:srgbClr val="FF0000"/>
-                </a:solidFill>
-                <a:latin typeface="Consolas" pitchFamily="49" charset="0"/>
-                <a:cs typeface="Consolas" pitchFamily="49" charset="0"/>
-              </a:rPr>
-              <a:t>coffee </a:t>
-            </a:r>
-            <a:endParaRPr lang="en-US" sz="1600" b="1" dirty="0" smtClean="0">
-              <a:solidFill>
-                <a:srgbClr val="FF0000"/>
-              </a:solidFill>
-              <a:latin typeface="Consolas" pitchFamily="49" charset="0"/>
-              <a:cs typeface="Consolas" pitchFamily="49" charset="0"/>
-            </a:endParaRPr>
+              <a:t>;;   type is the origin of the coffee </a:t>
+            </a:r>
           </a:p>
           <a:p>
             <a:pPr>
               <a:buNone/>
             </a:pPr>
             <a:r>
-              <a:rPr lang="en-US" sz="1600" b="1" dirty="0" smtClean="0">
+              <a:rPr lang="en-US" sz="1600" b="1" dirty="0">
                 <a:solidFill>
                   <a:srgbClr val="FF0000"/>
                 </a:solidFill>
@@ -8576,18 +8035,11 @@
               <a:buNone/>
             </a:pPr>
             <a:r>
-              <a:rPr lang="en-US" sz="1600" b="1" dirty="0" smtClean="0">
-                <a:latin typeface="Consolas" pitchFamily="49" charset="0"/>
-                <a:cs typeface="Consolas" pitchFamily="49" charset="0"/>
-              </a:rPr>
-              <a:t>;; -- </a:t>
-            </a:r>
-            <a:r>
               <a:rPr lang="en-US" sz="1600" b="1" dirty="0">
                 <a:latin typeface="Consolas" pitchFamily="49" charset="0"/>
                 <a:cs typeface="Consolas" pitchFamily="49" charset="0"/>
               </a:rPr>
-              <a:t>(make-wine Vineyard Year)</a:t>
+              <a:t>;; -- (make-wine Vineyard Year)</a:t>
             </a:r>
           </a:p>
           <a:p>
@@ -8602,25 +8054,8 @@
                 <a:latin typeface="Consolas" pitchFamily="49" charset="0"/>
                 <a:cs typeface="Consolas" pitchFamily="49" charset="0"/>
               </a:rPr>
-              <a:t>;; </a:t>
-            </a:r>
-            <a:r>
-              <a:rPr lang="en-US" sz="1600" b="1" dirty="0" smtClean="0">
-                <a:solidFill>
-                  <a:srgbClr val="FF0000"/>
-                </a:solidFill>
-                <a:latin typeface="Consolas" pitchFamily="49" charset="0"/>
-                <a:cs typeface="Consolas" pitchFamily="49" charset="0"/>
-              </a:rPr>
-              <a:t> INTERP:</a:t>
-            </a:r>
-            <a:endParaRPr lang="en-US" sz="1600" b="1" dirty="0">
-              <a:solidFill>
-                <a:srgbClr val="FF0000"/>
-              </a:solidFill>
-              <a:latin typeface="Consolas" pitchFamily="49" charset="0"/>
-              <a:cs typeface="Consolas" pitchFamily="49" charset="0"/>
-            </a:endParaRPr>
+              <a:t>;;  INTERP:</a:t>
+            </a:r>
           </a:p>
           <a:p>
             <a:pPr>
@@ -8673,19 +8108,8 @@
                 <a:latin typeface="Consolas" pitchFamily="49" charset="0"/>
                 <a:cs typeface="Consolas" pitchFamily="49" charset="0"/>
               </a:rPr>
-              <a:t>;;  </a:t>
-            </a:r>
-            <a:r>
-              <a:rPr lang="en-US" sz="1600" b="1" dirty="0" smtClean="0">
-                <a:latin typeface="Consolas" pitchFamily="49" charset="0"/>
-                <a:cs typeface="Consolas" pitchFamily="49" charset="0"/>
-              </a:rPr>
-              <a:t>INTERP: </a:t>
-            </a:r>
-            <a:endParaRPr lang="en-US" sz="1600" b="1" dirty="0">
-              <a:latin typeface="Consolas" pitchFamily="49" charset="0"/>
-              <a:cs typeface="Consolas" pitchFamily="49" charset="0"/>
-            </a:endParaRPr>
+              <a:t>;;  INTERP: </a:t>
+            </a:r>
           </a:p>
           <a:p>
             <a:pPr>
@@ -8714,25 +8138,8 @@
                 <a:latin typeface="Consolas" pitchFamily="49" charset="0"/>
                 <a:cs typeface="Consolas" pitchFamily="49" charset="0"/>
               </a:rPr>
-              <a:t>;;   type is the type of tea (as a string</a:t>
-            </a:r>
-            <a:r>
-              <a:rPr lang="en-US" sz="1600" b="1" dirty="0" smtClean="0">
-                <a:solidFill>
-                  <a:srgbClr val="FF0000"/>
-                </a:solidFill>
-                <a:latin typeface="Consolas" pitchFamily="49" charset="0"/>
-                <a:cs typeface="Consolas" pitchFamily="49" charset="0"/>
-              </a:rPr>
-              <a:t>)</a:t>
-            </a:r>
-            <a:endParaRPr lang="en-US" sz="1600" b="1" dirty="0">
-              <a:solidFill>
-                <a:srgbClr val="FF0000"/>
-              </a:solidFill>
-              <a:latin typeface="Consolas" pitchFamily="49" charset="0"/>
-              <a:cs typeface="Consolas" pitchFamily="49" charset="0"/>
-            </a:endParaRPr>
+              <a:t>;;   type is the type of tea (as a string)</a:t>
+            </a:r>
           </a:p>
         </p:txBody>
       </p:sp>
@@ -8790,12 +8197,8 @@
           <a:p>
             <a:pPr algn="l"/>
             <a:r>
-              <a:rPr lang="en-US" sz="16000" dirty="0" smtClean="0"/>
-              <a:t>Data Definition for mixed data: </a:t>
-            </a:r>
-            <a:r>
-              <a:rPr lang="en-US" sz="16000" dirty="0" smtClean="0"/>
-              <a:t>example</a:t>
+              <a:rPr lang="en-US" sz="16000" dirty="0"/>
+              <a:t>Data Definition for mixed data: example</a:t>
             </a:r>
             <a:endParaRPr lang="en-US" dirty="0"/>
           </a:p>
@@ -8852,7 +8255,7 @@
             <a:lstStyle/>
             <a:p>
               <a:r>
-                <a:rPr lang="en-US" dirty="0" smtClean="0"/>
+                <a:rPr lang="en-US" dirty="0"/>
                 <a:t>The structure definitions</a:t>
               </a:r>
             </a:p>
@@ -8943,34 +8346,13 @@
               <a:defRPr/>
             </a:pPr>
             <a:r>
-              <a:rPr lang="en-US" dirty="0" smtClean="0">
+              <a:rPr lang="en-US" dirty="0">
                 <a:solidFill>
                   <a:schemeClr val="tx1"/>
                 </a:solidFill>
               </a:rPr>
-              <a:t>Here it's clear what the alternatives </a:t>
-            </a:r>
-            <a:r>
-              <a:rPr lang="en-US" dirty="0" smtClean="0">
-                <a:solidFill>
-                  <a:schemeClr val="tx1"/>
-                </a:solidFill>
-              </a:rPr>
-              <a:t>mean, </a:t>
-            </a:r>
-            <a:r>
-              <a:rPr lang="en-US" dirty="0" smtClean="0">
-                <a:solidFill>
-                  <a:schemeClr val="tx1"/>
-                </a:solidFill>
-              </a:rPr>
-              <a:t>so all we need to provide is the interpretation of each field in each alternative.</a:t>
-            </a:r>
-            <a:endParaRPr lang="en-US" dirty="0">
-              <a:solidFill>
-                <a:schemeClr val="tx1"/>
-              </a:solidFill>
-            </a:endParaRPr>
+              <a:t>Here it's clear what the alternatives mean, so all we need to provide is the interpretation of each field in each alternative.</a:t>
+            </a:r>
           </a:p>
         </p:txBody>
       </p:sp>
@@ -9026,26 +8408,9 @@
           <a:lstStyle/>
           <a:p>
             <a:r>
-              <a:rPr lang="en-US" dirty="0" smtClean="0"/>
-              <a:t>Presumably Size </a:t>
-            </a:r>
-            <a:r>
-              <a:rPr lang="en-US" dirty="0" smtClean="0"/>
-              <a:t>and Type are </a:t>
-            </a:r>
-            <a:r>
-              <a:rPr lang="en-US" dirty="0" smtClean="0"/>
-              <a:t>data </a:t>
-            </a:r>
-            <a:r>
-              <a:rPr lang="en-US" dirty="0" smtClean="0"/>
-              <a:t>types </a:t>
-            </a:r>
-            <a:r>
-              <a:rPr lang="en-US" dirty="0" smtClean="0"/>
-              <a:t>defined elsewhere.</a:t>
-            </a:r>
-            <a:endParaRPr lang="en-US" dirty="0"/>
+              <a:rPr lang="en-US" dirty="0"/>
+              <a:t>Presumably Size and Type are data types defined elsewhere.</a:t>
+            </a:r>
           </a:p>
         </p:txBody>
       </p:sp>
@@ -9159,18 +8524,9 @@
           <a:lstStyle/>
           <a:p>
             <a:r>
-              <a:rPr lang="en-US" dirty="0" smtClean="0"/>
-              <a:t>Presumably </a:t>
-            </a:r>
-            <a:r>
-              <a:rPr lang="en-US" dirty="0" smtClean="0"/>
-              <a:t>Vineyard is also a data type </a:t>
-            </a:r>
-            <a:r>
-              <a:rPr lang="en-US" dirty="0" smtClean="0"/>
-              <a:t>defined elsewhere.</a:t>
-            </a:r>
-            <a:endParaRPr lang="en-US" dirty="0"/>
+              <a:rPr lang="en-US" dirty="0"/>
+              <a:t>Presumably Vineyard is also a data type defined elsewhere.</a:t>
+            </a:r>
           </a:p>
         </p:txBody>
       </p:sp>
@@ -9346,12 +8702,8 @@
           <a:lstStyle/>
           <a:p>
             <a:r>
-              <a:rPr lang="en-US" sz="2000" dirty="0" smtClean="0"/>
-              <a:t>(</a:t>
-            </a:r>
-            <a:r>
               <a:rPr lang="en-US" sz="2000" dirty="0"/>
-              <a:t>define-</a:t>
+              <a:t>(define-</a:t>
             </a:r>
             <a:r>
               <a:rPr lang="en-US" sz="2000" dirty="0" err="1"/>
@@ -9363,33 +8715,25 @@
             </a:r>
           </a:p>
           <a:p>
-            <a:endParaRPr lang="en-US" sz="2000" dirty="0" smtClean="0"/>
-          </a:p>
-          <a:p>
-            <a:r>
-              <a:rPr lang="en-US" sz="2000" dirty="0" smtClean="0"/>
-              <a:t>;; </a:t>
-            </a:r>
+            <a:endParaRPr lang="en-US" sz="2000" dirty="0"/>
+          </a:p>
+          <a:p>
             <a:r>
               <a:rPr lang="en-US" sz="2000" dirty="0"/>
-              <a:t>A Book is a </a:t>
+              <a:t>;; A Book is a </a:t>
             </a:r>
           </a:p>
           <a:p>
             <a:r>
               <a:rPr lang="en-US" sz="2000" dirty="0"/>
-              <a:t>;;  (make-book </a:t>
-            </a:r>
-            <a:r>
-              <a:rPr lang="en-US" sz="2000" dirty="0" smtClean="0"/>
-              <a:t>String </a:t>
-            </a:r>
-            <a:r>
-              <a:rPr lang="en-US" sz="2000" dirty="0" err="1" smtClean="0"/>
+              <a:t>;;  (make-book String </a:t>
+            </a:r>
+            <a:r>
+              <a:rPr lang="en-US" sz="2000" dirty="0" err="1"/>
               <a:t>String</a:t>
             </a:r>
             <a:r>
-              <a:rPr lang="en-US" sz="2000" dirty="0" smtClean="0"/>
+              <a:rPr lang="en-US" sz="2000" dirty="0"/>
               <a:t> </a:t>
             </a:r>
             <a:r>
@@ -9411,12 +8755,8 @@
           </a:p>
           <a:p>
             <a:r>
-              <a:rPr lang="en-US" sz="2000" dirty="0" smtClean="0"/>
-              <a:t>;; </a:t>
-            </a:r>
-            <a:r>
               <a:rPr lang="en-US" sz="2000" dirty="0"/>
-              <a:t>Interpretation:</a:t>
+              <a:t>;; Interpretation:</a:t>
             </a:r>
           </a:p>
           <a:p>
@@ -9440,19 +8780,14 @@
           <a:p>
             <a:r>
               <a:rPr lang="en-US" sz="2000" dirty="0"/>
-              <a:t>;;   price is the price in </a:t>
-            </a:r>
-            <a:r>
-              <a:rPr lang="en-US" sz="2000" dirty="0" smtClean="0"/>
-              <a:t>USD*100 </a:t>
-            </a:r>
-          </a:p>
-          <a:p>
-            <a:r>
-              <a:rPr lang="en-US" sz="2000" dirty="0" smtClean="0"/>
+              <a:t>;;   price is the price in USD*100 </a:t>
+            </a:r>
+          </a:p>
+          <a:p>
+            <a:r>
+              <a:rPr lang="en-US" sz="2000" dirty="0"/>
               <a:t>;;    e.g. US$7.95 =&gt; 795</a:t>
             </a:r>
-            <a:endParaRPr lang="en-US" sz="2000" dirty="0"/>
           </a:p>
           <a:p>
             <a:endParaRPr lang="en-US" sz="1600" dirty="0"/>
@@ -9477,10 +8812,9 @@
           <a:lstStyle/>
           <a:p>
             <a:r>
-              <a:rPr lang="en-US" dirty="0" smtClean="0"/>
+              <a:rPr lang="en-US" dirty="0"/>
               <a:t>Another example</a:t>
             </a:r>
-            <a:endParaRPr lang="en-US" dirty="0"/>
           </a:p>
         </p:txBody>
       </p:sp>
@@ -9519,10 +8853,9 @@
           <a:p>
             <a:pPr algn="ctr"/>
             <a:r>
-              <a:rPr lang="en-US" dirty="0" smtClean="0"/>
+              <a:rPr lang="en-US" dirty="0"/>
               <a:t>Question: Are these interpretations sufficiently detailed to be useful? </a:t>
             </a:r>
-            <a:endParaRPr lang="en-US" dirty="0"/>
           </a:p>
         </p:txBody>
       </p:sp>
@@ -9577,10 +8910,9 @@
             <a:lstStyle/>
             <a:p>
               <a:r>
-                <a:rPr lang="en-US" dirty="0" smtClean="0"/>
+                <a:rPr lang="en-US" dirty="0"/>
                 <a:t>The interpretation of each field</a:t>
               </a:r>
-              <a:endParaRPr lang="en-US" dirty="0"/>
             </a:p>
           </p:txBody>
         </p:sp>
@@ -9717,7 +9049,7 @@
             <a:lstStyle/>
             <a:p>
               <a:r>
-                <a:rPr lang="en-US" dirty="0" smtClean="0"/>
+                <a:rPr lang="en-US" dirty="0"/>
                 <a:t>The structure definition</a:t>
               </a:r>
             </a:p>
@@ -9810,10 +9142,9 @@
             <a:lstStyle/>
             <a:p>
               <a:r>
-                <a:rPr lang="en-US" dirty="0" smtClean="0"/>
+                <a:rPr lang="en-US" dirty="0"/>
                 <a:t>The constructor template</a:t>
               </a:r>
-              <a:endParaRPr lang="en-US" dirty="0"/>
             </a:p>
           </p:txBody>
         </p:sp>
@@ -10160,48 +9491,46 @@
           <a:lstStyle/>
           <a:p>
             <a:r>
-              <a:rPr lang="en-US" dirty="0" smtClean="0"/>
+              <a:rPr lang="en-US" dirty="0"/>
               <a:t>Another example</a:t>
             </a:r>
+          </a:p>
+        </p:txBody>
+      </p:sp>
+      <p:sp>
+        <p:nvSpPr>
+          <p:cNvPr id="9" name="Content Placeholder 8"/>
+          <p:cNvSpPr>
+            <a:spLocks noGrp="1"/>
+          </p:cNvSpPr>
+          <p:nvPr>
+            <p:ph idx="1"/>
+          </p:nvPr>
+        </p:nvSpPr>
+        <p:spPr/>
+        <p:txBody>
+          <a:bodyPr/>
+          <a:lstStyle/>
+          <a:p>
+            <a:r>
+              <a:rPr lang="en-US" dirty="0"/>
+              <a:t>Do we need an interpretation?</a:t>
+            </a:r>
+          </a:p>
+          <a:p>
             <a:endParaRPr lang="en-US" dirty="0"/>
           </a:p>
-        </p:txBody>
-      </p:sp>
-      <p:sp>
-        <p:nvSpPr>
-          <p:cNvPr id="9" name="Content Placeholder 8"/>
-          <p:cNvSpPr>
-            <a:spLocks noGrp="1"/>
-          </p:cNvSpPr>
-          <p:nvPr>
-            <p:ph idx="1"/>
-          </p:nvPr>
-        </p:nvSpPr>
-        <p:spPr/>
-        <p:txBody>
-          <a:bodyPr/>
-          <a:lstStyle/>
-          <a:p>
-            <a:r>
-              <a:rPr lang="en-US" dirty="0" smtClean="0"/>
-              <a:t>Do we need an interpretation?</a:t>
-            </a:r>
-          </a:p>
           <a:p>
             <a:endParaRPr lang="en-US" dirty="0"/>
           </a:p>
           <a:p>
-            <a:endParaRPr lang="en-US" dirty="0" smtClean="0"/>
-          </a:p>
-          <a:p>
             <a:endParaRPr lang="en-US" dirty="0"/>
           </a:p>
           <a:p>
             <a:r>
-              <a:rPr lang="en-US" dirty="0" smtClean="0"/>
+              <a:rPr lang="en-US" dirty="0"/>
               <a:t>NO: common sense is good enough</a:t>
             </a:r>
-            <a:endParaRPr lang="en-US" dirty="0"/>
           </a:p>
         </p:txBody>
       </p:sp>
@@ -10252,21 +9581,21 @@
           <a:lstStyle/>
           <a:p>
             <a:r>
-              <a:rPr lang="en-US" sz="2400" b="1" dirty="0" smtClean="0">
+              <a:rPr lang="en-US" sz="2400" b="1" dirty="0">
                 <a:latin typeface="Consolas" pitchFamily="49" charset="0"/>
                 <a:cs typeface="Consolas" pitchFamily="49" charset="0"/>
               </a:rPr>
               <a:t>A </a:t>
             </a:r>
             <a:r>
-              <a:rPr lang="en-US" sz="2400" b="1" dirty="0" err="1" smtClean="0">
+              <a:rPr lang="en-US" sz="2400" b="1" dirty="0" err="1">
                 <a:latin typeface="Consolas" pitchFamily="49" charset="0"/>
                 <a:cs typeface="Consolas" pitchFamily="49" charset="0"/>
               </a:rPr>
               <a:t>TLState</a:t>
             </a:r>
             <a:r>
-              <a:rPr lang="en-US" sz="2400" b="1" dirty="0" smtClean="0">
+              <a:rPr lang="en-US" sz="2400" b="1" dirty="0">
                 <a:latin typeface="Consolas" pitchFamily="49" charset="0"/>
                 <a:cs typeface="Consolas" pitchFamily="49" charset="0"/>
               </a:rPr>
@@ -10275,58 +9604,29 @@
           </a:p>
           <a:p>
             <a:r>
-              <a:rPr lang="en-US" sz="2400" b="1" dirty="0" smtClean="0">
-                <a:latin typeface="Consolas" pitchFamily="49" charset="0"/>
-                <a:cs typeface="Consolas" pitchFamily="49" charset="0"/>
-              </a:rPr>
-              <a:t>-- "red</a:t>
-            </a:r>
-            <a:r>
               <a:rPr lang="en-US" sz="2400" b="1" dirty="0">
                 <a:latin typeface="Consolas" pitchFamily="49" charset="0"/>
                 <a:cs typeface="Consolas" pitchFamily="49" charset="0"/>
               </a:rPr>
-              <a:t>"</a:t>
-            </a:r>
-            <a:endParaRPr lang="en-US" sz="2400" b="1" dirty="0" smtClean="0">
-              <a:latin typeface="Consolas" pitchFamily="49" charset="0"/>
-              <a:cs typeface="Consolas" pitchFamily="49" charset="0"/>
-            </a:endParaRPr>
-          </a:p>
-          <a:p>
-            <a:r>
-              <a:rPr lang="en-US" sz="2400" b="1" dirty="0" smtClean="0">
-                <a:latin typeface="Consolas" pitchFamily="49" charset="0"/>
-                <a:cs typeface="Consolas" pitchFamily="49" charset="0"/>
-              </a:rPr>
-              <a:t>-- "yellow</a:t>
-            </a:r>
+              <a:t>-- "red"</a:t>
+            </a:r>
+          </a:p>
+          <a:p>
             <a:r>
               <a:rPr lang="en-US" sz="2400" b="1" dirty="0">
                 <a:latin typeface="Consolas" pitchFamily="49" charset="0"/>
                 <a:cs typeface="Consolas" pitchFamily="49" charset="0"/>
               </a:rPr>
-              <a:t>"</a:t>
-            </a:r>
-            <a:endParaRPr lang="en-US" sz="2400" b="1" dirty="0" smtClean="0">
-              <a:latin typeface="Consolas" pitchFamily="49" charset="0"/>
-              <a:cs typeface="Consolas" pitchFamily="49" charset="0"/>
-            </a:endParaRPr>
-          </a:p>
-          <a:p>
-            <a:r>
-              <a:rPr lang="en-US" sz="2400" b="1" dirty="0" smtClean="0">
-                <a:latin typeface="Consolas" pitchFamily="49" charset="0"/>
-                <a:cs typeface="Consolas" pitchFamily="49" charset="0"/>
-              </a:rPr>
-              <a:t>-- "green</a:t>
-            </a:r>
+              <a:t>-- "yellow"</a:t>
+            </a:r>
+          </a:p>
+          <a:p>
             <a:r>
               <a:rPr lang="en-US" sz="2400" b="1" dirty="0">
                 <a:latin typeface="Consolas" pitchFamily="49" charset="0"/>
                 <a:cs typeface="Consolas" pitchFamily="49" charset="0"/>
               </a:rPr>
-              <a:t>"</a:t>
+              <a:t>-- "green"</a:t>
             </a:r>
           </a:p>
         </p:txBody>
@@ -10341,13 +9641,6 @@
   <p:clrMapOvr>
     <a:masterClrMapping/>
   </p:clrMapOvr>
-  <p:timing>
-    <p:tnLst>
-      <p:par>
-        <p:cTn id="1" dur="indefinite" restart="never" nodeType="tmRoot"/>
-      </p:par>
-    </p:tnLst>
-  </p:timing>
 </p:sld>
 </file>
 
@@ -10384,48 +9677,46 @@
           <a:lstStyle/>
           <a:p>
             <a:r>
-              <a:rPr lang="en-US" dirty="0" smtClean="0"/>
+              <a:rPr lang="en-US" dirty="0"/>
               <a:t>Another example</a:t>
             </a:r>
+          </a:p>
+        </p:txBody>
+      </p:sp>
+      <p:sp>
+        <p:nvSpPr>
+          <p:cNvPr id="9" name="Content Placeholder 8"/>
+          <p:cNvSpPr>
+            <a:spLocks noGrp="1"/>
+          </p:cNvSpPr>
+          <p:nvPr>
+            <p:ph idx="1"/>
+          </p:nvPr>
+        </p:nvSpPr>
+        <p:spPr/>
+        <p:txBody>
+          <a:bodyPr/>
+          <a:lstStyle/>
+          <a:p>
+            <a:r>
+              <a:rPr lang="en-US" dirty="0"/>
+              <a:t>Do we need an interpretation?</a:t>
+            </a:r>
+          </a:p>
+          <a:p>
             <a:endParaRPr lang="en-US" dirty="0"/>
           </a:p>
-        </p:txBody>
-      </p:sp>
-      <p:sp>
-        <p:nvSpPr>
-          <p:cNvPr id="9" name="Content Placeholder 8"/>
-          <p:cNvSpPr>
-            <a:spLocks noGrp="1"/>
-          </p:cNvSpPr>
-          <p:nvPr>
-            <p:ph idx="1"/>
-          </p:nvPr>
-        </p:nvSpPr>
-        <p:spPr/>
-        <p:txBody>
-          <a:bodyPr/>
-          <a:lstStyle/>
-          <a:p>
-            <a:r>
-              <a:rPr lang="en-US" dirty="0" smtClean="0"/>
-              <a:t>Do we need an interpretation?</a:t>
-            </a:r>
-          </a:p>
           <a:p>
             <a:endParaRPr lang="en-US" dirty="0"/>
           </a:p>
           <a:p>
-            <a:endParaRPr lang="en-US" dirty="0" smtClean="0"/>
-          </a:p>
-          <a:p>
             <a:endParaRPr lang="en-US" dirty="0"/>
           </a:p>
           <a:p>
             <a:r>
-              <a:rPr lang="en-US" dirty="0" smtClean="0"/>
+              <a:rPr lang="en-US" dirty="0"/>
               <a:t>YES: the reader is unlikely to guess that 217 denotes green, 126 denotes yellow, and 43 denotes red.</a:t>
             </a:r>
-            <a:endParaRPr lang="en-US" dirty="0"/>
           </a:p>
         </p:txBody>
       </p:sp>
@@ -10476,21 +9767,21 @@
           <a:lstStyle/>
           <a:p>
             <a:r>
-              <a:rPr lang="en-US" sz="2400" b="1" dirty="0" smtClean="0">
+              <a:rPr lang="en-US" sz="2400" b="1" dirty="0">
                 <a:latin typeface="Consolas" pitchFamily="49" charset="0"/>
                 <a:cs typeface="Consolas" pitchFamily="49" charset="0"/>
               </a:rPr>
               <a:t>A </a:t>
             </a:r>
             <a:r>
-              <a:rPr lang="en-US" sz="2400" b="1" dirty="0" err="1" smtClean="0">
+              <a:rPr lang="en-US" sz="2400" b="1" dirty="0" err="1">
                 <a:latin typeface="Consolas" pitchFamily="49" charset="0"/>
                 <a:cs typeface="Consolas" pitchFamily="49" charset="0"/>
               </a:rPr>
               <a:t>TLState</a:t>
             </a:r>
             <a:r>
-              <a:rPr lang="en-US" sz="2400" b="1" dirty="0" smtClean="0">
+              <a:rPr lang="en-US" sz="2400" b="1" dirty="0">
                 <a:latin typeface="Consolas" pitchFamily="49" charset="0"/>
                 <a:cs typeface="Consolas" pitchFamily="49" charset="0"/>
               </a:rPr>
@@ -10499,63 +9790,30 @@
           </a:p>
           <a:p>
             <a:r>
-              <a:rPr lang="en-US" sz="2400" b="1" dirty="0" smtClean="0">
+              <a:rPr lang="en-US" sz="2400" b="1" dirty="0">
                 <a:latin typeface="Consolas" pitchFamily="49" charset="0"/>
                 <a:cs typeface="Consolas" pitchFamily="49" charset="0"/>
               </a:rPr>
-              <a:t>-- </a:t>
-            </a:r>
-            <a:r>
-              <a:rPr lang="en-US" sz="2400" b="1" dirty="0" smtClean="0">
+              <a:t>-- 217</a:t>
+            </a:r>
+          </a:p>
+          <a:p>
+            <a:r>
+              <a:rPr lang="en-US" sz="2400" b="1" dirty="0">
                 <a:latin typeface="Consolas" pitchFamily="49" charset="0"/>
                 <a:cs typeface="Consolas" pitchFamily="49" charset="0"/>
               </a:rPr>
-              <a:t>217</a:t>
-            </a:r>
-            <a:endParaRPr lang="en-US" sz="2400" b="1" dirty="0" smtClean="0">
-              <a:latin typeface="Consolas" pitchFamily="49" charset="0"/>
-              <a:cs typeface="Consolas" pitchFamily="49" charset="0"/>
-            </a:endParaRPr>
-          </a:p>
-          <a:p>
-            <a:r>
-              <a:rPr lang="en-US" sz="2400" b="1" dirty="0" smtClean="0">
+              <a:t>-- 126</a:t>
+            </a:r>
+          </a:p>
+          <a:p>
+            <a:r>
+              <a:rPr lang="en-US" sz="2400" b="1" dirty="0">
                 <a:latin typeface="Consolas" pitchFamily="49" charset="0"/>
                 <a:cs typeface="Consolas" pitchFamily="49" charset="0"/>
               </a:rPr>
-              <a:t>-- </a:t>
-            </a:r>
-            <a:r>
-              <a:rPr lang="en-US" sz="2400" b="1" dirty="0" smtClean="0">
-                <a:latin typeface="Consolas" pitchFamily="49" charset="0"/>
-                <a:cs typeface="Consolas" pitchFamily="49" charset="0"/>
-              </a:rPr>
-              <a:t>126</a:t>
-            </a:r>
-            <a:endParaRPr lang="en-US" sz="2400" b="1" dirty="0" smtClean="0">
-              <a:latin typeface="Consolas" pitchFamily="49" charset="0"/>
-              <a:cs typeface="Consolas" pitchFamily="49" charset="0"/>
-            </a:endParaRPr>
-          </a:p>
-          <a:p>
-            <a:r>
-              <a:rPr lang="en-US" sz="2400" b="1" dirty="0" smtClean="0">
-                <a:latin typeface="Consolas" pitchFamily="49" charset="0"/>
-                <a:cs typeface="Consolas" pitchFamily="49" charset="0"/>
-              </a:rPr>
-              <a:t>-- </a:t>
-            </a:r>
-            <a:r>
-              <a:rPr lang="en-US" sz="2400" b="1" dirty="0" smtClean="0">
-                <a:latin typeface="Consolas" pitchFamily="49" charset="0"/>
-                <a:cs typeface="Consolas" pitchFamily="49" charset="0"/>
-              </a:rPr>
-              <a:t>43</a:t>
-            </a:r>
-            <a:endParaRPr lang="en-US" sz="2400" b="1" dirty="0">
-              <a:latin typeface="Consolas" pitchFamily="49" charset="0"/>
-              <a:cs typeface="Consolas" pitchFamily="49" charset="0"/>
-            </a:endParaRPr>
+              <a:t>-- 43</a:t>
+            </a:r>
           </a:p>
         </p:txBody>
       </p:sp>
@@ -10569,13 +9827,6 @@
   <p:clrMapOvr>
     <a:masterClrMapping/>
   </p:clrMapOvr>
-  <p:timing>
-    <p:tnLst>
-      <p:par>
-        <p:cTn id="1" dur="indefinite" restart="never" nodeType="tmRoot"/>
-      </p:par>
-    </p:tnLst>
-  </p:timing>
 </p:sld>
 </file>
 
@@ -10612,10 +9863,9 @@
           <a:lstStyle/>
           <a:p>
             <a:r>
-              <a:rPr lang="en-US" dirty="0" smtClean="0"/>
+              <a:rPr lang="en-US" dirty="0"/>
               <a:t> Not all integers are created equal</a:t>
             </a:r>
-            <a:endParaRPr lang="en-US" dirty="0"/>
           </a:p>
         </p:txBody>
       </p:sp>
@@ -10697,22 +9947,16 @@
               <a:rPr lang="en-US" sz="900" dirty="0">
                 <a:hlinkClick r:id="rId3"/>
               </a:rPr>
-              <a:t>https://www.flickr.com/photos/7-how-7/4139229048/in/pool-1996770@N25</a:t>
-            </a:r>
-            <a:r>
-              <a:rPr lang="en-US" sz="900" dirty="0" smtClean="0">
-                <a:hlinkClick r:id="rId3"/>
-              </a:rPr>
-              <a:t>/</a:t>
-            </a:r>
-            <a:r>
-              <a:rPr lang="en-US" sz="900" dirty="0" smtClean="0"/>
+              <a:t>https://www.flickr.com/photos/7-how-7/4139229048/in/pool-1996770@N25/</a:t>
+            </a:r>
+            <a:r>
+              <a:rPr lang="en-US" sz="900" dirty="0"/>
               <a:t> licensed under</a:t>
             </a:r>
           </a:p>
           <a:p>
             <a:r>
-              <a:rPr lang="en-US" sz="900" dirty="0" smtClean="0">
+              <a:rPr lang="en-US" sz="900" dirty="0">
                 <a:hlinkClick r:id="rId4"/>
               </a:rPr>
               <a:t>Creative Commons License</a:t>
@@ -10744,16 +9988,15 @@
           <a:lstStyle/>
           <a:p>
             <a:r>
-              <a:rPr lang="en-US" dirty="0" smtClean="0"/>
+              <a:rPr lang="en-US" dirty="0"/>
               <a:t>The interpretation tells you the meaning of each number.  It also tells you</a:t>
             </a:r>
           </a:p>
           <a:p>
             <a:r>
-              <a:rPr lang="en-US" dirty="0" smtClean="0"/>
+              <a:rPr lang="en-US" dirty="0"/>
               <a:t>that you shouldn't be adding these integers!</a:t>
             </a:r>
-            <a:endParaRPr lang="en-US" dirty="0"/>
           </a:p>
         </p:txBody>
       </p:sp>
@@ -10767,13 +10010,6 @@
   <p:clrMapOvr>
     <a:masterClrMapping/>
   </p:clrMapOvr>
-  <p:timing>
-    <p:tnLst>
-      <p:par>
-        <p:cTn id="1" dur="indefinite" restart="never" nodeType="tmRoot"/>
-      </p:par>
-    </p:tnLst>
-  </p:timing>
 </p:sld>
 </file>
 
@@ -10810,10 +10046,9 @@
           <a:lstStyle/>
           <a:p>
             <a:r>
-              <a:rPr lang="en-US" dirty="0" smtClean="0"/>
+              <a:rPr lang="en-US" dirty="0"/>
               <a:t>Summary</a:t>
             </a:r>
-            <a:endParaRPr lang="en-US" dirty="0"/>
           </a:p>
         </p:txBody>
       </p:sp>
@@ -10833,22 +10068,17 @@
           <a:lstStyle/>
           <a:p>
             <a:r>
-              <a:rPr lang="en-US" dirty="0" smtClean="0"/>
-              <a:t>You should now be able </a:t>
-            </a:r>
-            <a:r>
-              <a:rPr lang="en-US" dirty="0" smtClean="0"/>
-              <a:t>to write </a:t>
-            </a:r>
-            <a:r>
-              <a:rPr lang="en-US" dirty="0" err="1" smtClean="0"/>
+              <a:rPr lang="en-US" dirty="0"/>
+              <a:t>You should now be able to write </a:t>
+            </a:r>
+            <a:r>
+              <a:rPr lang="en-US" dirty="0" err="1"/>
               <a:t>struct</a:t>
             </a:r>
             <a:r>
-              <a:rPr lang="en-US" dirty="0" smtClean="0"/>
+              <a:rPr lang="en-US" dirty="0"/>
               <a:t> definitions, constructor templates, and interpretations for mixed, compound, and itemization data.</a:t>
             </a:r>
-            <a:endParaRPr lang="en-US" dirty="0"/>
           </a:p>
         </p:txBody>
       </p:sp>
@@ -10885,13 +10115,6 @@
   <p:clrMapOvr>
     <a:masterClrMapping/>
   </p:clrMapOvr>
-  <p:timing>
-    <p:tnLst>
-      <p:par>
-        <p:cTn id="1" dur="indefinite" restart="never" nodeType="tmRoot"/>
-      </p:par>
-    </p:tnLst>
-  </p:timing>
 </p:sld>
 </file>
 
@@ -10928,10 +10151,9 @@
           <a:lstStyle/>
           <a:p>
             <a:r>
-              <a:rPr lang="en-US" dirty="0" smtClean="0"/>
+              <a:rPr lang="en-US" dirty="0"/>
               <a:t>Next Steps</a:t>
             </a:r>
-            <a:endParaRPr lang="en-US" dirty="0"/>
           </a:p>
         </p:txBody>
       </p:sp>
@@ -10951,20 +10173,15 @@
           <a:lstStyle/>
           <a:p>
             <a:r>
-              <a:rPr lang="en-US" dirty="0" smtClean="0"/>
-              <a:t>If </a:t>
-            </a:r>
-            <a:r>
-              <a:rPr lang="en-US" dirty="0" smtClean="0"/>
-              <a:t>you have questions about this lesson, ask them on the Discussion Board</a:t>
-            </a:r>
-          </a:p>
-          <a:p>
-            <a:r>
-              <a:rPr lang="en-US" dirty="0" smtClean="0"/>
+              <a:rPr lang="en-US" dirty="0"/>
+              <a:t>If you have questions about this lesson, ask them on the Discussion Board</a:t>
+            </a:r>
+          </a:p>
+          <a:p>
+            <a:r>
+              <a:rPr lang="en-US" dirty="0"/>
               <a:t>Go on to the next lesson</a:t>
             </a:r>
-            <a:endParaRPr lang="en-US" dirty="0"/>
           </a:p>
         </p:txBody>
       </p:sp>
@@ -11001,13 +10218,6 @@
   <p:clrMapOvr>
     <a:masterClrMapping/>
   </p:clrMapOvr>
-  <p:timing>
-    <p:tnLst>
-      <p:par>
-        <p:cTn id="1" dur="indefinite" restart="never" nodeType="tmRoot"/>
-      </p:par>
-    </p:tnLst>
-  </p:timing>
 </p:sld>
 </file>
 
@@ -11038,7 +10248,7 @@
             <p:ph idx="1"/>
             <p:extLst>
               <p:ext uri="{D42A27DB-BD31-4B8C-83A1-F6EECF244321}">
-                <p14:modId xmlns:p14="http://schemas.microsoft.com/office/powerpoint/2010/main" val="2485493832"/>
+                <p14:modId xmlns:p14="http://schemas.microsoft.com/office/powerpoint/2010/main" val="789784387"/>
               </p:ext>
             </p:extLst>
           </p:nvPr>
@@ -11054,7 +10264,13 @@
                 <a:tableStyleId>{5C22544A-7EE6-4342-B048-85BDC9FD1C3A}</a:tableStyleId>
               </a:tblPr>
               <a:tblGrid>
-                <a:gridCol w="8229600"/>
+                <a:gridCol w="8229600">
+                  <a:extLst>
+                    <a:ext uri="{9D8B030D-6E8A-4147-A177-3AD203B41FA5}">
+                      <a16:colId xmlns:a16="http://schemas.microsoft.com/office/drawing/2014/main" val="20000"/>
+                    </a:ext>
+                  </a:extLst>
+                </a:gridCol>
               </a:tblGrid>
               <a:tr h="370840">
                 <a:tc>
@@ -11064,22 +10280,26 @@
                     <a:p>
                       <a:pPr algn="ctr"/>
                       <a:r>
-                        <a:rPr lang="en-US" sz="3200" dirty="0" smtClean="0"/>
+                        <a:rPr lang="en-US" sz="3200" dirty="0"/>
                         <a:t>The</a:t>
                       </a:r>
                       <a:r>
-                        <a:rPr lang="en-US" sz="3200" baseline="0" dirty="0" smtClean="0"/>
+                        <a:rPr lang="en-US" sz="3200" baseline="0" dirty="0"/>
                         <a:t> Data</a:t>
                       </a:r>
                       <a:r>
-                        <a:rPr lang="en-US" sz="3200" dirty="0" smtClean="0"/>
+                        <a:rPr lang="en-US" sz="3200" dirty="0"/>
                         <a:t> Design Recipe</a:t>
                       </a:r>
-                      <a:endParaRPr lang="en-US" sz="3200" dirty="0"/>
                     </a:p>
                   </a:txBody>
                   <a:tcPr/>
                 </a:tc>
+                <a:extLst>
+                  <a:ext uri="{0D108BD9-81ED-4DB2-BD59-A6C34878D82A}">
+                    <a16:rowId xmlns:a16="http://schemas.microsoft.com/office/drawing/2014/main" val="10000"/>
+                  </a:ext>
+                </a:extLst>
               </a:tr>
               <a:tr h="370840">
                 <a:tc>
@@ -11105,19 +10325,19 @@
                         <a:defRPr/>
                       </a:pPr>
                       <a:r>
-                        <a:rPr lang="en-US" sz="3200" dirty="0" smtClean="0"/>
+                        <a:rPr lang="en-US" sz="3200" dirty="0"/>
                         <a:t>1. What</a:t>
                       </a:r>
                       <a:r>
-                        <a:rPr lang="en-US" sz="3200" baseline="0" dirty="0" smtClean="0"/>
+                        <a:rPr lang="en-US" sz="3200" baseline="0" dirty="0"/>
                         <a:t> information needs to be represented in your program? </a:t>
                       </a:r>
                       <a:r>
-                        <a:rPr lang="en-US" sz="3200" dirty="0" smtClean="0"/>
+                        <a:rPr lang="en-US" sz="3200" dirty="0"/>
                         <a:t>What</a:t>
                       </a:r>
                       <a:r>
-                        <a:rPr lang="en-US" sz="3200" baseline="0" dirty="0" smtClean="0"/>
+                        <a:rPr lang="en-US" sz="3200" baseline="0" dirty="0"/>
                         <a:t> kind of information is each piece?</a:t>
                       </a:r>
                       <a:endParaRPr lang="en-US" sz="3200" dirty="0"/>
@@ -11125,6 +10345,11 @@
                   </a:txBody>
                   <a:tcPr/>
                 </a:tc>
+                <a:extLst>
+                  <a:ext uri="{0D108BD9-81ED-4DB2-BD59-A6C34878D82A}">
+                    <a16:rowId xmlns:a16="http://schemas.microsoft.com/office/drawing/2014/main" val="10001"/>
+                  </a:ext>
+                </a:extLst>
               </a:tr>
               <a:tr h="370840">
                 <a:tc>
@@ -11133,11 +10358,11 @@
                     <a:lstStyle/>
                     <a:p>
                       <a:r>
-                        <a:rPr lang="en-US" sz="3200" dirty="0" smtClean="0"/>
+                        <a:rPr lang="en-US" sz="3200" dirty="0"/>
                         <a:t>2. Structure</a:t>
                       </a:r>
                       <a:r>
-                        <a:rPr lang="en-US" sz="3200" baseline="0" dirty="0" smtClean="0"/>
+                        <a:rPr lang="en-US" sz="3200" baseline="0" dirty="0"/>
                         <a:t> Definitions</a:t>
                       </a:r>
                       <a:endParaRPr lang="en-US" sz="3200" dirty="0"/>
@@ -11145,6 +10370,11 @@
                   </a:txBody>
                   <a:tcPr/>
                 </a:tc>
+                <a:extLst>
+                  <a:ext uri="{0D108BD9-81ED-4DB2-BD59-A6C34878D82A}">
+                    <a16:rowId xmlns:a16="http://schemas.microsoft.com/office/drawing/2014/main" val="10002"/>
+                  </a:ext>
+                </a:extLst>
               </a:tr>
               <a:tr h="370840">
                 <a:tc>
@@ -11153,11 +10383,11 @@
                     <a:lstStyle/>
                     <a:p>
                       <a:r>
-                        <a:rPr lang="en-US" sz="3200" dirty="0" smtClean="0"/>
+                        <a:rPr lang="en-US" sz="3200" dirty="0"/>
                         <a:t>3.</a:t>
                       </a:r>
                       <a:r>
-                        <a:rPr lang="en-US" sz="3200" baseline="0" dirty="0" smtClean="0"/>
+                        <a:rPr lang="en-US" sz="3200" baseline="0" dirty="0"/>
                         <a:t> Constructor Template</a:t>
                       </a:r>
                       <a:endParaRPr lang="en-US" sz="3200" dirty="0"/>
@@ -11165,6 +10395,11 @@
                   </a:txBody>
                   <a:tcPr/>
                 </a:tc>
+                <a:extLst>
+                  <a:ext uri="{0D108BD9-81ED-4DB2-BD59-A6C34878D82A}">
+                    <a16:rowId xmlns:a16="http://schemas.microsoft.com/office/drawing/2014/main" val="10003"/>
+                  </a:ext>
+                </a:extLst>
               </a:tr>
               <a:tr h="370840">
                 <a:tc>
@@ -11173,13 +10408,18 @@
                     <a:lstStyle/>
                     <a:p>
                       <a:r>
-                        <a:rPr lang="en-US" sz="3200" dirty="0" smtClean="0"/>
+                        <a:rPr lang="en-US" sz="3200" dirty="0"/>
                         <a:t>4. Interpretation</a:t>
                       </a:r>
                     </a:p>
                   </a:txBody>
                   <a:tcPr/>
                 </a:tc>
+                <a:extLst>
+                  <a:ext uri="{0D108BD9-81ED-4DB2-BD59-A6C34878D82A}">
+                    <a16:rowId xmlns:a16="http://schemas.microsoft.com/office/drawing/2014/main" val="10004"/>
+                  </a:ext>
+                </a:extLst>
               </a:tr>
               <a:tr h="370840">
                 <a:tc>
@@ -11188,11 +10428,11 @@
                     <a:lstStyle/>
                     <a:p>
                       <a:r>
-                        <a:rPr lang="en-US" sz="3200" dirty="0" smtClean="0"/>
-                        <a:t>5. Destructor</a:t>
+                        <a:rPr lang="en-US" sz="3200" dirty="0"/>
+                        <a:t>5. Observer</a:t>
                       </a:r>
                       <a:r>
-                        <a:rPr lang="en-US" sz="3200" baseline="0" dirty="0" smtClean="0"/>
+                        <a:rPr lang="en-US" sz="3200" baseline="0" dirty="0"/>
                         <a:t> Template</a:t>
                       </a:r>
                       <a:endParaRPr lang="en-US" sz="3200" dirty="0"/>
@@ -11200,6 +10440,11 @@
                   </a:txBody>
                   <a:tcPr/>
                 </a:tc>
+                <a:extLst>
+                  <a:ext uri="{0D108BD9-81ED-4DB2-BD59-A6C34878D82A}">
+                    <a16:rowId xmlns:a16="http://schemas.microsoft.com/office/drawing/2014/main" val="10005"/>
+                  </a:ext>
+                </a:extLst>
               </a:tr>
               <a:tr h="370840">
                 <a:tc>
@@ -11208,14 +10453,18 @@
                     <a:lstStyle/>
                     <a:p>
                       <a:r>
-                        <a:rPr lang="en-US" sz="3200" dirty="0" smtClean="0"/>
+                        <a:rPr lang="en-US" sz="3200" dirty="0"/>
                         <a:t>6. Examples</a:t>
                       </a:r>
-                      <a:endParaRPr lang="en-US" sz="3200" dirty="0"/>
                     </a:p>
                   </a:txBody>
                   <a:tcPr/>
                 </a:tc>
+                <a:extLst>
+                  <a:ext uri="{0D108BD9-81ED-4DB2-BD59-A6C34878D82A}">
+                    <a16:rowId xmlns:a16="http://schemas.microsoft.com/office/drawing/2014/main" val="10006"/>
+                  </a:ext>
+                </a:extLst>
               </a:tr>
               <a:tr h="370840">
                 <a:tc>
@@ -11224,14 +10473,18 @@
                     <a:lstStyle/>
                     <a:p>
                       <a:r>
-                        <a:rPr lang="en-US" sz="3200" dirty="0" smtClean="0"/>
+                        <a:rPr lang="en-US" sz="3200" dirty="0"/>
                         <a:t>7. Review</a:t>
                       </a:r>
-                      <a:endParaRPr lang="en-US" sz="3200" dirty="0"/>
                     </a:p>
                   </a:txBody>
                   <a:tcPr/>
                 </a:tc>
+                <a:extLst>
+                  <a:ext uri="{0D108BD9-81ED-4DB2-BD59-A6C34878D82A}">
+                    <a16:rowId xmlns:a16="http://schemas.microsoft.com/office/drawing/2014/main" val="10007"/>
+                  </a:ext>
+                </a:extLst>
               </a:tr>
             </a:tbl>
           </a:graphicData>
@@ -11271,13 +10524,6 @@
   <p:clrMapOvr>
     <a:masterClrMapping/>
   </p:clrMapOvr>
-  <p:timing>
-    <p:tnLst>
-      <p:par>
-        <p:cTn id="1" dur="indefinite" restart="never" nodeType="tmRoot"/>
-      </p:par>
-    </p:tnLst>
-  </p:timing>
 </p:sld>
 </file>
 
@@ -11316,10 +10562,9 @@
           <a:lstStyle/>
           <a:p>
             <a:r>
-              <a:rPr lang="en-US" dirty="0" smtClean="0"/>
+              <a:rPr lang="en-US" dirty="0"/>
               <a:t>DDR Step 1. What information needs to be represented?</a:t>
             </a:r>
-            <a:endParaRPr lang="en-US" dirty="0"/>
           </a:p>
         </p:txBody>
       </p:sp>
@@ -11339,16 +10584,15 @@
           <a:lstStyle/>
           <a:p>
             <a:r>
-              <a:rPr lang="en-US" dirty="0" smtClean="0"/>
+              <a:rPr lang="en-US" dirty="0"/>
               <a:t>This is usually pretty clear; depends on the application.</a:t>
             </a:r>
           </a:p>
           <a:p>
             <a:r>
-              <a:rPr lang="en-US" dirty="0" smtClean="0"/>
+              <a:rPr lang="en-US" dirty="0"/>
               <a:t>In general, information needs to be represented when it might take many values, and your program needs to know which one is right.</a:t>
             </a:r>
-            <a:endParaRPr lang="en-US" dirty="0"/>
           </a:p>
         </p:txBody>
       </p:sp>
@@ -11386,13 +10630,6 @@
   <p:clrMapOvr>
     <a:masterClrMapping/>
   </p:clrMapOvr>
-  <p:timing>
-    <p:tnLst>
-      <p:par>
-        <p:cTn id="1" dur="indefinite" restart="never" nodeType="tmRoot"/>
-      </p:par>
-    </p:tnLst>
-  </p:timing>
 </p:sld>
 </file>
 
@@ -11429,10 +10666,9 @@
           <a:lstStyle/>
           <a:p>
             <a:r>
-              <a:rPr lang="en-US" dirty="0" smtClean="0"/>
+              <a:rPr lang="en-US" dirty="0"/>
               <a:t>Example: representing a car</a:t>
             </a:r>
-            <a:endParaRPr lang="en-US" dirty="0"/>
           </a:p>
         </p:txBody>
       </p:sp>
@@ -11454,28 +10690,27 @@
           <a:lstStyle/>
           <a:p>
             <a:r>
-              <a:rPr lang="en-US" dirty="0" smtClean="0"/>
+              <a:rPr lang="en-US" dirty="0"/>
               <a:t>How does one car differ from another?</a:t>
             </a:r>
           </a:p>
           <a:p>
             <a:r>
-              <a:rPr lang="en-US" dirty="0" smtClean="0"/>
+              <a:rPr lang="en-US" dirty="0"/>
               <a:t>In a traffic simulation, I might only need to keep track of each car's position and velocity</a:t>
             </a:r>
           </a:p>
           <a:p>
             <a:r>
-              <a:rPr lang="en-US" dirty="0" smtClean="0"/>
+              <a:rPr lang="en-US" dirty="0"/>
               <a:t>For TV coverage of an auto race, I might need to keep track of enough information to distinguish it from all the others in the race.</a:t>
             </a:r>
           </a:p>
           <a:p>
             <a:r>
-              <a:rPr lang="en-US" dirty="0" smtClean="0"/>
+              <a:rPr lang="en-US" dirty="0"/>
               <a:t>For an auto dealer, I might need to keep track of enough information to distinguish this car from all the others in the world.</a:t>
             </a:r>
-            <a:endParaRPr lang="en-US" dirty="0"/>
           </a:p>
         </p:txBody>
       </p:sp>
@@ -11513,13 +10748,6 @@
   <p:clrMapOvr>
     <a:masterClrMapping/>
   </p:clrMapOvr>
-  <p:timing>
-    <p:tnLst>
-      <p:par>
-        <p:cTn id="1" dur="indefinite" restart="never" nodeType="tmRoot"/>
-      </p:par>
-    </p:tnLst>
-  </p:timing>
 </p:sld>
 </file>
 
@@ -11556,10 +10784,9 @@
           <a:lstStyle/>
           <a:p>
             <a:r>
-              <a:rPr lang="en-US" dirty="0" smtClean="0"/>
+              <a:rPr lang="en-US" dirty="0"/>
               <a:t>Example: representing a car</a:t>
             </a:r>
-            <a:endParaRPr lang="en-US" dirty="0"/>
           </a:p>
         </p:txBody>
       </p:sp>
@@ -11579,10 +10806,9 @@
           <a:lstStyle/>
           <a:p>
             <a:r>
-              <a:rPr lang="en-US" dirty="0" smtClean="0"/>
+              <a:rPr lang="en-US" dirty="0"/>
               <a:t>Also need to keep track of other information that is needed by the application, of course.</a:t>
             </a:r>
-            <a:endParaRPr lang="en-US" dirty="0"/>
           </a:p>
         </p:txBody>
       </p:sp>
@@ -11620,13 +10846,6 @@
   <p:clrMapOvr>
     <a:masterClrMapping/>
   </p:clrMapOvr>
-  <p:timing>
-    <p:tnLst>
-      <p:par>
-        <p:cTn id="1" dur="indefinite" restart="never" nodeType="tmRoot"/>
-      </p:par>
-    </p:tnLst>
-  </p:timing>
 </p:sld>
 </file>
 
@@ -11665,10 +10884,9 @@
           <a:lstStyle/>
           <a:p>
             <a:r>
-              <a:rPr lang="en-US" dirty="0" smtClean="0"/>
+              <a:rPr lang="en-US" dirty="0"/>
               <a:t>DDR Step 2. Structure definitions</a:t>
             </a:r>
-            <a:endParaRPr lang="en-US" dirty="0"/>
           </a:p>
         </p:txBody>
       </p:sp>
@@ -11691,18 +10909,10 @@
           <a:p>
             <a:r>
               <a:rPr lang="en-US" dirty="0"/>
-              <a:t>In Racket, we represent </a:t>
-            </a:r>
-            <a:r>
-              <a:rPr lang="en-US" dirty="0" smtClean="0"/>
-              <a:t>compound data </a:t>
-            </a:r>
-            <a:r>
-              <a:rPr lang="en-US" dirty="0"/>
-              <a:t>as a </a:t>
-            </a:r>
-            <a:r>
-              <a:rPr lang="en-US" b="1" dirty="0" smtClean="0">
+              <a:t>In Racket, we represent compound data as a </a:t>
+            </a:r>
+            <a:r>
+              <a:rPr lang="en-US" b="1" dirty="0">
                 <a:latin typeface="Consolas" pitchFamily="49" charset="0"/>
                 <a:cs typeface="Consolas" pitchFamily="49" charset="0"/>
               </a:rPr>
@@ -11711,7 +10921,7 @@
           </a:p>
           <a:p>
             <a:r>
-              <a:rPr lang="en-US" dirty="0" smtClean="0">
+              <a:rPr lang="en-US" dirty="0">
                 <a:cs typeface="Consolas" pitchFamily="49" charset="0"/>
               </a:rPr>
               <a:t>This is like a struct or record in other languages.</a:t>
@@ -11719,25 +10929,25 @@
           </a:p>
           <a:p>
             <a:r>
-              <a:rPr lang="en-US" dirty="0" smtClean="0">
+              <a:rPr lang="en-US" dirty="0">
                 <a:cs typeface="Consolas" pitchFamily="49" charset="0"/>
               </a:rPr>
               <a:t>For mixed data, we may need several </a:t>
             </a:r>
             <a:r>
-              <a:rPr lang="en-US" dirty="0" err="1" smtClean="0">
+              <a:rPr lang="en-US" dirty="0" err="1">
                 <a:cs typeface="Consolas" pitchFamily="49" charset="0"/>
               </a:rPr>
               <a:t>structs</a:t>
             </a:r>
-            <a:endParaRPr lang="en-US" dirty="0" smtClean="0">
+            <a:endParaRPr lang="en-US" dirty="0">
               <a:cs typeface="Consolas" pitchFamily="49" charset="0"/>
             </a:endParaRPr>
           </a:p>
           <a:p>
             <a:pPr lvl="1"/>
             <a:r>
-              <a:rPr lang="en-US" dirty="0" smtClean="0">
+              <a:rPr lang="en-US" dirty="0">
                 <a:cs typeface="Consolas" pitchFamily="49" charset="0"/>
               </a:rPr>
               <a:t>we'll see an example later</a:t>
@@ -11745,39 +10955,39 @@
           </a:p>
           <a:p>
             <a:r>
-              <a:rPr lang="en-US" dirty="0" smtClean="0">
+              <a:rPr lang="en-US" dirty="0">
                 <a:cs typeface="Consolas" pitchFamily="49" charset="0"/>
               </a:rPr>
               <a:t>In Racket, we define new kinds of </a:t>
             </a:r>
             <a:r>
-              <a:rPr lang="en-US" dirty="0" err="1" smtClean="0">
+              <a:rPr lang="en-US" dirty="0" err="1">
                 <a:cs typeface="Consolas" pitchFamily="49" charset="0"/>
               </a:rPr>
               <a:t>structs</a:t>
             </a:r>
             <a:r>
-              <a:rPr lang="en-US" dirty="0" smtClean="0">
+              <a:rPr lang="en-US" dirty="0">
                 <a:cs typeface="Consolas" pitchFamily="49" charset="0"/>
               </a:rPr>
               <a:t> or records with </a:t>
             </a:r>
             <a:r>
-              <a:rPr lang="en-US" b="1" dirty="0" smtClean="0">
+              <a:rPr lang="en-US" b="1" dirty="0">
                 <a:latin typeface="Consolas" pitchFamily="49" charset="0"/>
                 <a:cs typeface="Consolas" pitchFamily="49" charset="0"/>
               </a:rPr>
               <a:t>define-</a:t>
             </a:r>
             <a:r>
-              <a:rPr lang="en-US" b="1" dirty="0" err="1" smtClean="0">
+              <a:rPr lang="en-US" b="1" dirty="0" err="1">
                 <a:latin typeface="Consolas" pitchFamily="49" charset="0"/>
                 <a:cs typeface="Consolas" pitchFamily="49" charset="0"/>
               </a:rPr>
               <a:t>struct</a:t>
             </a:r>
             <a:r>
-              <a:rPr lang="en-US" dirty="0" smtClean="0">
+              <a:rPr lang="en-US" dirty="0">
                 <a:cs typeface="Consolas" pitchFamily="49" charset="0"/>
               </a:rPr>
               <a:t>.</a:t>
@@ -11785,16 +10995,10 @@
           </a:p>
           <a:p>
             <a:r>
-              <a:rPr lang="en-US" dirty="0" smtClean="0">
+              <a:rPr lang="en-US" dirty="0">
                 <a:cs typeface="Consolas" pitchFamily="49" charset="0"/>
               </a:rPr>
-              <a:t>We saw these in Lesson 0.4.  Here’s a </a:t>
-            </a:r>
-            <a:r>
-              <a:rPr lang="en-US" dirty="0" smtClean="0">
-                <a:cs typeface="Consolas" pitchFamily="49" charset="0"/>
-              </a:rPr>
-              <a:t>review:</a:t>
+              <a:t>We saw these in Lesson 0.4.  Here’s a review:</a:t>
             </a:r>
             <a:endParaRPr lang="en-US" dirty="0">
               <a:cs typeface="Courier New" pitchFamily="49" charset="0"/>
@@ -11839,13 +11043,6 @@
   <p:clrMapOvr>
     <a:masterClrMapping/>
   </p:clrMapOvr>
-  <p:timing>
-    <p:tnLst>
-      <p:par>
-        <p:cTn id="1" dur="indefinite" restart="never" nodeType="tmRoot"/>
-      </p:par>
-    </p:tnLst>
-  </p:timing>
 </p:sld>
 </file>
 
@@ -11884,14 +11081,11 @@
           <a:lstStyle/>
           <a:p>
             <a:r>
-              <a:rPr lang="en-US" dirty="0" smtClean="0">
+              <a:rPr lang="en-US" dirty="0">
                 <a:cs typeface="Consolas" pitchFamily="49" charset="0"/>
               </a:rPr>
               <a:t>Example of a structure definition in Racket</a:t>
             </a:r>
-            <a:endParaRPr lang="en-US" dirty="0">
-              <a:cs typeface="Consolas" pitchFamily="49" charset="0"/>
-            </a:endParaRPr>
           </a:p>
         </p:txBody>
       </p:sp>
@@ -11922,30 +11116,26 @@
           <a:lstStyle/>
           <a:p>
             <a:r>
-              <a:rPr lang="en-US" sz="2400" b="1" dirty="0" smtClean="0">
+              <a:rPr lang="en-US" sz="2400" b="1" dirty="0">
                 <a:latin typeface="Consolas" pitchFamily="49" charset="0"/>
                 <a:cs typeface="Consolas" pitchFamily="49" charset="0"/>
               </a:rPr>
               <a:t>(define-</a:t>
             </a:r>
             <a:r>
-              <a:rPr lang="en-US" sz="2400" b="1" dirty="0" err="1" smtClean="0">
+              <a:rPr lang="en-US" sz="2400" b="1" dirty="0" err="1">
                 <a:latin typeface="Consolas" pitchFamily="49" charset="0"/>
                 <a:cs typeface="Consolas" pitchFamily="49" charset="0"/>
               </a:rPr>
               <a:t>struct</a:t>
             </a:r>
             <a:r>
-              <a:rPr lang="en-US" sz="2400" b="1" dirty="0" smtClean="0">
+              <a:rPr lang="en-US" sz="2400" b="1" dirty="0">
                 <a:latin typeface="Consolas" pitchFamily="49" charset="0"/>
                 <a:cs typeface="Consolas" pitchFamily="49" charset="0"/>
               </a:rPr>
               <a:t> book (author title on-hand price))</a:t>
             </a:r>
-            <a:endParaRPr lang="en-US" sz="2400" b="1" dirty="0">
-              <a:latin typeface="Consolas" pitchFamily="49" charset="0"/>
-              <a:cs typeface="Consolas" pitchFamily="49" charset="0"/>
-            </a:endParaRPr>
           </a:p>
         </p:txBody>
       </p:sp>
@@ -11972,27 +11162,27 @@
           <a:lstStyle/>
           <a:p>
             <a:r>
-              <a:rPr lang="en-US" sz="2400" dirty="0" smtClean="0"/>
+              <a:rPr lang="en-US" sz="2400" dirty="0"/>
               <a:t>Executing this </a:t>
             </a:r>
             <a:r>
-              <a:rPr lang="en-US" sz="2400" b="1" dirty="0" smtClean="0">
+              <a:rPr lang="en-US" sz="2400" b="1" dirty="0">
                 <a:latin typeface="Consolas" pitchFamily="49" charset="0"/>
                 <a:cs typeface="Consolas" pitchFamily="49" charset="0"/>
               </a:rPr>
               <a:t>define-struct</a:t>
             </a:r>
             <a:r>
-              <a:rPr lang="en-US" sz="2400" dirty="0" smtClean="0"/>
+              <a:rPr lang="en-US" sz="2400" dirty="0"/>
               <a:t> defines the following functions:</a:t>
             </a:r>
           </a:p>
           <a:p>
-            <a:endParaRPr lang="en-US" sz="2400" dirty="0" smtClean="0"/>
-          </a:p>
-          <a:p>
-            <a:r>
-              <a:rPr lang="en-US" sz="2400" b="1" dirty="0" smtClean="0">
+            <a:endParaRPr lang="en-US" sz="2400" dirty="0"/>
+          </a:p>
+          <a:p>
+            <a:r>
+              <a:rPr lang="en-US" sz="2400" b="1" dirty="0">
                 <a:latin typeface="Consolas" pitchFamily="49" charset="0"/>
                 <a:cs typeface="Consolas" pitchFamily="49" charset="0"/>
               </a:rPr>
@@ -12000,11 +11190,11 @@
             </a:r>
           </a:p>
           <a:p>
-            <a:endParaRPr lang="en-US" sz="2400" dirty="0" smtClean="0"/>
-          </a:p>
-          <a:p>
-            <a:r>
-              <a:rPr lang="en-US" sz="2400" b="1" dirty="0" smtClean="0">
+            <a:endParaRPr lang="en-US" sz="2400" dirty="0"/>
+          </a:p>
+          <a:p>
+            <a:r>
+              <a:rPr lang="en-US" sz="2400" b="1" dirty="0">
                 <a:latin typeface="Consolas" pitchFamily="49" charset="0"/>
                 <a:cs typeface="Consolas" pitchFamily="49" charset="0"/>
               </a:rPr>
@@ -12013,7 +11203,7 @@
           </a:p>
           <a:p>
             <a:r>
-              <a:rPr lang="en-US" sz="2400" b="1" dirty="0" smtClean="0">
+              <a:rPr lang="en-US" sz="2400" b="1" dirty="0">
                 <a:latin typeface="Consolas" pitchFamily="49" charset="0"/>
                 <a:cs typeface="Consolas" pitchFamily="49" charset="0"/>
               </a:rPr>
@@ -12022,7 +11212,7 @@
           </a:p>
           <a:p>
             <a:r>
-              <a:rPr lang="en-US" sz="2400" b="1" dirty="0" smtClean="0">
+              <a:rPr lang="en-US" sz="2400" b="1" dirty="0">
                 <a:latin typeface="Consolas" pitchFamily="49" charset="0"/>
                 <a:cs typeface="Consolas" pitchFamily="49" charset="0"/>
               </a:rPr>
@@ -12031,7 +11221,7 @@
           </a:p>
           <a:p>
             <a:r>
-              <a:rPr lang="en-US" sz="2400" b="1" dirty="0" smtClean="0">
+              <a:rPr lang="en-US" sz="2400" b="1" dirty="0">
                 <a:latin typeface="Consolas" pitchFamily="49" charset="0"/>
                 <a:cs typeface="Consolas" pitchFamily="49" charset="0"/>
               </a:rPr>
@@ -12039,14 +11229,14 @@
             </a:r>
           </a:p>
           <a:p>
-            <a:endParaRPr lang="en-US" sz="2400" b="1" dirty="0" smtClean="0">
+            <a:endParaRPr lang="en-US" sz="2400" b="1" dirty="0">
               <a:latin typeface="Consolas" pitchFamily="49" charset="0"/>
               <a:cs typeface="Consolas" pitchFamily="49" charset="0"/>
             </a:endParaRPr>
           </a:p>
           <a:p>
             <a:r>
-              <a:rPr lang="en-US" sz="2400" b="1" dirty="0" smtClean="0">
+              <a:rPr lang="en-US" sz="2400" b="1" dirty="0">
                 <a:latin typeface="Consolas" pitchFamily="49" charset="0"/>
                 <a:cs typeface="Consolas" pitchFamily="49" charset="0"/>
               </a:rPr>
@@ -12099,25 +11289,37 @@
           <a:lstStyle/>
           <a:p>
             <a:r>
-              <a:rPr lang="en-US" dirty="0" smtClean="0"/>
-              <a:t>A constructor– given 4 arguments, returns a </a:t>
-            </a:r>
-            <a:r>
-              <a:rPr lang="en-US" b="1" dirty="0" smtClean="0">
+              <a:rPr lang="en-US" dirty="0"/>
+              <a:t>A constructor– GIVEN 4 arguments, </a:t>
+            </a:r>
+            <a:r>
+              <a:rPr lang="en-US" dirty="0">
+                <a:solidFill>
+                  <a:schemeClr val="tx1"/>
+                </a:solidFill>
+              </a:rPr>
+              <a:t>RETURNS</a:t>
+            </a:r>
+            <a:r>
+              <a:rPr lang="en-US" dirty="0"/>
+              <a:t> a </a:t>
+            </a:r>
+            <a:r>
+              <a:rPr lang="en-US" b="1" dirty="0">
                 <a:latin typeface="Consolas" pitchFamily="49" charset="0"/>
                 <a:cs typeface="Consolas" pitchFamily="49" charset="0"/>
               </a:rPr>
               <a:t>book</a:t>
             </a:r>
             <a:r>
-              <a:rPr lang="en-US" b="1" dirty="0" smtClean="0">
+              <a:rPr lang="en-US" b="1" dirty="0">
                 <a:latin typeface="Courier New" pitchFamily="49" charset="0"/>
                 <a:cs typeface="Courier New" pitchFamily="49" charset="0"/>
               </a:rPr>
               <a:t> </a:t>
             </a:r>
             <a:r>
-              <a:rPr lang="en-US" dirty="0" smtClean="0">
+              <a:rPr lang="en-US" dirty="0">
                 <a:cs typeface="Courier New" pitchFamily="49" charset="0"/>
               </a:rPr>
               <a:t>with the given fields</a:t>
@@ -12200,69 +11402,24 @@
           <a:lstStyle/>
           <a:p>
             <a:r>
-              <a:rPr lang="en-US" dirty="0" smtClean="0"/>
-              <a:t>Selectors: GIVEN: a </a:t>
-            </a:r>
-            <a:r>
-              <a:rPr lang="en-US" b="1" dirty="0" smtClean="0">
+              <a:rPr lang="en-US"/>
+              <a:t>Selectors: </a:t>
+            </a:r>
+            <a:r>
+              <a:rPr lang="en-US" dirty="0"/>
+              <a:t>GIVEN: a </a:t>
+            </a:r>
+            <a:r>
+              <a:rPr lang="en-US" b="1" dirty="0">
                 <a:latin typeface="Consolas" pitchFamily="49" charset="0"/>
                 <a:cs typeface="Consolas" pitchFamily="49" charset="0"/>
               </a:rPr>
               <a:t>book</a:t>
             </a:r>
             <a:r>
-              <a:rPr lang="en-US" dirty="0" smtClean="0"/>
+              <a:rPr lang="en-US" dirty="0"/>
               <a:t>, RETURNS: the value of the indicated field.</a:t>
             </a:r>
-            <a:endParaRPr lang="en-US" dirty="0"/>
-          </a:p>
-        </p:txBody>
-      </p:sp>
-      <p:sp>
-        <p:nvSpPr>
-          <p:cNvPr id="10" name="Right Brace 9"/>
-          <p:cNvSpPr/>
-          <p:nvPr/>
-        </p:nvSpPr>
-        <p:spPr>
-          <a:xfrm>
-            <a:off x="2667000" y="4375664"/>
-            <a:ext cx="228600" cy="1263135"/>
-          </a:xfrm>
-          <a:prstGeom prst="rightBrace">
-            <a:avLst>
-              <a:gd name="adj1" fmla="val 45833"/>
-              <a:gd name="adj2" fmla="val 48810"/>
-            </a:avLst>
-          </a:prstGeom>
-          <a:ln w="12700">
-            <a:solidFill>
-              <a:schemeClr val="tx1"/>
-            </a:solidFill>
-            <a:headEnd type="none" w="med" len="med"/>
-            <a:tailEnd type="none" w="med" len="med"/>
-          </a:ln>
-        </p:spPr>
-        <p:style>
-          <a:lnRef idx="1">
-            <a:schemeClr val="accent1"/>
-          </a:lnRef>
-          <a:fillRef idx="0">
-            <a:schemeClr val="accent1"/>
-          </a:fillRef>
-          <a:effectRef idx="0">
-            <a:schemeClr val="accent1"/>
-          </a:effectRef>
-          <a:fontRef idx="minor">
-            <a:schemeClr val="tx1"/>
-          </a:fontRef>
-        </p:style>
-        <p:txBody>
-          <a:bodyPr rtlCol="0" anchor="ctr"/>
-          <a:lstStyle/>
-          <a:p>
-            <a:pPr algn="ctr"/>
-            <a:endParaRPr lang="en-US"/>
           </a:p>
         </p:txBody>
       </p:sp>
@@ -12271,14 +11428,14 @@
           <p:cNvPr id="12" name="Straight Arrow Connector 11"/>
           <p:cNvCxnSpPr>
             <a:stCxn id="9" idx="1"/>
-            <a:endCxn id="10" idx="1"/>
+            <a:endCxn id="22" idx="1"/>
           </p:cNvCxnSpPr>
           <p:nvPr/>
         </p:nvCxnSpPr>
         <p:spPr>
           <a:xfrm flipH="1" flipV="1">
-            <a:off x="2895600" y="4992200"/>
-            <a:ext cx="990600" cy="206854"/>
+            <a:off x="3060933" y="4992200"/>
+            <a:ext cx="825267" cy="206854"/>
           </a:xfrm>
           <a:prstGeom prst="straightConnector1">
             <a:avLst/>
@@ -12342,28 +11499,24 @@
           <a:lstStyle/>
           <a:p>
             <a:r>
-              <a:rPr lang="en-US" dirty="0" smtClean="0"/>
+              <a:rPr lang="en-US" dirty="0"/>
               <a:t>A Predicate: GIVEN: any value, RETURNS: true </a:t>
             </a:r>
             <a:r>
-              <a:rPr lang="en-US" dirty="0" err="1" smtClean="0"/>
+              <a:rPr lang="en-US" dirty="0" err="1"/>
               <a:t>iff</a:t>
             </a:r>
             <a:r>
-              <a:rPr lang="en-US" dirty="0" smtClean="0"/>
+              <a:rPr lang="en-US" dirty="0"/>
               <a:t> it is a </a:t>
             </a:r>
             <a:r>
-              <a:rPr lang="en-US" b="1" dirty="0" smtClean="0">
+              <a:rPr lang="en-US" b="1" dirty="0">
                 <a:latin typeface="Consolas" pitchFamily="49" charset="0"/>
                 <a:cs typeface="Consolas" pitchFamily="49" charset="0"/>
               </a:rPr>
               <a:t>book</a:t>
             </a:r>
-            <a:endParaRPr lang="en-US" b="1" dirty="0">
-              <a:latin typeface="Consolas" pitchFamily="49" charset="0"/>
-              <a:cs typeface="Consolas" pitchFamily="49" charset="0"/>
-            </a:endParaRPr>
           </a:p>
         </p:txBody>
       </p:sp>
@@ -12429,6 +11582,54 @@
           </a:p>
         </p:txBody>
       </p:sp>
+      <p:sp>
+        <p:nvSpPr>
+          <p:cNvPr id="22" name="Right Brace 21"/>
+          <p:cNvSpPr/>
+          <p:nvPr/>
+        </p:nvSpPr>
+        <p:spPr>
+          <a:xfrm>
+            <a:off x="2832333" y="4375664"/>
+            <a:ext cx="228600" cy="1263135"/>
+          </a:xfrm>
+          <a:prstGeom prst="rightBrace">
+            <a:avLst>
+              <a:gd name="adj1" fmla="val 45833"/>
+              <a:gd name="adj2" fmla="val 48810"/>
+            </a:avLst>
+          </a:prstGeom>
+          <a:ln w="12700">
+            <a:solidFill>
+              <a:schemeClr val="tx1"/>
+            </a:solidFill>
+            <a:headEnd type="none" w="med" len="med"/>
+            <a:tailEnd type="none" w="med" len="med"/>
+          </a:ln>
+        </p:spPr>
+        <p:style>
+          <a:lnRef idx="1">
+            <a:schemeClr val="accent1"/>
+          </a:lnRef>
+          <a:fillRef idx="0">
+            <a:schemeClr val="accent1"/>
+          </a:fillRef>
+          <a:effectRef idx="0">
+            <a:schemeClr val="accent1"/>
+          </a:effectRef>
+          <a:fontRef idx="minor">
+            <a:schemeClr val="tx1"/>
+          </a:fontRef>
+        </p:style>
+        <p:txBody>
+          <a:bodyPr rtlCol="0" anchor="ctr"/>
+          <a:lstStyle/>
+          <a:p>
+            <a:pPr algn="ctr"/>
+            <a:endParaRPr lang="en-US"/>
+          </a:p>
+        </p:txBody>
+      </p:sp>
     </p:spTree>
     <p:extLst>
       <p:ext uri="{BB962C8B-B14F-4D97-AF65-F5344CB8AC3E}">
@@ -12439,13 +11640,6 @@
   <p:clrMapOvr>
     <a:masterClrMapping/>
   </p:clrMapOvr>
-  <p:timing>
-    <p:tnLst>
-      <p:par>
-        <p:cTn id="1" dur="indefinite" restart="never" nodeType="tmRoot"/>
-      </p:par>
-    </p:tnLst>
-  </p:timing>
 </p:sld>
 </file>
 
@@ -12482,10 +11676,9 @@
           <a:lstStyle/>
           <a:p>
             <a:r>
-              <a:rPr lang="en-US" dirty="0" smtClean="0"/>
+              <a:rPr lang="en-US" dirty="0"/>
               <a:t>DDR Step 3. Constructor Template</a:t>
             </a:r>
-            <a:endParaRPr lang="en-US" dirty="0"/>
           </a:p>
         </p:txBody>
       </p:sp>
@@ -12505,13 +11698,13 @@
           <a:lstStyle/>
           <a:p>
             <a:r>
-              <a:rPr lang="en-US" dirty="0" smtClean="0"/>
+              <a:rPr lang="en-US" dirty="0"/>
               <a:t>Tells how to construct a value of this type.</a:t>
             </a:r>
           </a:p>
           <a:p>
             <a:r>
-              <a:rPr lang="en-US" dirty="0" smtClean="0"/>
+              <a:rPr lang="en-US" dirty="0"/>
               <a:t>We’ll start with the most general case– mixed data– and then see how the others are special cases.</a:t>
             </a:r>
           </a:p>
@@ -12554,13 +11747,6 @@
   <p:clrMapOvr>
     <a:masterClrMapping/>
   </p:clrMapOvr>
-  <p:timing>
-    <p:tnLst>
-      <p:par>
-        <p:cTn id="1" dur="indefinite" restart="never" nodeType="tmRoot"/>
-      </p:par>
-    </p:tnLst>
-  </p:timing>
 </p:sld>
 </file>
 
